--- a/Proposal.pptx
+++ b/Proposal.pptx
@@ -253,7 +253,7 @@
           <a:p>
             <a:fld id="{80680FBE-A8DF-4758-9AC4-3A9E1039168F}" type="datetimeFigureOut">
               <a:rPr lang="en-US" smtClean="0"/>
-              <a:t>9/15/2018</a:t>
+              <a:t>9/16/2018</a:t>
             </a:fld>
             <a:endParaRPr lang="en-US"/>
           </a:p>
@@ -418,7 +418,7 @@
           <a:p>
             <a:fld id="{EC13577B-6902-467D-A26C-08A0DD5E4E03}" type="datetimeFigureOut">
               <a:rPr lang="en-US" smtClean="0"/>
-              <a:t>9/15/2018</a:t>
+              <a:t>9/16/2018</a:t>
             </a:fld>
             <a:endParaRPr lang="en-US"/>
           </a:p>
@@ -1310,7 +1310,7 @@
             <a:fld id="{8BEEBAAA-29B5-4AF5-BC5F-7E580C29002D}" type="datetimeFigureOut">
               <a:rPr lang="en-US" smtClean="0"/>
               <a:pPr/>
-              <a:t>9/15/2018</a:t>
+              <a:t>9/16/2018</a:t>
             </a:fld>
             <a:endParaRPr lang="en-US" dirty="0"/>
           </a:p>
@@ -1971,7 +1971,7 @@
             <a:fld id="{8BEEBAAA-29B5-4AF5-BC5F-7E580C29002D}" type="datetimeFigureOut">
               <a:rPr lang="en-US" smtClean="0"/>
               <a:pPr/>
-              <a:t>9/15/2018</a:t>
+              <a:t>9/16/2018</a:t>
             </a:fld>
             <a:endParaRPr lang="en-US" dirty="0"/>
           </a:p>
@@ -2668,16 +2668,12 @@
               </a:rPr>
               <a:t>CPU&amp;GPU parallel</a:t>
             </a:r>
-            <a:endParaRPr lang="en-US" dirty="0">
-              <a:latin typeface="Segoe UI Light" panose="020B0502040204020203" pitchFamily="34" charset="0"/>
-              <a:cs typeface="Segoe UI Light" panose="020B0502040204020203" pitchFamily="34" charset="0"/>
-            </a:endParaRPr>
           </a:p>
         </p:txBody>
       </p:sp>
       <p:pic>
         <p:nvPicPr>
-          <p:cNvPr id="2" name="Picture 1"/>
+          <p:cNvPr id="3" name="Picture 2"/>
           <p:cNvPicPr>
             <a:picLocks noChangeAspect="1"/>
           </p:cNvPicPr>
@@ -2691,8 +2687,8 @@
         </p:blipFill>
         <p:spPr>
           <a:xfrm>
-            <a:off x="621792" y="1229569"/>
-            <a:ext cx="10963656" cy="5533060"/>
+            <a:off x="521207" y="1233208"/>
+            <a:ext cx="11066735" cy="5586249"/>
           </a:xfrm>
           <a:prstGeom prst="rect">
             <a:avLst/>
@@ -3132,15 +3128,8 @@
                 <a:latin typeface="Segoe UI" panose="020B0502040204020203" pitchFamily="34" charset="0"/>
                 <a:cs typeface="Segoe UI" panose="020B0502040204020203" pitchFamily="34" charset="0"/>
               </a:rPr>
-              <a:t>Complex functions, require for extensible for modules</a:t>
+              <a:t>Designed for complex functionalities, requires </a:t>
             </a:r>
-          </a:p>
-          <a:p>
-            <a:pPr>
-              <a:spcAft>
-                <a:spcPts val="2000"/>
-              </a:spcAft>
-            </a:pPr>
             <a:r>
               <a:rPr lang="en-US" dirty="0" smtClean="0">
                 <a:solidFill>
@@ -3152,7 +3141,33 @@
                 <a:latin typeface="Segoe UI" panose="020B0502040204020203" pitchFamily="34" charset="0"/>
                 <a:cs typeface="Segoe UI" panose="020B0502040204020203" pitchFamily="34" charset="0"/>
               </a:rPr>
-              <a:t>Most of the modules are not required for high graphical performance</a:t>
+              <a:t>for </a:t>
+            </a:r>
+            <a:r>
+              <a:rPr lang="en-US" dirty="0">
+                <a:solidFill>
+                  <a:prstClr val="black">
+                    <a:lumMod val="75000"/>
+                    <a:lumOff val="25000"/>
+                  </a:prstClr>
+                </a:solidFill>
+                <a:latin typeface="Segoe UI" panose="020B0502040204020203" pitchFamily="34" charset="0"/>
+                <a:cs typeface="Segoe UI" panose="020B0502040204020203" pitchFamily="34" charset="0"/>
+              </a:rPr>
+              <a:t>modules </a:t>
+            </a:r>
+            <a:r>
+              <a:rPr lang="en-US" dirty="0" smtClean="0">
+                <a:solidFill>
+                  <a:prstClr val="black">
+                    <a:lumMod val="75000"/>
+                    <a:lumOff val="25000"/>
+                  </a:prstClr>
+                </a:solidFill>
+                <a:latin typeface="Segoe UI" panose="020B0502040204020203" pitchFamily="34" charset="0"/>
+                <a:cs typeface="Segoe UI" panose="020B0502040204020203" pitchFamily="34" charset="0"/>
+              </a:rPr>
+              <a:t>extensibility</a:t>
             </a:r>
             <a:endParaRPr lang="en-US" dirty="0" smtClean="0">
               <a:solidFill>
@@ -3164,6 +3179,26 @@
               <a:latin typeface="Segoe UI" panose="020B0502040204020203" pitchFamily="34" charset="0"/>
               <a:cs typeface="Segoe UI" panose="020B0502040204020203" pitchFamily="34" charset="0"/>
             </a:endParaRPr>
+          </a:p>
+          <a:p>
+            <a:pPr>
+              <a:spcAft>
+                <a:spcPts val="2000"/>
+              </a:spcAft>
+            </a:pPr>
+            <a:r>
+              <a:rPr lang="en-US" dirty="0" smtClean="0">
+                <a:solidFill>
+                  <a:prstClr val="black">
+                    <a:lumMod val="75000"/>
+                    <a:lumOff val="25000"/>
+                  </a:prstClr>
+                </a:solidFill>
+                <a:latin typeface="Segoe UI" panose="020B0502040204020203" pitchFamily="34" charset="0"/>
+                <a:cs typeface="Segoe UI" panose="020B0502040204020203" pitchFamily="34" charset="0"/>
+              </a:rPr>
+              <a:t>Most of the modules are not required for high graphical performance</a:t>
+            </a:r>
           </a:p>
           <a:p>
             <a:pPr>
@@ -3293,8 +3328,8 @@
         </p:nvSpPr>
         <p:spPr>
           <a:xfrm>
-            <a:off x="1084809" y="3964966"/>
-            <a:ext cx="10409682" cy="2028264"/>
+            <a:off x="1084809" y="3964965"/>
+            <a:ext cx="10409682" cy="2521559"/>
           </a:xfrm>
           <a:prstGeom prst="rect">
             <a:avLst/>
@@ -3556,8 +3591,51 @@
                 <a:latin typeface="Segoe UI" panose="020B0502040204020203" pitchFamily="34" charset="0"/>
                 <a:cs typeface="Segoe UI" panose="020B0502040204020203" pitchFamily="34" charset="0"/>
               </a:rPr>
-              <a:t>Change pre-defined graphical procedure should be cautious, or is not possible</a:t>
+              <a:t>Change pre-defined graphical procedure should be </a:t>
             </a:r>
+            <a:r>
+              <a:rPr lang="en-US" dirty="0" smtClean="0">
+                <a:solidFill>
+                  <a:prstClr val="black">
+                    <a:lumMod val="75000"/>
+                    <a:lumOff val="25000"/>
+                  </a:prstClr>
+                </a:solidFill>
+                <a:latin typeface="Segoe UI" panose="020B0502040204020203" pitchFamily="34" charset="0"/>
+                <a:cs typeface="Segoe UI" panose="020B0502040204020203" pitchFamily="34" charset="0"/>
+              </a:rPr>
+              <a:t>cautious</a:t>
+            </a:r>
+          </a:p>
+          <a:p>
+            <a:pPr>
+              <a:spcAft>
+                <a:spcPts val="2000"/>
+              </a:spcAft>
+            </a:pPr>
+            <a:r>
+              <a:rPr lang="en-US" dirty="0" smtClean="0">
+                <a:solidFill>
+                  <a:prstClr val="black">
+                    <a:lumMod val="75000"/>
+                    <a:lumOff val="25000"/>
+                  </a:prstClr>
+                </a:solidFill>
+                <a:latin typeface="Segoe UI" panose="020B0502040204020203" pitchFamily="34" charset="0"/>
+                <a:cs typeface="Segoe UI" panose="020B0502040204020203" pitchFamily="34" charset="0"/>
+              </a:rPr>
+              <a:t>Graphical procedure customization is limited</a:t>
+            </a:r>
+            <a:endParaRPr lang="en-US" dirty="0" smtClean="0">
+              <a:solidFill>
+                <a:prstClr val="black">
+                  <a:lumMod val="75000"/>
+                  <a:lumOff val="25000"/>
+                </a:prstClr>
+              </a:solidFill>
+              <a:latin typeface="Segoe UI" panose="020B0502040204020203" pitchFamily="34" charset="0"/>
+              <a:cs typeface="Segoe UI" panose="020B0502040204020203" pitchFamily="34" charset="0"/>
+            </a:endParaRPr>
           </a:p>
           <a:p>
             <a:pPr>
@@ -3795,7 +3873,7 @@
       </p:sp>
       <p:pic>
         <p:nvPicPr>
-          <p:cNvPr id="3" name="Picture 2"/>
+          <p:cNvPr id="5" name="Picture 4"/>
           <p:cNvPicPr>
             <a:picLocks noChangeAspect="1"/>
           </p:cNvPicPr>
@@ -3809,14 +3887,45 @@
         </p:blipFill>
         <p:spPr>
           <a:xfrm>
-            <a:off x="603505" y="1222861"/>
-            <a:ext cx="11029160" cy="5328433"/>
+            <a:off x="600713" y="1230284"/>
+            <a:ext cx="11003854" cy="5027523"/>
           </a:xfrm>
           <a:prstGeom prst="rect">
             <a:avLst/>
           </a:prstGeom>
         </p:spPr>
       </p:pic>
+      <p:sp>
+        <p:nvSpPr>
+          <p:cNvPr id="6" name="Rectangle 5"/>
+          <p:cNvSpPr/>
+          <p:nvPr/>
+        </p:nvSpPr>
+        <p:spPr>
+          <a:xfrm>
+            <a:off x="600713" y="6257807"/>
+            <a:ext cx="5224892" cy="369332"/>
+          </a:xfrm>
+          <a:prstGeom prst="rect">
+            <a:avLst/>
+          </a:prstGeom>
+        </p:spPr>
+        <p:txBody>
+          <a:bodyPr wrap="none">
+            <a:spAutoFit/>
+          </a:bodyPr>
+          <a:lstStyle/>
+          <a:p>
+            <a:r>
+              <a:rPr lang="en-US" dirty="0">
+                <a:hlinkClick r:id="rId3"/>
+              </a:rPr>
+              <a:t>https://www.youtube.com/watch?v=JqwzVPtCa6g</a:t>
+            </a:r>
+            <a:endParaRPr lang="en-US" dirty="0"/>
+          </a:p>
+        </p:txBody>
+      </p:sp>
     </p:spTree>
     <p:extLst>
       <p:ext uri="{BB962C8B-B14F-4D97-AF65-F5344CB8AC3E}">
@@ -3924,7 +4033,7 @@
             </p:spPr>
             <p:txBody>
               <a:bodyPr vert="horz" lIns="91440" tIns="45720" rIns="91440" bIns="45720" rtlCol="0">
-                <a:normAutofit/>
+                <a:normAutofit fontScale="92500"/>
               </a:bodyPr>
               <a:lstStyle>
                 <a:lvl1pPr marL="228600" indent="-228600" algn="l" defTabSz="914400" rtl="0" eaLnBrk="1" latinLnBrk="0" hangingPunct="1">
@@ -4145,47 +4254,180 @@
                 <a:pPr lvl="0"/>
                 <a:r>
                   <a:rPr lang="en-US" dirty="0"/>
-                  <a:t>Image</a:t>
+                  <a:t>Image </a:t>
                 </a:r>
-                <a:r>
-                  <a:rPr lang="en-US" dirty="0"/>
-                  <a:t> </a:t>
-                </a:r>
-                <a:r>
-                  <a:rPr lang="en-US" dirty="0" err="1"/>
-                  <a:t>Img</a:t>
-                </a:r>
-                <a:r>
-                  <a:rPr lang="en-US" baseline="-25000" dirty="0" err="1"/>
-                  <a:t>n</a:t>
-                </a:r>
-                <a:r>
-                  <a:rPr lang="en-US" dirty="0"/>
-                  <a:t> = </a:t>
-                </a:r>
-                <a:r>
-                  <a:rPr lang="en-US" dirty="0"/>
-                  <a:t>Black</a:t>
-                </a:r>
+                <a14:m>
+                  <m:oMath xmlns:m="http://schemas.openxmlformats.org/officeDocument/2006/math">
+                    <m:r>
+                      <a:rPr lang="en-US" i="1"/>
+                      <m:t>𝐼𝑚</m:t>
+                    </m:r>
+                    <m:sSub>
+                      <m:sSubPr>
+                        <m:ctrlPr>
+                          <a:rPr lang="en-US" i="1"/>
+                        </m:ctrlPr>
+                      </m:sSubPr>
+                      <m:e>
+                        <m:r>
+                          <a:rPr lang="en-US" i="1"/>
+                          <m:t>𝑔</m:t>
+                        </m:r>
+                      </m:e>
+                      <m:sub>
+                        <m:r>
+                          <a:rPr lang="en-US" i="1"/>
+                          <m:t>𝑛</m:t>
+                        </m:r>
+                      </m:sub>
+                    </m:sSub>
+                    <m:r>
+                      <a:rPr lang="en-US" i="1"/>
+                      <m:t>←</m:t>
+                    </m:r>
+                    <m:r>
+                      <a:rPr lang="en-US" i="1"/>
+                      <m:t>𝐵𝑙𝑎𝑐𝑘</m:t>
+                    </m:r>
+                  </m:oMath>
+                </a14:m>
                 <a:endParaRPr lang="en-US" sz="1600" dirty="0"/>
               </a:p>
               <a:p>
                 <a:pPr lvl="0"/>
                 <a:r>
                   <a:rPr lang="en-US" dirty="0"/>
-                  <a:t>For light source l </a:t>
+                  <a:t>For light source </a:t>
                 </a:r>
                 <a14:m>
                   <m:oMath xmlns:m="http://schemas.openxmlformats.org/officeDocument/2006/math">
                     <m:r>
                       <a:rPr lang="en-US" i="1"/>
-                      <m:t>∈</m:t>
+                      <m:t>𝑙</m:t>
+                    </m:r>
+                    <m:r>
+                      <a:rPr lang="en-US" i="1"/>
+                      <m:t> ∈</m:t>
+                    </m:r>
+                    <m:r>
+                      <a:rPr lang="en-US"/>
+                      <m:t>{{</m:t>
+                    </m:r>
+                    <m:r>
+                      <m:rPr>
+                        <m:sty m:val="p"/>
+                      </m:rPr>
+                      <a:rPr lang="en-US"/>
+                      <m:t>ambient</m:t>
+                    </m:r>
+                    <m:r>
+                      <a:rPr lang="en-US"/>
+                      <m:t> </m:t>
+                    </m:r>
+                    <m:r>
+                      <m:rPr>
+                        <m:sty m:val="p"/>
+                      </m:rPr>
+                      <a:rPr lang="en-US"/>
+                      <m:t>lights</m:t>
+                    </m:r>
+                    <m:r>
+                      <a:rPr lang="en-US"/>
+                      <m:t>}, {</m:t>
+                    </m:r>
+                    <m:r>
+                      <m:rPr>
+                        <m:sty m:val="p"/>
+                      </m:rPr>
+                      <a:rPr lang="en-US"/>
+                      <m:t>directional</m:t>
+                    </m:r>
+                    <m:r>
+                      <a:rPr lang="en-US"/>
+                      <m:t> </m:t>
+                    </m:r>
+                    <m:r>
+                      <m:rPr>
+                        <m:sty m:val="p"/>
+                      </m:rPr>
+                      <a:rPr lang="en-US"/>
+                      <m:t>lights</m:t>
+                    </m:r>
+                    <m:r>
+                      <a:rPr lang="en-US"/>
+                      <m:t>}, {</m:t>
+                    </m:r>
+                    <m:r>
+                      <m:rPr>
+                        <m:sty m:val="p"/>
+                      </m:rPr>
+                      <a:rPr lang="en-US"/>
+                      <m:t>point</m:t>
+                    </m:r>
+                    <m:r>
+                      <a:rPr lang="en-US"/>
+                      <m:t> </m:t>
+                    </m:r>
+                    <m:r>
+                      <m:rPr>
+                        <m:sty m:val="p"/>
+                      </m:rPr>
+                      <a:rPr lang="en-US"/>
+                      <m:t>lights</m:t>
+                    </m:r>
+                    <m:r>
+                      <a:rPr lang="en-US"/>
+                      <m:t>}, {</m:t>
+                    </m:r>
+                    <m:r>
+                      <m:rPr>
+                        <m:sty m:val="p"/>
+                      </m:rPr>
+                      <a:rPr lang="en-US"/>
+                      <m:t>spot</m:t>
+                    </m:r>
+                    <m:r>
+                      <a:rPr lang="en-US"/>
+                      <m:t> </m:t>
+                    </m:r>
+                    <m:r>
+                      <m:rPr>
+                        <m:sty m:val="p"/>
+                      </m:rPr>
+                      <a:rPr lang="en-US"/>
+                      <m:t>lights</m:t>
+                    </m:r>
+                    <m:r>
+                      <a:rPr lang="en-US"/>
+                      <m:t>}, {</m:t>
+                    </m:r>
+                    <m:r>
+                      <m:rPr>
+                        <m:sty m:val="p"/>
+                      </m:rPr>
+                      <a:rPr lang="en-US"/>
+                      <m:t>area</m:t>
+                    </m:r>
+                    <m:r>
+                      <a:rPr lang="en-US"/>
+                      <m:t> </m:t>
+                    </m:r>
+                    <m:r>
+                      <m:rPr>
+                        <m:sty m:val="p"/>
+                      </m:rPr>
+                      <a:rPr lang="en-US"/>
+                      <m:t>lights</m:t>
+                    </m:r>
+                    <m:r>
+                      <a:rPr lang="en-US"/>
+                      <m:t>}} </m:t>
                     </m:r>
                   </m:oMath>
                 </a14:m>
                 <a:r>
                   <a:rPr lang="en-US" dirty="0"/>
-                  <a:t> {{ambient lights}, {directional lights}, {point lights}, {spot lights}, {area lights}} do</a:t>
+                  <a:t> do</a:t>
                 </a:r>
                 <a:endParaRPr lang="en-US" sz="1600" dirty="0"/>
               </a:p>
@@ -4193,7 +4435,15 @@
                 <a:pPr lvl="1"/>
                 <a:r>
                   <a:rPr lang="en-US" dirty="0"/>
-                  <a:t>Select grouped objects s that use same </a:t>
+                  <a:t>Select grouped objects </a:t>
+                </a:r>
+                <a:r>
+                  <a:rPr lang="en-US" i="1" dirty="0"/>
+                  <a:t>s </a:t>
+                </a:r>
+                <a:r>
+                  <a:rPr lang="en-US" dirty="0"/>
+                  <a:t>that use same </a:t>
                 </a:r>
                 <a:r>
                   <a:rPr lang="en-US" dirty="0" err="1"/>
@@ -4201,15 +4451,43 @@
                 </a:r>
                 <a:r>
                   <a:rPr lang="en-US" dirty="0"/>
-                  <a:t> p rendered under l</a:t>
+                  <a:t> </a:t>
                 </a:r>
+                <a14:m>
+                  <m:oMath xmlns:m="http://schemas.openxmlformats.org/officeDocument/2006/math">
+                    <m:r>
+                      <a:rPr lang="en-US" i="1"/>
+                      <m:t>𝑝</m:t>
+                    </m:r>
+                  </m:oMath>
+                </a14:m>
+                <a:r>
+                  <a:rPr lang="en-US" dirty="0"/>
+                  <a:t> rendered under</a:t>
+                </a:r>
+                <a14:m>
+                  <m:oMath xmlns:m="http://schemas.openxmlformats.org/officeDocument/2006/math">
+                    <m:r>
+                      <a:rPr lang="en-US" i="1"/>
+                      <m:t> </m:t>
+                    </m:r>
+                    <m:r>
+                      <a:rPr lang="en-US" i="1"/>
+                      <m:t>𝑙</m:t>
+                    </m:r>
+                  </m:oMath>
+                </a14:m>
                 <a:endParaRPr lang="en-US" sz="1600" dirty="0"/>
               </a:p>
               <a:p>
                 <a:pPr lvl="1"/>
                 <a:r>
                   <a:rPr lang="en-US" dirty="0"/>
-                  <a:t>Set vertex buffer with geometry data of s</a:t>
+                  <a:t>Set vertex buffer with geometry data of </a:t>
+                </a:r>
+                <a:r>
+                  <a:rPr lang="en-US" i="1" dirty="0"/>
+                  <a:t>s</a:t>
                 </a:r>
                 <a:endParaRPr lang="en-US" sz="1600" dirty="0"/>
               </a:p>
@@ -4225,7 +4503,23 @@
                 </a:r>
                 <a:r>
                   <a:rPr lang="en-US" dirty="0"/>
-                  <a:t> program p attached with s</a:t>
+                  <a:t> program </a:t>
+                </a:r>
+                <a14:m>
+                  <m:oMath xmlns:m="http://schemas.openxmlformats.org/officeDocument/2006/math">
+                    <m:r>
+                      <a:rPr lang="en-US" i="1"/>
+                      <m:t>𝑝</m:t>
+                    </m:r>
+                  </m:oMath>
+                </a14:m>
+                <a:r>
+                  <a:rPr lang="en-US" dirty="0"/>
+                  <a:t> attached with</a:t>
+                </a:r>
+                <a:r>
+                  <a:rPr lang="en-US" i="1" dirty="0"/>
+                  <a:t> s</a:t>
                 </a:r>
                 <a:endParaRPr lang="en-US" sz="1600" dirty="0"/>
               </a:p>
@@ -4233,7 +4527,7 @@
                 <a:pPr lvl="1"/>
                 <a:r>
                   <a:rPr lang="en-US" dirty="0"/>
-                  <a:t>For each object o </a:t>
+                  <a:t>For each object o</a:t>
                 </a:r>
                 <a14:m>
                   <m:oMath xmlns:m="http://schemas.openxmlformats.org/officeDocument/2006/math">
@@ -4241,63 +4535,214 @@
                       <a:rPr lang="en-US" i="1"/>
                       <m:t>∈</m:t>
                     </m:r>
+                    <m:r>
+                      <a:rPr lang="en-US" i="1"/>
+                      <m:t>𝑠</m:t>
+                    </m:r>
                   </m:oMath>
                 </a14:m>
                 <a:r>
                   <a:rPr lang="en-US" dirty="0"/>
-                  <a:t> s do</a:t>
+                  <a:t> do</a:t>
                 </a:r>
                 <a:endParaRPr lang="en-US" sz="1600" dirty="0"/>
               </a:p>
               <a:p>
                 <a:pPr lvl="2"/>
-                <a:r>
-                  <a:rPr lang="en-US" dirty="0"/>
-                  <a:t>Img</a:t>
-                </a:r>
-                <a:r>
-                  <a:rPr lang="en-US" baseline="-25000" dirty="0"/>
-                  <a:t>n+1</a:t>
-                </a:r>
-                <a:r>
-                  <a:rPr lang="en-US" dirty="0"/>
-                  <a:t> = Render(l, o, p)</a:t>
-                </a:r>
+                <a14:m>
+                  <m:oMath xmlns:m="http://schemas.openxmlformats.org/officeDocument/2006/math">
+                    <m:r>
+                      <a:rPr lang="en-US" i="1"/>
+                      <m:t>𝐼𝑚</m:t>
+                    </m:r>
+                    <m:sSub>
+                      <m:sSubPr>
+                        <m:ctrlPr>
+                          <a:rPr lang="en-US" i="1"/>
+                        </m:ctrlPr>
+                      </m:sSubPr>
+                      <m:e>
+                        <m:r>
+                          <a:rPr lang="en-US" i="1"/>
+                          <m:t>𝑔</m:t>
+                        </m:r>
+                      </m:e>
+                      <m:sub>
+                        <m:r>
+                          <a:rPr lang="en-US" i="1"/>
+                          <m:t>𝑛</m:t>
+                        </m:r>
+                        <m:r>
+                          <a:rPr lang="en-US" i="1"/>
+                          <m:t>+1</m:t>
+                        </m:r>
+                      </m:sub>
+                    </m:sSub>
+                    <m:r>
+                      <a:rPr lang="en-US" i="1"/>
+                      <m:t>←</m:t>
+                    </m:r>
+                    <m:r>
+                      <a:rPr lang="en-US"/>
+                      <m:t> </m:t>
+                    </m:r>
+                    <m:r>
+                      <m:rPr>
+                        <m:sty m:val="p"/>
+                      </m:rPr>
+                      <a:rPr lang="en-US"/>
+                      <m:t>Render</m:t>
+                    </m:r>
+                    <m:r>
+                      <a:rPr lang="en-US"/>
+                      <m:t>(</m:t>
+                    </m:r>
+                    <m:r>
+                      <m:rPr>
+                        <m:sty m:val="p"/>
+                      </m:rPr>
+                      <a:rPr lang="en-US"/>
+                      <m:t>l</m:t>
+                    </m:r>
+                    <m:r>
+                      <a:rPr lang="en-US"/>
+                      <m:t>, </m:t>
+                    </m:r>
+                    <m:r>
+                      <m:rPr>
+                        <m:sty m:val="p"/>
+                      </m:rPr>
+                      <a:rPr lang="en-US"/>
+                      <m:t>o</m:t>
+                    </m:r>
+                    <m:r>
+                      <a:rPr lang="en-US"/>
+                      <m:t>, </m:t>
+                    </m:r>
+                    <m:r>
+                      <m:rPr>
+                        <m:sty m:val="p"/>
+                      </m:rPr>
+                      <a:rPr lang="en-US"/>
+                      <m:t>p</m:t>
+                    </m:r>
+                    <m:r>
+                      <a:rPr lang="en-US"/>
+                      <m:t>)</m:t>
+                    </m:r>
+                  </m:oMath>
+                </a14:m>
                 <a:endParaRPr lang="en-US" sz="1600" dirty="0"/>
               </a:p>
               <a:p>
                 <a:pPr lvl="2"/>
-                <a:r>
-                  <a:rPr lang="en-US" dirty="0" err="1"/>
-                  <a:t>Img</a:t>
-                </a:r>
-                <a:r>
-                  <a:rPr lang="en-US" baseline="-25000" dirty="0" err="1"/>
-                  <a:t>n</a:t>
-                </a:r>
+                <a14:m>
+                  <m:oMath xmlns:m="http://schemas.openxmlformats.org/officeDocument/2006/math">
+                    <m:r>
+                      <a:rPr lang="en-US" i="1"/>
+                      <m:t>𝐼𝑚</m:t>
+                    </m:r>
+                    <m:sSub>
+                      <m:sSubPr>
+                        <m:ctrlPr>
+                          <a:rPr lang="en-US" i="1"/>
+                        </m:ctrlPr>
+                      </m:sSubPr>
+                      <m:e>
+                        <m:r>
+                          <a:rPr lang="en-US" i="1"/>
+                          <m:t>𝑔</m:t>
+                        </m:r>
+                      </m:e>
+                      <m:sub>
+                        <m:r>
+                          <a:rPr lang="en-US" i="1"/>
+                          <m:t>𝑛</m:t>
+                        </m:r>
+                      </m:sub>
+                    </m:sSub>
+                    <m:r>
+                      <a:rPr lang="en-US" i="1"/>
+                      <m:t>←</m:t>
+                    </m:r>
+                    <m:r>
+                      <m:rPr>
+                        <m:sty m:val="p"/>
+                      </m:rPr>
+                      <a:rPr lang="en-US"/>
+                      <m:t>Blend</m:t>
+                    </m:r>
+                    <m:r>
+                      <a:rPr lang="en-US"/>
+                      <m:t>(</m:t>
+                    </m:r>
+                    <m:sSub>
+                      <m:sSubPr>
+                        <m:ctrlPr>
+                          <a:rPr lang="en-US" i="1"/>
+                        </m:ctrlPr>
+                      </m:sSubPr>
+                      <m:e>
+                        <m:r>
+                          <m:rPr>
+                            <m:sty m:val="p"/>
+                          </m:rPr>
+                          <a:rPr lang="en-US"/>
+                          <m:t>Img</m:t>
+                        </m:r>
+                      </m:e>
+                      <m:sub>
+                        <m:r>
+                          <m:rPr>
+                            <m:sty m:val="p"/>
+                          </m:rPr>
+                          <a:rPr lang="en-US" baseline="-25000"/>
+                          <m:t>n</m:t>
+                        </m:r>
+                      </m:sub>
+                    </m:sSub>
+                    <m:r>
+                      <a:rPr lang="en-US"/>
+                      <m:t>, </m:t>
+                    </m:r>
+                    <m:sSub>
+                      <m:sSubPr>
+                        <m:ctrlPr>
+                          <a:rPr lang="en-US" i="1"/>
+                        </m:ctrlPr>
+                      </m:sSubPr>
+                      <m:e>
+                        <m:r>
+                          <m:rPr>
+                            <m:sty m:val="p"/>
+                          </m:rPr>
+                          <a:rPr lang="en-US"/>
+                          <m:t>Img</m:t>
+                        </m:r>
+                      </m:e>
+                      <m:sub>
+                        <m:r>
+                          <m:rPr>
+                            <m:sty m:val="p"/>
+                          </m:rPr>
+                          <a:rPr lang="en-US" baseline="-25000"/>
+                          <m:t>n</m:t>
+                        </m:r>
+                        <m:r>
+                          <a:rPr lang="en-US" baseline="-25000"/>
+                          <m:t>+1</m:t>
+                        </m:r>
+                      </m:sub>
+                    </m:sSub>
+                    <m:r>
+                      <a:rPr lang="en-US"/>
+                      <m:t>)</m:t>
+                    </m:r>
+                  </m:oMath>
+                </a14:m>
                 <a:r>
                   <a:rPr lang="en-US" dirty="0"/>
-                  <a:t> = Blend(</a:t>
-                </a:r>
-                <a:r>
-                  <a:rPr lang="en-US" dirty="0" err="1"/>
-                  <a:t>Img</a:t>
-                </a:r>
-                <a:r>
-                  <a:rPr lang="en-US" baseline="-25000" dirty="0" err="1"/>
-                  <a:t>n</a:t>
-                </a:r>
-                <a:r>
-                  <a:rPr lang="en-US" dirty="0"/>
-                  <a:t>, Img</a:t>
-                </a:r>
-                <a:r>
-                  <a:rPr lang="en-US" baseline="-25000" dirty="0"/>
-                  <a:t>n+1</a:t>
-                </a:r>
-                <a:r>
-                  <a:rPr lang="en-US" dirty="0"/>
-                  <a:t>)</a:t>
+                  <a:t> </a:t>
                 </a:r>
                 <a:endParaRPr lang="en-US" sz="1600" dirty="0"/>
               </a:p>
@@ -4307,17 +4752,40 @@
                   <a:rPr lang="en-US" dirty="0"/>
                   <a:t>Render </a:t>
                 </a:r>
+                <a14:m>
+                  <m:oMath xmlns:m="http://schemas.openxmlformats.org/officeDocument/2006/math">
+                    <m:r>
+                      <a:rPr lang="en-US" i="1"/>
+                      <m:t>𝐼𝑚</m:t>
+                    </m:r>
+                    <m:sSub>
+                      <m:sSubPr>
+                        <m:ctrlPr>
+                          <a:rPr lang="en-US" i="1"/>
+                        </m:ctrlPr>
+                      </m:sSubPr>
+                      <m:e>
+                        <m:r>
+                          <a:rPr lang="en-US" i="1"/>
+                          <m:t>𝑔</m:t>
+                        </m:r>
+                      </m:e>
+                      <m:sub>
+                        <m:r>
+                          <a:rPr lang="en-US" i="1"/>
+                          <m:t>𝑛</m:t>
+                        </m:r>
+                      </m:sub>
+                    </m:sSub>
+                  </m:oMath>
+                </a14:m>
                 <a:r>
-                  <a:rPr lang="en-US" dirty="0" err="1"/>
-                  <a:t>Img</a:t>
+                  <a:rPr lang="en-US" dirty="0"/>
+                  <a:t> to </a:t>
                 </a:r>
                 <a:r>
-                  <a:rPr lang="en-US" baseline="-25000" dirty="0" err="1"/>
-                  <a:t>n</a:t>
-                </a:r>
-                <a:r>
-                  <a:rPr lang="en-US" dirty="0"/>
-                  <a:t> to display</a:t>
+                  <a:rPr lang="en-US" dirty="0" smtClean="0"/>
+                  <a:t>display</a:t>
                 </a:r>
                 <a:endParaRPr lang="en-US" sz="1600" dirty="0"/>
               </a:p>
@@ -4356,7 +4824,7 @@
               <a:blipFill>
                 <a:blip r:embed="rId2"/>
                 <a:stretch>
-                  <a:fillRect l="-87"/>
+                  <a:fillRect/>
                 </a:stretch>
               </a:blipFill>
             </p:spPr>
@@ -4375,188 +4843,623 @@
           </p:sp>
         </mc:Fallback>
       </mc:AlternateContent>
-      <p:sp>
-        <p:nvSpPr>
-          <p:cNvPr id="9" name="Rectangle 8"/>
-          <p:cNvSpPr/>
-          <p:nvPr/>
-        </p:nvSpPr>
-        <p:spPr>
-          <a:xfrm>
-            <a:off x="7912608" y="1296100"/>
-            <a:ext cx="3681984" cy="1278042"/>
-          </a:xfrm>
-          <a:prstGeom prst="rect">
-            <a:avLst/>
-          </a:prstGeom>
-        </p:spPr>
-        <p:txBody>
-          <a:bodyPr wrap="square">
-            <a:spAutoFit/>
-          </a:bodyPr>
-          <a:lstStyle/>
-          <a:p>
-            <a:pPr>
-              <a:lnSpc>
-                <a:spcPct val="107000"/>
-              </a:lnSpc>
-            </a:pPr>
-            <a:r>
-              <a:rPr lang="en-US" sz="1200" dirty="0" smtClean="0">
-                <a:solidFill>
-                  <a:prstClr val="black">
-                    <a:lumMod val="75000"/>
-                    <a:lumOff val="25000"/>
-                  </a:prstClr>
-                </a:solidFill>
-                <a:latin typeface="Segoe UI" panose="020B0502040204020203" pitchFamily="34" charset="0"/>
-                <a:cs typeface="Segoe UI" panose="020B0502040204020203" pitchFamily="34" charset="0"/>
-              </a:rPr>
-              <a:t>Pseudo code for Blend:</a:t>
-            </a:r>
-            <a:endParaRPr lang="en-US" sz="1200" dirty="0">
-              <a:solidFill>
-                <a:prstClr val="black">
-                  <a:lumMod val="75000"/>
-                  <a:lumOff val="25000"/>
-                </a:prstClr>
-              </a:solidFill>
-              <a:latin typeface="Segoe UI" panose="020B0502040204020203" pitchFamily="34" charset="0"/>
-              <a:cs typeface="Segoe UI" panose="020B0502040204020203" pitchFamily="34" charset="0"/>
-            </a:endParaRPr>
-          </a:p>
-          <a:p>
-            <a:pPr marR="0" lvl="0">
-              <a:lnSpc>
-                <a:spcPct val="107000"/>
-              </a:lnSpc>
-              <a:spcBef>
-                <a:spcPts val="0"/>
-              </a:spcBef>
-              <a:spcAft>
-                <a:spcPts val="0"/>
-              </a:spcAft>
-            </a:pPr>
-            <a:endParaRPr lang="en-US" sz="1200" dirty="0" smtClean="0">
-              <a:ea typeface="Calibri" panose="020F0502020204030204" pitchFamily="34" charset="0"/>
-              <a:cs typeface="Times New Roman" panose="02020603050405020304" pitchFamily="18" charset="0"/>
-            </a:endParaRPr>
-          </a:p>
-          <a:p>
-            <a:pPr marL="342900" marR="0" lvl="0" indent="-342900">
-              <a:lnSpc>
-                <a:spcPct val="107000"/>
-              </a:lnSpc>
-              <a:spcBef>
-                <a:spcPts val="0"/>
-              </a:spcBef>
-              <a:spcAft>
-                <a:spcPts val="0"/>
-              </a:spcAft>
-              <a:buFont typeface="Wingdings" panose="05000000000000000000" pitchFamily="2" charset="2"/>
-              <a:buChar char=""/>
-            </a:pPr>
-            <a:r>
-              <a:rPr lang="en-US" sz="1200" dirty="0">
-                <a:solidFill>
-                  <a:prstClr val="black">
-                    <a:lumMod val="75000"/>
-                    <a:lumOff val="25000"/>
-                  </a:prstClr>
-                </a:solidFill>
-                <a:latin typeface="Segoe UI" panose="020B0502040204020203" pitchFamily="34" charset="0"/>
-                <a:cs typeface="Segoe UI" panose="020B0502040204020203" pitchFamily="34" charset="0"/>
-              </a:rPr>
-              <a:t>For </a:t>
-            </a:r>
-            <a:r>
-              <a:rPr lang="en-US" sz="1200" dirty="0">
-                <a:solidFill>
-                  <a:prstClr val="black">
-                    <a:lumMod val="75000"/>
-                    <a:lumOff val="25000"/>
-                  </a:prstClr>
-                </a:solidFill>
-                <a:latin typeface="Segoe UI" panose="020B0502040204020203" pitchFamily="34" charset="0"/>
-                <a:cs typeface="Segoe UI" panose="020B0502040204020203" pitchFamily="34" charset="0"/>
-              </a:rPr>
-              <a:t>each pixel p1 = (x, y, c1) from image s1 do</a:t>
-            </a:r>
-          </a:p>
-          <a:p>
-            <a:pPr marL="800100" lvl="1" indent="-342900">
-              <a:lnSpc>
-                <a:spcPct val="107000"/>
-              </a:lnSpc>
-              <a:buFont typeface="Wingdings" panose="05000000000000000000" pitchFamily="2" charset="2"/>
-              <a:buChar char=""/>
-            </a:pPr>
-            <a:r>
-              <a:rPr lang="en-US" sz="1200" dirty="0">
-                <a:solidFill>
-                  <a:prstClr val="black">
-                    <a:lumMod val="75000"/>
-                    <a:lumOff val="25000"/>
-                  </a:prstClr>
-                </a:solidFill>
-                <a:latin typeface="Segoe UI" panose="020B0502040204020203" pitchFamily="34" charset="0"/>
-                <a:cs typeface="Segoe UI" panose="020B0502040204020203" pitchFamily="34" charset="0"/>
-              </a:rPr>
-              <a:t>Read p2 = (x, y, c2) from image s2</a:t>
-            </a:r>
-          </a:p>
-          <a:p>
-            <a:pPr marL="800100" marR="0" lvl="1" indent="-342900">
-              <a:lnSpc>
-                <a:spcPct val="107000"/>
-              </a:lnSpc>
-              <a:spcBef>
-                <a:spcPts val="0"/>
-              </a:spcBef>
-              <a:spcAft>
-                <a:spcPts val="0"/>
-              </a:spcAft>
-              <a:buFont typeface="Wingdings" panose="05000000000000000000" pitchFamily="2" charset="2"/>
-              <a:buChar char=""/>
-            </a:pPr>
-            <a:r>
-              <a:rPr lang="en-US" sz="1200" dirty="0">
-                <a:solidFill>
-                  <a:prstClr val="black">
-                    <a:lumMod val="75000"/>
-                    <a:lumOff val="25000"/>
-                  </a:prstClr>
-                </a:solidFill>
-                <a:latin typeface="Segoe UI" panose="020B0502040204020203" pitchFamily="34" charset="0"/>
-                <a:cs typeface="Segoe UI" panose="020B0502040204020203" pitchFamily="34" charset="0"/>
-              </a:rPr>
-              <a:t>Pixel p = (x, y, brightest(c1, c2))</a:t>
-            </a:r>
-          </a:p>
-          <a:p>
-            <a:pPr marL="800100" lvl="1" indent="-342900">
-              <a:lnSpc>
-                <a:spcPct val="107000"/>
-              </a:lnSpc>
-              <a:buFont typeface="Wingdings" panose="05000000000000000000" pitchFamily="2" charset="2"/>
-              <a:buChar char=""/>
-            </a:pPr>
-            <a:r>
-              <a:rPr lang="en-US" sz="1200" dirty="0">
-                <a:solidFill>
-                  <a:prstClr val="black">
-                    <a:lumMod val="75000"/>
-                    <a:lumOff val="25000"/>
-                  </a:prstClr>
-                </a:solidFill>
-                <a:latin typeface="Segoe UI" panose="020B0502040204020203" pitchFamily="34" charset="0"/>
-                <a:cs typeface="Segoe UI" panose="020B0502040204020203" pitchFamily="34" charset="0"/>
-              </a:rPr>
-              <a:t>Write p to image s</a:t>
-            </a:r>
-          </a:p>
-        </p:txBody>
-      </p:sp>
+      <mc:AlternateContent xmlns:mc="http://schemas.openxmlformats.org/markup-compatibility/2006">
+        <mc:Choice xmlns:a14="http://schemas.microsoft.com/office/drawing/2010/main" Requires="a14">
+          <p:sp>
+            <p:nvSpPr>
+              <p:cNvPr id="9" name="Rectangle 8"/>
+              <p:cNvSpPr/>
+              <p:nvPr/>
+            </p:nvSpPr>
+            <p:spPr>
+              <a:xfrm>
+                <a:off x="7912608" y="1296100"/>
+                <a:ext cx="3681984" cy="1226233"/>
+              </a:xfrm>
+              <a:prstGeom prst="rect">
+                <a:avLst/>
+              </a:prstGeom>
+            </p:spPr>
+            <p:txBody>
+              <a:bodyPr wrap="square">
+                <a:spAutoFit/>
+              </a:bodyPr>
+              <a:lstStyle/>
+              <a:p>
+                <a:pPr>
+                  <a:lnSpc>
+                    <a:spcPct val="107000"/>
+                  </a:lnSpc>
+                </a:pPr>
+                <a:r>
+                  <a:rPr lang="en-US" sz="1200" dirty="0" smtClean="0">
+                    <a:solidFill>
+                      <a:prstClr val="black">
+                        <a:lumMod val="75000"/>
+                        <a:lumOff val="25000"/>
+                      </a:prstClr>
+                    </a:solidFill>
+                    <a:latin typeface="Segoe UI" panose="020B0502040204020203" pitchFamily="34" charset="0"/>
+                    <a:cs typeface="Segoe UI" panose="020B0502040204020203" pitchFamily="34" charset="0"/>
+                  </a:rPr>
+                  <a:t>Pseudo code for Blend:</a:t>
+                </a:r>
+                <a:endParaRPr lang="en-US" sz="1200" dirty="0">
+                  <a:solidFill>
+                    <a:prstClr val="black">
+                      <a:lumMod val="75000"/>
+                      <a:lumOff val="25000"/>
+                    </a:prstClr>
+                  </a:solidFill>
+                  <a:latin typeface="Segoe UI" panose="020B0502040204020203" pitchFamily="34" charset="0"/>
+                  <a:cs typeface="Segoe UI" panose="020B0502040204020203" pitchFamily="34" charset="0"/>
+                </a:endParaRPr>
+              </a:p>
+              <a:p>
+                <a:pPr marR="0" lvl="0">
+                  <a:lnSpc>
+                    <a:spcPct val="107000"/>
+                  </a:lnSpc>
+                  <a:spcBef>
+                    <a:spcPts val="0"/>
+                  </a:spcBef>
+                  <a:spcAft>
+                    <a:spcPts val="0"/>
+                  </a:spcAft>
+                </a:pPr>
+                <a:endParaRPr lang="en-US" sz="1200" dirty="0" smtClean="0">
+                  <a:ea typeface="Calibri" panose="020F0502020204030204" pitchFamily="34" charset="0"/>
+                  <a:cs typeface="Times New Roman" panose="02020603050405020304" pitchFamily="18" charset="0"/>
+                </a:endParaRPr>
+              </a:p>
+              <a:p>
+                <a:pPr lvl="0"/>
+                <a:r>
+                  <a:rPr lang="en-US" sz="1200" dirty="0">
+                    <a:solidFill>
+                      <a:prstClr val="black">
+                        <a:lumMod val="75000"/>
+                        <a:lumOff val="25000"/>
+                      </a:prstClr>
+                    </a:solidFill>
+                    <a:latin typeface="Segoe UI" panose="020B0502040204020203" pitchFamily="34" charset="0"/>
+                    <a:cs typeface="Segoe UI" panose="020B0502040204020203" pitchFamily="34" charset="0"/>
+                  </a:rPr>
+                  <a:t>For each pixel </a:t>
+                </a:r>
+                <a14:m>
+                  <m:oMath xmlns:m="http://schemas.openxmlformats.org/officeDocument/2006/math">
+                    <m:r>
+                      <a:rPr lang="en-US" sz="1200">
+                        <a:solidFill>
+                          <a:prstClr val="black">
+                            <a:lumMod val="75000"/>
+                            <a:lumOff val="25000"/>
+                          </a:prstClr>
+                        </a:solidFill>
+                        <a:latin typeface="Segoe UI" panose="020B0502040204020203" pitchFamily="34" charset="0"/>
+                        <a:cs typeface="Segoe UI" panose="020B0502040204020203" pitchFamily="34" charset="0"/>
+                      </a:rPr>
+                      <m:t>𝑝</m:t>
+                    </m:r>
+                    <m:r>
+                      <a:rPr lang="en-US" sz="1200">
+                        <a:solidFill>
+                          <a:prstClr val="black">
+                            <a:lumMod val="75000"/>
+                            <a:lumOff val="25000"/>
+                          </a:prstClr>
+                        </a:solidFill>
+                        <a:latin typeface="Segoe UI" panose="020B0502040204020203" pitchFamily="34" charset="0"/>
+                        <a:cs typeface="Segoe UI" panose="020B0502040204020203" pitchFamily="34" charset="0"/>
+                      </a:rPr>
+                      <m:t>1 = (</m:t>
+                    </m:r>
+                    <m:r>
+                      <a:rPr lang="en-US" sz="1200">
+                        <a:solidFill>
+                          <a:prstClr val="black">
+                            <a:lumMod val="75000"/>
+                            <a:lumOff val="25000"/>
+                          </a:prstClr>
+                        </a:solidFill>
+                        <a:latin typeface="Segoe UI" panose="020B0502040204020203" pitchFamily="34" charset="0"/>
+                        <a:cs typeface="Segoe UI" panose="020B0502040204020203" pitchFamily="34" charset="0"/>
+                      </a:rPr>
+                      <m:t>𝑥</m:t>
+                    </m:r>
+                    <m:r>
+                      <a:rPr lang="en-US" sz="1200">
+                        <a:solidFill>
+                          <a:prstClr val="black">
+                            <a:lumMod val="75000"/>
+                            <a:lumOff val="25000"/>
+                          </a:prstClr>
+                        </a:solidFill>
+                        <a:latin typeface="Segoe UI" panose="020B0502040204020203" pitchFamily="34" charset="0"/>
+                        <a:cs typeface="Segoe UI" panose="020B0502040204020203" pitchFamily="34" charset="0"/>
+                      </a:rPr>
+                      <m:t>, </m:t>
+                    </m:r>
+                    <m:r>
+                      <a:rPr lang="en-US" sz="1200">
+                        <a:solidFill>
+                          <a:prstClr val="black">
+                            <a:lumMod val="75000"/>
+                            <a:lumOff val="25000"/>
+                          </a:prstClr>
+                        </a:solidFill>
+                        <a:latin typeface="Segoe UI" panose="020B0502040204020203" pitchFamily="34" charset="0"/>
+                        <a:cs typeface="Segoe UI" panose="020B0502040204020203" pitchFamily="34" charset="0"/>
+                      </a:rPr>
+                      <m:t>𝑦</m:t>
+                    </m:r>
+                    <m:r>
+                      <a:rPr lang="en-US" sz="1200">
+                        <a:solidFill>
+                          <a:prstClr val="black">
+                            <a:lumMod val="75000"/>
+                            <a:lumOff val="25000"/>
+                          </a:prstClr>
+                        </a:solidFill>
+                        <a:latin typeface="Segoe UI" panose="020B0502040204020203" pitchFamily="34" charset="0"/>
+                        <a:cs typeface="Segoe UI" panose="020B0502040204020203" pitchFamily="34" charset="0"/>
+                      </a:rPr>
+                      <m:t>, </m:t>
+                    </m:r>
+                    <m:r>
+                      <a:rPr lang="en-US" sz="1200">
+                        <a:solidFill>
+                          <a:prstClr val="black">
+                            <a:lumMod val="75000"/>
+                            <a:lumOff val="25000"/>
+                          </a:prstClr>
+                        </a:solidFill>
+                        <a:latin typeface="Segoe UI" panose="020B0502040204020203" pitchFamily="34" charset="0"/>
+                        <a:cs typeface="Segoe UI" panose="020B0502040204020203" pitchFamily="34" charset="0"/>
+                      </a:rPr>
+                      <m:t>𝑐</m:t>
+                    </m:r>
+                    <m:r>
+                      <a:rPr lang="en-US" sz="1200">
+                        <a:solidFill>
+                          <a:prstClr val="black">
+                            <a:lumMod val="75000"/>
+                            <a:lumOff val="25000"/>
+                          </a:prstClr>
+                        </a:solidFill>
+                        <a:latin typeface="Segoe UI" panose="020B0502040204020203" pitchFamily="34" charset="0"/>
+                        <a:cs typeface="Segoe UI" panose="020B0502040204020203" pitchFamily="34" charset="0"/>
+                      </a:rPr>
+                      <m:t>1)</m:t>
+                    </m:r>
+                  </m:oMath>
+                </a14:m>
+                <a:r>
+                  <a:rPr lang="en-US" sz="1200" dirty="0">
+                    <a:solidFill>
+                      <a:prstClr val="black">
+                        <a:lumMod val="75000"/>
+                        <a:lumOff val="25000"/>
+                      </a:prstClr>
+                    </a:solidFill>
+                    <a:latin typeface="Segoe UI" panose="020B0502040204020203" pitchFamily="34" charset="0"/>
+                    <a:cs typeface="Segoe UI" panose="020B0502040204020203" pitchFamily="34" charset="0"/>
+                  </a:rPr>
+                  <a:t> from image s1 do</a:t>
+                </a:r>
+              </a:p>
+              <a:p>
+                <a:pPr lvl="1"/>
+                <a:r>
+                  <a:rPr lang="en-US" sz="1200" dirty="0">
+                    <a:solidFill>
+                      <a:prstClr val="black">
+                        <a:lumMod val="75000"/>
+                        <a:lumOff val="25000"/>
+                      </a:prstClr>
+                    </a:solidFill>
+                    <a:latin typeface="Segoe UI" panose="020B0502040204020203" pitchFamily="34" charset="0"/>
+                    <a:cs typeface="Segoe UI" panose="020B0502040204020203" pitchFamily="34" charset="0"/>
+                  </a:rPr>
+                  <a:t>Read </a:t>
+                </a:r>
+                <a14:m>
+                  <m:oMath xmlns:m="http://schemas.openxmlformats.org/officeDocument/2006/math">
+                    <m:r>
+                      <a:rPr lang="en-US" sz="1200">
+                        <a:solidFill>
+                          <a:prstClr val="black">
+                            <a:lumMod val="75000"/>
+                            <a:lumOff val="25000"/>
+                          </a:prstClr>
+                        </a:solidFill>
+                        <a:latin typeface="Segoe UI" panose="020B0502040204020203" pitchFamily="34" charset="0"/>
+                        <a:cs typeface="Segoe UI" panose="020B0502040204020203" pitchFamily="34" charset="0"/>
+                      </a:rPr>
+                      <m:t>𝑝</m:t>
+                    </m:r>
+                    <m:r>
+                      <a:rPr lang="en-US" sz="1200">
+                        <a:solidFill>
+                          <a:prstClr val="black">
+                            <a:lumMod val="75000"/>
+                            <a:lumOff val="25000"/>
+                          </a:prstClr>
+                        </a:solidFill>
+                        <a:latin typeface="Segoe UI" panose="020B0502040204020203" pitchFamily="34" charset="0"/>
+                        <a:cs typeface="Segoe UI" panose="020B0502040204020203" pitchFamily="34" charset="0"/>
+                      </a:rPr>
+                      <m:t>2 = (</m:t>
+                    </m:r>
+                    <m:r>
+                      <a:rPr lang="en-US" sz="1200">
+                        <a:solidFill>
+                          <a:prstClr val="black">
+                            <a:lumMod val="75000"/>
+                            <a:lumOff val="25000"/>
+                          </a:prstClr>
+                        </a:solidFill>
+                        <a:latin typeface="Segoe UI" panose="020B0502040204020203" pitchFamily="34" charset="0"/>
+                        <a:cs typeface="Segoe UI" panose="020B0502040204020203" pitchFamily="34" charset="0"/>
+                      </a:rPr>
+                      <m:t>𝑥</m:t>
+                    </m:r>
+                    <m:r>
+                      <a:rPr lang="en-US" sz="1200">
+                        <a:solidFill>
+                          <a:prstClr val="black">
+                            <a:lumMod val="75000"/>
+                            <a:lumOff val="25000"/>
+                          </a:prstClr>
+                        </a:solidFill>
+                        <a:latin typeface="Segoe UI" panose="020B0502040204020203" pitchFamily="34" charset="0"/>
+                        <a:cs typeface="Segoe UI" panose="020B0502040204020203" pitchFamily="34" charset="0"/>
+                      </a:rPr>
+                      <m:t>, </m:t>
+                    </m:r>
+                    <m:r>
+                      <a:rPr lang="en-US" sz="1200">
+                        <a:solidFill>
+                          <a:prstClr val="black">
+                            <a:lumMod val="75000"/>
+                            <a:lumOff val="25000"/>
+                          </a:prstClr>
+                        </a:solidFill>
+                        <a:latin typeface="Segoe UI" panose="020B0502040204020203" pitchFamily="34" charset="0"/>
+                        <a:cs typeface="Segoe UI" panose="020B0502040204020203" pitchFamily="34" charset="0"/>
+                      </a:rPr>
+                      <m:t>𝑦</m:t>
+                    </m:r>
+                    <m:r>
+                      <a:rPr lang="en-US" sz="1200">
+                        <a:solidFill>
+                          <a:prstClr val="black">
+                            <a:lumMod val="75000"/>
+                            <a:lumOff val="25000"/>
+                          </a:prstClr>
+                        </a:solidFill>
+                        <a:latin typeface="Segoe UI" panose="020B0502040204020203" pitchFamily="34" charset="0"/>
+                        <a:cs typeface="Segoe UI" panose="020B0502040204020203" pitchFamily="34" charset="0"/>
+                      </a:rPr>
+                      <m:t>, </m:t>
+                    </m:r>
+                    <m:r>
+                      <a:rPr lang="en-US" sz="1200">
+                        <a:solidFill>
+                          <a:prstClr val="black">
+                            <a:lumMod val="75000"/>
+                            <a:lumOff val="25000"/>
+                          </a:prstClr>
+                        </a:solidFill>
+                        <a:latin typeface="Segoe UI" panose="020B0502040204020203" pitchFamily="34" charset="0"/>
+                        <a:cs typeface="Segoe UI" panose="020B0502040204020203" pitchFamily="34" charset="0"/>
+                      </a:rPr>
+                      <m:t>𝑐</m:t>
+                    </m:r>
+                    <m:r>
+                      <a:rPr lang="en-US" sz="1200">
+                        <a:solidFill>
+                          <a:prstClr val="black">
+                            <a:lumMod val="75000"/>
+                            <a:lumOff val="25000"/>
+                          </a:prstClr>
+                        </a:solidFill>
+                        <a:latin typeface="Segoe UI" panose="020B0502040204020203" pitchFamily="34" charset="0"/>
+                        <a:cs typeface="Segoe UI" panose="020B0502040204020203" pitchFamily="34" charset="0"/>
+                      </a:rPr>
+                      <m:t>2)</m:t>
+                    </m:r>
+                  </m:oMath>
+                </a14:m>
+                <a:r>
+                  <a:rPr lang="en-US" sz="1200" dirty="0">
+                    <a:solidFill>
+                      <a:prstClr val="black">
+                        <a:lumMod val="75000"/>
+                        <a:lumOff val="25000"/>
+                      </a:prstClr>
+                    </a:solidFill>
+                    <a:latin typeface="Segoe UI" panose="020B0502040204020203" pitchFamily="34" charset="0"/>
+                    <a:cs typeface="Segoe UI" panose="020B0502040204020203" pitchFamily="34" charset="0"/>
+                  </a:rPr>
+                  <a:t> from image s2</a:t>
+                </a:r>
+              </a:p>
+              <a:p>
+                <a:pPr lvl="1"/>
+                <a:r>
+                  <a:rPr lang="en-US" sz="1200" dirty="0">
+                    <a:solidFill>
+                      <a:prstClr val="black">
+                        <a:lumMod val="75000"/>
+                        <a:lumOff val="25000"/>
+                      </a:prstClr>
+                    </a:solidFill>
+                    <a:latin typeface="Segoe UI" panose="020B0502040204020203" pitchFamily="34" charset="0"/>
+                    <a:cs typeface="Segoe UI" panose="020B0502040204020203" pitchFamily="34" charset="0"/>
+                  </a:rPr>
+                  <a:t>Pixel </a:t>
+                </a:r>
+                <a14:m>
+                  <m:oMath xmlns:m="http://schemas.openxmlformats.org/officeDocument/2006/math">
+                    <m:r>
+                      <a:rPr lang="en-US" sz="1200">
+                        <a:solidFill>
+                          <a:prstClr val="black">
+                            <a:lumMod val="75000"/>
+                            <a:lumOff val="25000"/>
+                          </a:prstClr>
+                        </a:solidFill>
+                        <a:latin typeface="Segoe UI" panose="020B0502040204020203" pitchFamily="34" charset="0"/>
+                        <a:cs typeface="Segoe UI" panose="020B0502040204020203" pitchFamily="34" charset="0"/>
+                      </a:rPr>
+                      <m:t>𝑝</m:t>
+                    </m:r>
+                    <m:r>
+                      <a:rPr lang="en-US" sz="1200">
+                        <a:solidFill>
+                          <a:prstClr val="black">
+                            <a:lumMod val="75000"/>
+                            <a:lumOff val="25000"/>
+                          </a:prstClr>
+                        </a:solidFill>
+                        <a:latin typeface="Segoe UI" panose="020B0502040204020203" pitchFamily="34" charset="0"/>
+                        <a:cs typeface="Segoe UI" panose="020B0502040204020203" pitchFamily="34" charset="0"/>
+                      </a:rPr>
+                      <m:t> ← (</m:t>
+                    </m:r>
+                    <m:r>
+                      <a:rPr lang="en-US" sz="1200">
+                        <a:solidFill>
+                          <a:prstClr val="black">
+                            <a:lumMod val="75000"/>
+                            <a:lumOff val="25000"/>
+                          </a:prstClr>
+                        </a:solidFill>
+                        <a:latin typeface="Segoe UI" panose="020B0502040204020203" pitchFamily="34" charset="0"/>
+                        <a:cs typeface="Segoe UI" panose="020B0502040204020203" pitchFamily="34" charset="0"/>
+                      </a:rPr>
+                      <m:t>𝑥</m:t>
+                    </m:r>
+                    <m:r>
+                      <a:rPr lang="en-US" sz="1200">
+                        <a:solidFill>
+                          <a:prstClr val="black">
+                            <a:lumMod val="75000"/>
+                            <a:lumOff val="25000"/>
+                          </a:prstClr>
+                        </a:solidFill>
+                        <a:latin typeface="Segoe UI" panose="020B0502040204020203" pitchFamily="34" charset="0"/>
+                        <a:cs typeface="Segoe UI" panose="020B0502040204020203" pitchFamily="34" charset="0"/>
+                      </a:rPr>
+                      <m:t>, </m:t>
+                    </m:r>
+                    <m:r>
+                      <a:rPr lang="en-US" sz="1200">
+                        <a:solidFill>
+                          <a:prstClr val="black">
+                            <a:lumMod val="75000"/>
+                            <a:lumOff val="25000"/>
+                          </a:prstClr>
+                        </a:solidFill>
+                        <a:latin typeface="Segoe UI" panose="020B0502040204020203" pitchFamily="34" charset="0"/>
+                        <a:cs typeface="Segoe UI" panose="020B0502040204020203" pitchFamily="34" charset="0"/>
+                      </a:rPr>
+                      <m:t>𝑦</m:t>
+                    </m:r>
+                    <m:r>
+                      <a:rPr lang="en-US" sz="1200">
+                        <a:solidFill>
+                          <a:prstClr val="black">
+                            <a:lumMod val="75000"/>
+                            <a:lumOff val="25000"/>
+                          </a:prstClr>
+                        </a:solidFill>
+                        <a:latin typeface="Segoe UI" panose="020B0502040204020203" pitchFamily="34" charset="0"/>
+                        <a:cs typeface="Segoe UI" panose="020B0502040204020203" pitchFamily="34" charset="0"/>
+                      </a:rPr>
+                      <m:t>, </m:t>
+                    </m:r>
+                    <m:r>
+                      <a:rPr lang="en-US" sz="1200">
+                        <a:solidFill>
+                          <a:prstClr val="black">
+                            <a:lumMod val="75000"/>
+                            <a:lumOff val="25000"/>
+                          </a:prstClr>
+                        </a:solidFill>
+                        <a:latin typeface="Segoe UI" panose="020B0502040204020203" pitchFamily="34" charset="0"/>
+                        <a:cs typeface="Segoe UI" panose="020B0502040204020203" pitchFamily="34" charset="0"/>
+                      </a:rPr>
+                      <m:t>𝑏𝑟𝑖𝑔h𝑡𝑒𝑠𝑡</m:t>
+                    </m:r>
+                    <m:r>
+                      <a:rPr lang="en-US" sz="1200">
+                        <a:solidFill>
+                          <a:prstClr val="black">
+                            <a:lumMod val="75000"/>
+                            <a:lumOff val="25000"/>
+                          </a:prstClr>
+                        </a:solidFill>
+                        <a:latin typeface="Segoe UI" panose="020B0502040204020203" pitchFamily="34" charset="0"/>
+                        <a:cs typeface="Segoe UI" panose="020B0502040204020203" pitchFamily="34" charset="0"/>
+                      </a:rPr>
+                      <m:t>(</m:t>
+                    </m:r>
+                    <m:r>
+                      <a:rPr lang="en-US" sz="1200">
+                        <a:solidFill>
+                          <a:prstClr val="black">
+                            <a:lumMod val="75000"/>
+                            <a:lumOff val="25000"/>
+                          </a:prstClr>
+                        </a:solidFill>
+                        <a:latin typeface="Segoe UI" panose="020B0502040204020203" pitchFamily="34" charset="0"/>
+                        <a:cs typeface="Segoe UI" panose="020B0502040204020203" pitchFamily="34" charset="0"/>
+                      </a:rPr>
+                      <m:t>𝑐</m:t>
+                    </m:r>
+                    <m:r>
+                      <a:rPr lang="en-US" sz="1200">
+                        <a:solidFill>
+                          <a:prstClr val="black">
+                            <a:lumMod val="75000"/>
+                            <a:lumOff val="25000"/>
+                          </a:prstClr>
+                        </a:solidFill>
+                        <a:latin typeface="Segoe UI" panose="020B0502040204020203" pitchFamily="34" charset="0"/>
+                        <a:cs typeface="Segoe UI" panose="020B0502040204020203" pitchFamily="34" charset="0"/>
+                      </a:rPr>
+                      <m:t>1, </m:t>
+                    </m:r>
+                    <m:r>
+                      <a:rPr lang="en-US" sz="1200">
+                        <a:solidFill>
+                          <a:prstClr val="black">
+                            <a:lumMod val="75000"/>
+                            <a:lumOff val="25000"/>
+                          </a:prstClr>
+                        </a:solidFill>
+                        <a:latin typeface="Segoe UI" panose="020B0502040204020203" pitchFamily="34" charset="0"/>
+                        <a:cs typeface="Segoe UI" panose="020B0502040204020203" pitchFamily="34" charset="0"/>
+                      </a:rPr>
+                      <m:t>𝑐</m:t>
+                    </m:r>
+                    <m:r>
+                      <a:rPr lang="en-US" sz="1200">
+                        <a:solidFill>
+                          <a:prstClr val="black">
+                            <a:lumMod val="75000"/>
+                            <a:lumOff val="25000"/>
+                          </a:prstClr>
+                        </a:solidFill>
+                        <a:latin typeface="Segoe UI" panose="020B0502040204020203" pitchFamily="34" charset="0"/>
+                        <a:cs typeface="Segoe UI" panose="020B0502040204020203" pitchFamily="34" charset="0"/>
+                      </a:rPr>
+                      <m:t>2))</m:t>
+                    </m:r>
+                  </m:oMath>
+                </a14:m>
+                <a:endParaRPr lang="en-US" sz="1200" dirty="0">
+                  <a:solidFill>
+                    <a:prstClr val="black">
+                      <a:lumMod val="75000"/>
+                      <a:lumOff val="25000"/>
+                    </a:prstClr>
+                  </a:solidFill>
+                  <a:latin typeface="Segoe UI" panose="020B0502040204020203" pitchFamily="34" charset="0"/>
+                  <a:cs typeface="Segoe UI" panose="020B0502040204020203" pitchFamily="34" charset="0"/>
+                </a:endParaRPr>
+              </a:p>
+              <a:p>
+                <a:pPr lvl="1"/>
+                <a:r>
+                  <a:rPr lang="en-US" sz="1200" dirty="0">
+                    <a:solidFill>
+                      <a:prstClr val="black">
+                        <a:lumMod val="75000"/>
+                        <a:lumOff val="25000"/>
+                      </a:prstClr>
+                    </a:solidFill>
+                    <a:latin typeface="Segoe UI" panose="020B0502040204020203" pitchFamily="34" charset="0"/>
+                    <a:cs typeface="Segoe UI" panose="020B0502040204020203" pitchFamily="34" charset="0"/>
+                  </a:rPr>
+                  <a:t>Write </a:t>
+                </a:r>
+                <a14:m>
+                  <m:oMath xmlns:m="http://schemas.openxmlformats.org/officeDocument/2006/math">
+                    <m:r>
+                      <a:rPr lang="en-US" sz="1200">
+                        <a:solidFill>
+                          <a:prstClr val="black">
+                            <a:lumMod val="75000"/>
+                            <a:lumOff val="25000"/>
+                          </a:prstClr>
+                        </a:solidFill>
+                        <a:latin typeface="Segoe UI" panose="020B0502040204020203" pitchFamily="34" charset="0"/>
+                        <a:cs typeface="Segoe UI" panose="020B0502040204020203" pitchFamily="34" charset="0"/>
+                      </a:rPr>
+                      <m:t>𝑝</m:t>
+                    </m:r>
+                  </m:oMath>
+                </a14:m>
+                <a:r>
+                  <a:rPr lang="en-US" sz="1200" dirty="0">
+                    <a:solidFill>
+                      <a:prstClr val="black">
+                        <a:lumMod val="75000"/>
+                        <a:lumOff val="25000"/>
+                      </a:prstClr>
+                    </a:solidFill>
+                    <a:latin typeface="Segoe UI" panose="020B0502040204020203" pitchFamily="34" charset="0"/>
+                    <a:cs typeface="Segoe UI" panose="020B0502040204020203" pitchFamily="34" charset="0"/>
+                  </a:rPr>
+                  <a:t> to image s</a:t>
+                </a:r>
+              </a:p>
+            </p:txBody>
+          </p:sp>
+        </mc:Choice>
+        <mc:Fallback>
+          <p:sp>
+            <p:nvSpPr>
+              <p:cNvPr id="9" name="Rectangle 8"/>
+              <p:cNvSpPr>
+                <a:spLocks noRot="1" noChangeAspect="1" noMove="1" noResize="1" noEditPoints="1" noAdjustHandles="1" noChangeArrowheads="1" noChangeShapeType="1" noTextEdit="1"/>
+              </p:cNvSpPr>
+              <p:nvPr/>
+            </p:nvSpPr>
+            <p:spPr>
+              <a:xfrm>
+                <a:off x="7912608" y="1296100"/>
+                <a:ext cx="3681984" cy="1226233"/>
+              </a:xfrm>
+              <a:prstGeom prst="rect">
+                <a:avLst/>
+              </a:prstGeom>
+              <a:blipFill>
+                <a:blip r:embed="rId3"/>
+                <a:stretch>
+                  <a:fillRect t="-995" b="-2985"/>
+                </a:stretch>
+              </a:blipFill>
+            </p:spPr>
+            <p:txBody>
+              <a:bodyPr/>
+              <a:lstStyle/>
+              <a:p>
+                <a:r>
+                  <a:rPr lang="en-US">
+                    <a:noFill/>
+                  </a:rPr>
+                  <a:t> </a:t>
+                </a:r>
+              </a:p>
+            </p:txBody>
+          </p:sp>
+        </mc:Fallback>
+      </mc:AlternateContent>
     </p:spTree>
     <p:extLst>
       <p:ext uri="{BB962C8B-B14F-4D97-AF65-F5344CB8AC3E}">

--- a/Proposal.pptx
+++ b/Proposal.pptx
@@ -5,21 +5,22 @@
     <p:sldMasterId id="2147483660" r:id="rId1"/>
   </p:sldMasterIdLst>
   <p:notesMasterIdLst>
-    <p:notesMasterId r:id="rId11"/>
+    <p:notesMasterId r:id="rId12"/>
   </p:notesMasterIdLst>
   <p:handoutMasterIdLst>
-    <p:handoutMasterId r:id="rId12"/>
+    <p:handoutMasterId r:id="rId13"/>
   </p:handoutMasterIdLst>
   <p:sldIdLst>
     <p:sldId id="256" r:id="rId2"/>
     <p:sldId id="271" r:id="rId3"/>
     <p:sldId id="279" r:id="rId4"/>
-    <p:sldId id="280" r:id="rId5"/>
-    <p:sldId id="283" r:id="rId6"/>
-    <p:sldId id="257" r:id="rId7"/>
-    <p:sldId id="275" r:id="rId8"/>
-    <p:sldId id="276" r:id="rId9"/>
-    <p:sldId id="282" r:id="rId10"/>
+    <p:sldId id="284" r:id="rId5"/>
+    <p:sldId id="280" r:id="rId6"/>
+    <p:sldId id="283" r:id="rId7"/>
+    <p:sldId id="257" r:id="rId8"/>
+    <p:sldId id="275" r:id="rId9"/>
+    <p:sldId id="276" r:id="rId10"/>
+    <p:sldId id="282" r:id="rId11"/>
   </p:sldIdLst>
   <p:sldSz cx="12192000" cy="6858000"/>
   <p:notesSz cx="6858000" cy="9144000"/>
@@ -130,6 +131,7 @@
           <p14:sldIdLst>
             <p14:sldId id="271"/>
             <p14:sldId id="279"/>
+            <p14:sldId id="284"/>
             <p14:sldId id="280"/>
             <p14:sldId id="283"/>
             <p14:sldId id="257"/>
@@ -852,7 +854,7 @@
           <a:p>
             <a:fld id="{DF61EA0F-A667-4B49-8422-0062BC55E249}" type="slidenum">
               <a:rPr lang="en-US" smtClean="0"/>
-              <a:t>9</a:t>
+              <a:t>10</a:t>
             </a:fld>
             <a:endParaRPr lang="en-US"/>
           </a:p>
@@ -2519,6 +2521,98 @@
 </p:sld>
 </file>
 
+<file path=ppt/slides/slide10.xml><?xml version="1.0" encoding="utf-8"?>
+<p:sld xmlns:a="http://schemas.openxmlformats.org/drawingml/2006/main" xmlns:r="http://schemas.openxmlformats.org/officeDocument/2006/relationships" xmlns:p="http://schemas.openxmlformats.org/presentationml/2006/main">
+  <p:cSld>
+    <p:spTree>
+      <p:nvGrpSpPr>
+        <p:cNvPr id="1" name=""/>
+        <p:cNvGrpSpPr/>
+        <p:nvPr/>
+      </p:nvGrpSpPr>
+      <p:grpSpPr>
+        <a:xfrm>
+          <a:off x="0" y="0"/>
+          <a:ext cx="0" cy="0"/>
+          <a:chOff x="0" y="0"/>
+          <a:chExt cx="0" cy="0"/>
+        </a:xfrm>
+      </p:grpSpPr>
+      <p:sp>
+        <p:nvSpPr>
+          <p:cNvPr id="10" name="Title 9"/>
+          <p:cNvSpPr>
+            <a:spLocks noGrp="1"/>
+          </p:cNvSpPr>
+          <p:nvPr>
+            <p:ph type="title"/>
+          </p:nvPr>
+        </p:nvSpPr>
+        <p:spPr>
+          <a:xfrm>
+            <a:off x="521208" y="1536192"/>
+            <a:ext cx="8421624" cy="640080"/>
+          </a:xfrm>
+        </p:spPr>
+        <p:txBody>
+          <a:bodyPr>
+            <a:normAutofit/>
+          </a:bodyPr>
+          <a:lstStyle/>
+          <a:p>
+            <a:r>
+              <a:rPr lang="en-US" dirty="0">
+                <a:latin typeface="Segoe UI Light" panose="020B0502040204020203" pitchFamily="34" charset="0"/>
+                <a:cs typeface="Segoe UI Light" panose="020B0502040204020203" pitchFamily="34" charset="0"/>
+              </a:rPr>
+              <a:t>More questions </a:t>
+            </a:r>
+            <a:r>
+              <a:rPr lang="en-US" dirty="0" smtClean="0">
+                <a:latin typeface="Segoe UI Light" panose="020B0502040204020203" pitchFamily="34" charset="0"/>
+                <a:cs typeface="Segoe UI Light" panose="020B0502040204020203" pitchFamily="34" charset="0"/>
+              </a:rPr>
+              <a:t>about graphics pipeline</a:t>
+            </a:r>
+            <a:endParaRPr lang="en-US" dirty="0">
+              <a:latin typeface="Segoe UI Light" panose="020B0502040204020203" pitchFamily="34" charset="0"/>
+              <a:cs typeface="Segoe UI Light" panose="020B0502040204020203" pitchFamily="34" charset="0"/>
+            </a:endParaRPr>
+          </a:p>
+        </p:txBody>
+      </p:sp>
+    </p:spTree>
+    <p:extLst>
+      <p:ext uri="{BB962C8B-B14F-4D97-AF65-F5344CB8AC3E}">
+        <p14:creationId xmlns:p14="http://schemas.microsoft.com/office/powerpoint/2010/main" val="893025881"/>
+      </p:ext>
+    </p:extLst>
+  </p:cSld>
+  <p:clrMapOvr>
+    <a:masterClrMapping/>
+  </p:clrMapOvr>
+  <mc:AlternateContent xmlns:mc="http://schemas.openxmlformats.org/markup-compatibility/2006" xmlns:p15="http://schemas.microsoft.com/office/powerpoint/2012/main">
+    <mc:Choice Requires="p15">
+      <p:transition xmlns:p14="http://schemas.microsoft.com/office/powerpoint/2010/main" spd="slow" p14:dur="2000">
+        <p15:prstTrans prst="drape"/>
+      </p:transition>
+    </mc:Choice>
+    <mc:Fallback xmlns="">
+      <p:transition xmlns:p14="http://schemas.microsoft.com/office/powerpoint/2010/main" spd="slow">
+        <p:fade/>
+      </p:transition>
+    </mc:Fallback>
+  </mc:AlternateContent>
+  <p:timing>
+    <p:tnLst>
+      <p:par>
+        <p:cTn id="1" dur="indefinite" restart="never" nodeType="tmRoot"/>
+      </p:par>
+    </p:tnLst>
+  </p:timing>
+</p:sld>
+</file>
+
 <file path=ppt/slides/slide2.xml><?xml version="1.0" encoding="utf-8"?>
 <p:sld xmlns:a="http://schemas.openxmlformats.org/drawingml/2006/main" xmlns:r="http://schemas.openxmlformats.org/officeDocument/2006/relationships" xmlns:p="http://schemas.openxmlformats.org/presentationml/2006/main">
   <p:cSld>
@@ -2655,19 +2749,29 @@
           <a:lstStyle/>
           <a:p>
             <a:r>
-              <a:rPr lang="en-US" dirty="0" smtClean="0">
-                <a:latin typeface="Segoe UI Light" panose="020B0502040204020203" pitchFamily="34" charset="0"/>
-                <a:cs typeface="Segoe UI Light" panose="020B0502040204020203" pitchFamily="34" charset="0"/>
-              </a:rPr>
-              <a:t>OpenGL pipeline for </a:t>
+              <a:rPr lang="en-US" smtClean="0"/>
+              <a:t>OpenGL pipeline for CPU&amp;GPU parallel</a:t>
             </a:r>
-            <a:r>
-              <a:rPr lang="en-US" dirty="0">
-                <a:latin typeface="Segoe UI Light" panose="020B0502040204020203" pitchFamily="34" charset="0"/>
-                <a:cs typeface="Segoe UI Light" panose="020B0502040204020203" pitchFamily="34" charset="0"/>
-              </a:rPr>
-              <a:t>CPU&amp;GPU parallel</a:t>
-            </a:r>
+            <a:endParaRPr lang="en-US" dirty="0"/>
+          </a:p>
+        </p:txBody>
+      </p:sp>
+      <p:sp>
+        <p:nvSpPr>
+          <p:cNvPr id="5" name="Content Placeholder 4"/>
+          <p:cNvSpPr>
+            <a:spLocks noGrp="1"/>
+          </p:cNvSpPr>
+          <p:nvPr>
+            <p:ph sz="quarter" idx="10"/>
+          </p:nvPr>
+        </p:nvSpPr>
+        <p:spPr/>
+        <p:txBody>
+          <a:bodyPr/>
+          <a:lstStyle/>
+          <a:p>
+            <a:endParaRPr lang="en-US"/>
           </a:p>
         </p:txBody>
       </p:sp>
@@ -2724,6 +2828,409 @@
 </file>
 
 <file path=ppt/slides/slide4.xml><?xml version="1.0" encoding="utf-8"?>
+<p:sld xmlns:a="http://schemas.openxmlformats.org/drawingml/2006/main" xmlns:r="http://schemas.openxmlformats.org/officeDocument/2006/relationships" xmlns:p="http://schemas.openxmlformats.org/presentationml/2006/main">
+  <p:cSld>
+    <p:spTree>
+      <p:nvGrpSpPr>
+        <p:cNvPr id="1" name=""/>
+        <p:cNvGrpSpPr/>
+        <p:nvPr/>
+      </p:nvGrpSpPr>
+      <p:grpSpPr>
+        <a:xfrm>
+          <a:off x="0" y="0"/>
+          <a:ext cx="0" cy="0"/>
+          <a:chOff x="0" y="0"/>
+          <a:chExt cx="0" cy="0"/>
+        </a:xfrm>
+      </p:grpSpPr>
+      <p:sp>
+        <p:nvSpPr>
+          <p:cNvPr id="2" name="Title 1"/>
+          <p:cNvSpPr>
+            <a:spLocks noGrp="1"/>
+          </p:cNvSpPr>
+          <p:nvPr>
+            <p:ph type="title"/>
+          </p:nvPr>
+        </p:nvSpPr>
+        <p:spPr>
+          <a:xfrm>
+            <a:off x="521207" y="448056"/>
+            <a:ext cx="7543801" cy="640080"/>
+          </a:xfrm>
+        </p:spPr>
+        <p:txBody>
+          <a:bodyPr>
+            <a:normAutofit/>
+          </a:bodyPr>
+          <a:lstStyle/>
+          <a:p>
+            <a:r>
+              <a:rPr lang="en-US" dirty="0" smtClean="0"/>
+              <a:t>CPU &amp; GPU </a:t>
+            </a:r>
+            <a:r>
+              <a:rPr lang="en-US" dirty="0" err="1" smtClean="0"/>
+              <a:t>cooperations</a:t>
+            </a:r>
+            <a:r>
+              <a:rPr lang="en-US" dirty="0" smtClean="0"/>
+              <a:t> for graphics rendering</a:t>
+            </a:r>
+            <a:endParaRPr lang="en-US" dirty="0"/>
+          </a:p>
+        </p:txBody>
+      </p:sp>
+      <p:sp>
+        <p:nvSpPr>
+          <p:cNvPr id="4" name="Rectangle 2"/>
+          <p:cNvSpPr>
+            <a:spLocks noChangeArrowheads="1"/>
+          </p:cNvSpPr>
+          <p:nvPr/>
+        </p:nvSpPr>
+        <p:spPr bwMode="auto">
+          <a:xfrm>
+            <a:off x="4334256" y="1435608"/>
+            <a:ext cx="12192000" cy="0"/>
+          </a:xfrm>
+          <a:prstGeom prst="rect">
+            <a:avLst/>
+          </a:prstGeom>
+          <a:noFill/>
+          <a:ln>
+            <a:noFill/>
+          </a:ln>
+          <a:effectLst/>
+          <a:extLst>
+            <a:ext uri="{909E8E84-426E-40DD-AFC4-6F175D3DCCD1}">
+              <a14:hiddenFill xmlns:a14="http://schemas.microsoft.com/office/drawing/2010/main">
+                <a:solidFill>
+                  <a:schemeClr val="accent1"/>
+                </a:solidFill>
+              </a14:hiddenFill>
+            </a:ext>
+            <a:ext uri="{91240B29-F687-4F45-9708-019B960494DF}">
+              <a14:hiddenLine xmlns:a14="http://schemas.microsoft.com/office/drawing/2010/main" w="9525">
+                <a:solidFill>
+                  <a:schemeClr val="tx1"/>
+                </a:solidFill>
+                <a:miter lim="800000"/>
+                <a:headEnd/>
+                <a:tailEnd/>
+              </a14:hiddenLine>
+            </a:ext>
+            <a:ext uri="{AF507438-7753-43E0-B8FC-AC1667EBCBE1}">
+              <a14:hiddenEffects xmlns:a14="http://schemas.microsoft.com/office/drawing/2010/main">
+                <a:effectLst>
+                  <a:outerShdw dist="35921" dir="2700000" algn="ctr" rotWithShape="0">
+                    <a:schemeClr val="bg2"/>
+                  </a:outerShdw>
+                </a:effectLst>
+              </a14:hiddenEffects>
+            </a:ext>
+          </a:extLst>
+        </p:spPr>
+        <p:txBody>
+          <a:bodyPr vert="horz" wrap="none" lIns="91440" tIns="45720" rIns="91440" bIns="45720" numCol="1" anchor="ctr" anchorCtr="0" compatLnSpc="1">
+            <a:prstTxWarp prst="textNoShape">
+              <a:avLst/>
+            </a:prstTxWarp>
+            <a:spAutoFit/>
+          </a:bodyPr>
+          <a:lstStyle/>
+          <a:p>
+            <a:endParaRPr lang="en-US"/>
+          </a:p>
+        </p:txBody>
+      </p:sp>
+      <p:graphicFrame>
+        <p:nvGraphicFramePr>
+          <p:cNvPr id="5" name="Object 4"/>
+          <p:cNvGraphicFramePr>
+            <a:graphicFrameLocks noChangeAspect="1"/>
+          </p:cNvGraphicFramePr>
+          <p:nvPr>
+            <p:extLst>
+              <p:ext uri="{D42A27DB-BD31-4B8C-83A1-F6EECF244321}">
+                <p14:modId xmlns:p14="http://schemas.microsoft.com/office/powerpoint/2010/main" val="1526030770"/>
+              </p:ext>
+            </p:extLst>
+          </p:nvPr>
+        </p:nvGraphicFramePr>
+        <p:xfrm>
+          <a:off x="6766560" y="1285875"/>
+          <a:ext cx="4572000" cy="5572125"/>
+        </p:xfrm>
+        <a:graphic>
+          <a:graphicData uri="http://schemas.openxmlformats.org/presentationml/2006/ole">
+            <mc:AlternateContent xmlns:mc="http://schemas.openxmlformats.org/markup-compatibility/2006">
+              <mc:Choice xmlns:v="urn:schemas-microsoft-com:vml" Requires="v">
+                <p:oleObj spid="_x0000_s1028" name="Visio" r:id="rId3" imgW="7124743" imgH="8667916" progId="Visio.Drawing.15">
+                  <p:embed/>
+                </p:oleObj>
+              </mc:Choice>
+              <mc:Fallback>
+                <p:oleObj name="Visio" r:id="rId3" imgW="7124743" imgH="8667916" progId="Visio.Drawing.15">
+                  <p:embed/>
+                  <p:pic>
+                    <p:nvPicPr>
+                      <p:cNvPr id="0" name="Object 1"/>
+                      <p:cNvPicPr>
+                        <a:picLocks noChangeAspect="1" noChangeArrowheads="1"/>
+                      </p:cNvPicPr>
+                      <p:nvPr/>
+                    </p:nvPicPr>
+                    <p:blipFill>
+                      <a:blip r:embed="rId4">
+                        <a:extLst>
+                          <a:ext uri="{28A0092B-C50C-407E-A947-70E740481C1C}">
+                            <a14:useLocalDpi xmlns:a14="http://schemas.microsoft.com/office/drawing/2010/main" val="0"/>
+                          </a:ext>
+                        </a:extLst>
+                      </a:blip>
+                      <a:srcRect/>
+                      <a:stretch>
+                        <a:fillRect/>
+                      </a:stretch>
+                    </p:blipFill>
+                    <p:spPr bwMode="auto">
+                      <a:xfrm>
+                        <a:off x="6766560" y="1285875"/>
+                        <a:ext cx="4572000" cy="5572125"/>
+                      </a:xfrm>
+                      <a:prstGeom prst="rect">
+                        <a:avLst/>
+                      </a:prstGeom>
+                      <a:noFill/>
+                    </p:spPr>
+                  </p:pic>
+                </p:oleObj>
+              </mc:Fallback>
+            </mc:AlternateContent>
+          </a:graphicData>
+        </a:graphic>
+      </p:graphicFrame>
+      <p:sp>
+        <p:nvSpPr>
+          <p:cNvPr id="6" name="Rectangle 5"/>
+          <p:cNvSpPr/>
+          <p:nvPr/>
+        </p:nvSpPr>
+        <p:spPr>
+          <a:xfrm>
+            <a:off x="835152" y="1585342"/>
+            <a:ext cx="5391912" cy="4816896"/>
+          </a:xfrm>
+          <a:prstGeom prst="rect">
+            <a:avLst/>
+          </a:prstGeom>
+        </p:spPr>
+        <p:txBody>
+          <a:bodyPr wrap="square">
+            <a:spAutoFit/>
+          </a:bodyPr>
+          <a:lstStyle/>
+          <a:p>
+            <a:pPr marL="342900" marR="0" lvl="0" indent="-342900">
+              <a:lnSpc>
+                <a:spcPct val="107000"/>
+              </a:lnSpc>
+              <a:spcBef>
+                <a:spcPts val="0"/>
+              </a:spcBef>
+              <a:spcAft>
+                <a:spcPts val="0"/>
+              </a:spcAft>
+              <a:buFont typeface="Symbol" panose="05050102010706020507" pitchFamily="18" charset="2"/>
+              <a:buChar char=""/>
+            </a:pPr>
+            <a:r>
+              <a:rPr lang="en-US" sz="2400" dirty="0">
+                <a:latin typeface="Calibri" panose="020F0502020204030204" pitchFamily="34" charset="0"/>
+                <a:ea typeface="Calibri" panose="020F0502020204030204" pitchFamily="34" charset="0"/>
+                <a:cs typeface="Times New Roman" panose="02020603050405020304" pitchFamily="18" charset="0"/>
+              </a:rPr>
+              <a:t>for each triangle t stored in VBO do in parallel</a:t>
+            </a:r>
+          </a:p>
+          <a:p>
+            <a:pPr marL="742950" marR="0" lvl="1" indent="-285750">
+              <a:lnSpc>
+                <a:spcPct val="107000"/>
+              </a:lnSpc>
+              <a:spcBef>
+                <a:spcPts val="0"/>
+              </a:spcBef>
+              <a:spcAft>
+                <a:spcPts val="0"/>
+              </a:spcAft>
+              <a:buFont typeface="Courier New" panose="02070309020205020404" pitchFamily="49" charset="0"/>
+              <a:buChar char="o"/>
+            </a:pPr>
+            <a:r>
+              <a:rPr lang="en-US" sz="2400" dirty="0">
+                <a:latin typeface="Calibri" panose="020F0502020204030204" pitchFamily="34" charset="0"/>
+                <a:ea typeface="Calibri" panose="020F0502020204030204" pitchFamily="34" charset="0"/>
+                <a:cs typeface="Times New Roman" panose="02020603050405020304" pitchFamily="18" charset="0"/>
+              </a:rPr>
+              <a:t>for each vertex v on t do in parallel</a:t>
+            </a:r>
+          </a:p>
+          <a:p>
+            <a:pPr marL="1143000" marR="0" lvl="2" indent="-228600">
+              <a:lnSpc>
+                <a:spcPct val="107000"/>
+              </a:lnSpc>
+              <a:spcBef>
+                <a:spcPts val="0"/>
+              </a:spcBef>
+              <a:spcAft>
+                <a:spcPts val="0"/>
+              </a:spcAft>
+              <a:buFont typeface="Wingdings" panose="05000000000000000000" pitchFamily="2" charset="2"/>
+              <a:buChar char=""/>
+            </a:pPr>
+            <a:r>
+              <a:rPr lang="en-US" sz="2400" dirty="0">
+                <a:latin typeface="Calibri" panose="020F0502020204030204" pitchFamily="34" charset="0"/>
+                <a:ea typeface="Calibri" panose="020F0502020204030204" pitchFamily="34" charset="0"/>
+                <a:cs typeface="Times New Roman" panose="02020603050405020304" pitchFamily="18" charset="0"/>
+              </a:rPr>
+              <a:t>Run vertex </a:t>
+            </a:r>
+            <a:r>
+              <a:rPr lang="en-US" sz="2400" dirty="0" err="1">
+                <a:latin typeface="Calibri" panose="020F0502020204030204" pitchFamily="34" charset="0"/>
+                <a:ea typeface="Calibri" panose="020F0502020204030204" pitchFamily="34" charset="0"/>
+                <a:cs typeface="Times New Roman" panose="02020603050405020304" pitchFamily="18" charset="0"/>
+              </a:rPr>
+              <a:t>shader</a:t>
+            </a:r>
+            <a:r>
+              <a:rPr lang="en-US" sz="2400" dirty="0">
+                <a:latin typeface="Calibri" panose="020F0502020204030204" pitchFamily="34" charset="0"/>
+                <a:ea typeface="Calibri" panose="020F0502020204030204" pitchFamily="34" charset="0"/>
+                <a:cs typeface="Times New Roman" panose="02020603050405020304" pitchFamily="18" charset="0"/>
+              </a:rPr>
+              <a:t> program with input v</a:t>
+            </a:r>
+          </a:p>
+          <a:p>
+            <a:pPr marL="742950" marR="0" lvl="1" indent="-285750">
+              <a:lnSpc>
+                <a:spcPct val="107000"/>
+              </a:lnSpc>
+              <a:spcBef>
+                <a:spcPts val="0"/>
+              </a:spcBef>
+              <a:spcAft>
+                <a:spcPts val="0"/>
+              </a:spcAft>
+              <a:buFont typeface="Courier New" panose="02070309020205020404" pitchFamily="49" charset="0"/>
+              <a:buChar char="o"/>
+            </a:pPr>
+            <a:r>
+              <a:rPr lang="en-US" sz="2400" dirty="0">
+                <a:latin typeface="Calibri" panose="020F0502020204030204" pitchFamily="34" charset="0"/>
+                <a:ea typeface="Calibri" panose="020F0502020204030204" pitchFamily="34" charset="0"/>
+                <a:cs typeface="Times New Roman" panose="02020603050405020304" pitchFamily="18" charset="0"/>
+              </a:rPr>
+              <a:t>Interpolate fragment data f based on 3 vertices of t</a:t>
+            </a:r>
+          </a:p>
+          <a:p>
+            <a:pPr marL="1143000" marR="0" lvl="2" indent="-228600">
+              <a:lnSpc>
+                <a:spcPct val="107000"/>
+              </a:lnSpc>
+              <a:spcBef>
+                <a:spcPts val="0"/>
+              </a:spcBef>
+              <a:spcAft>
+                <a:spcPts val="0"/>
+              </a:spcAft>
+              <a:buFont typeface="Wingdings" panose="05000000000000000000" pitchFamily="2" charset="2"/>
+              <a:buChar char=""/>
+            </a:pPr>
+            <a:r>
+              <a:rPr lang="en-US" sz="2400" dirty="0">
+                <a:latin typeface="Calibri" panose="020F0502020204030204" pitchFamily="34" charset="0"/>
+                <a:ea typeface="Calibri" panose="020F0502020204030204" pitchFamily="34" charset="0"/>
+                <a:cs typeface="Times New Roman" panose="02020603050405020304" pitchFamily="18" charset="0"/>
+              </a:rPr>
+              <a:t>Run fragment </a:t>
+            </a:r>
+            <a:r>
+              <a:rPr lang="en-US" sz="2400" dirty="0" err="1">
+                <a:latin typeface="Calibri" panose="020F0502020204030204" pitchFamily="34" charset="0"/>
+                <a:ea typeface="Calibri" panose="020F0502020204030204" pitchFamily="34" charset="0"/>
+                <a:cs typeface="Times New Roman" panose="02020603050405020304" pitchFamily="18" charset="0"/>
+              </a:rPr>
+              <a:t>shader</a:t>
+            </a:r>
+            <a:r>
+              <a:rPr lang="en-US" sz="2400" dirty="0">
+                <a:latin typeface="Calibri" panose="020F0502020204030204" pitchFamily="34" charset="0"/>
+                <a:ea typeface="Calibri" panose="020F0502020204030204" pitchFamily="34" charset="0"/>
+                <a:cs typeface="Times New Roman" panose="02020603050405020304" pitchFamily="18" charset="0"/>
+              </a:rPr>
+              <a:t> program with input f</a:t>
+            </a:r>
+          </a:p>
+          <a:p>
+            <a:pPr marL="342900" marR="0" lvl="0" indent="-342900">
+              <a:lnSpc>
+                <a:spcPct val="107000"/>
+              </a:lnSpc>
+              <a:spcBef>
+                <a:spcPts val="0"/>
+              </a:spcBef>
+              <a:spcAft>
+                <a:spcPts val="800"/>
+              </a:spcAft>
+              <a:buFont typeface="Symbol" panose="05050102010706020507" pitchFamily="18" charset="2"/>
+              <a:buChar char=""/>
+            </a:pPr>
+            <a:r>
+              <a:rPr lang="en-US" sz="2400" dirty="0">
+                <a:latin typeface="Calibri" panose="020F0502020204030204" pitchFamily="34" charset="0"/>
+                <a:ea typeface="Calibri" panose="020F0502020204030204" pitchFamily="34" charset="0"/>
+                <a:cs typeface="Times New Roman" panose="02020603050405020304" pitchFamily="18" charset="0"/>
+              </a:rPr>
+              <a:t>Decide the visibility and color on each pixel stored in FBO(frame buffer object)</a:t>
+            </a:r>
+            <a:endParaRPr lang="en-US" sz="2400" dirty="0">
+              <a:effectLst/>
+              <a:latin typeface="Calibri" panose="020F0502020204030204" pitchFamily="34" charset="0"/>
+              <a:ea typeface="Calibri" panose="020F0502020204030204" pitchFamily="34" charset="0"/>
+              <a:cs typeface="Times New Roman" panose="02020603050405020304" pitchFamily="18" charset="0"/>
+            </a:endParaRPr>
+          </a:p>
+        </p:txBody>
+      </p:sp>
+    </p:spTree>
+    <p:extLst>
+      <p:ext uri="{BB962C8B-B14F-4D97-AF65-F5344CB8AC3E}">
+        <p14:creationId xmlns:p14="http://schemas.microsoft.com/office/powerpoint/2010/main" val="3868406083"/>
+      </p:ext>
+    </p:extLst>
+  </p:cSld>
+  <p:clrMapOvr>
+    <a:masterClrMapping/>
+  </p:clrMapOvr>
+  <p:timing>
+    <p:tnLst>
+      <p:par>
+        <p:cTn id="1" dur="indefinite" restart="never" nodeType="tmRoot"/>
+      </p:par>
+    </p:tnLst>
+  </p:timing>
+</p:sld>
+</file>
+
+<file path=ppt/slides/slide5.xml><?xml version="1.0" encoding="utf-8"?>
 <p:sld xmlns:a="http://schemas.openxmlformats.org/drawingml/2006/main" xmlns:r="http://schemas.openxmlformats.org/officeDocument/2006/relationships" xmlns:p="http://schemas.openxmlformats.org/presentationml/2006/main">
   <p:cSld>
     <p:spTree>
@@ -3128,20 +3635,7 @@
                 <a:latin typeface="Segoe UI" panose="020B0502040204020203" pitchFamily="34" charset="0"/>
                 <a:cs typeface="Segoe UI" panose="020B0502040204020203" pitchFamily="34" charset="0"/>
               </a:rPr>
-              <a:t>Designed for complex functionalities, requires </a:t>
-            </a:r>
-            <a:r>
-              <a:rPr lang="en-US" dirty="0" smtClean="0">
-                <a:solidFill>
-                  <a:prstClr val="black">
-                    <a:lumMod val="75000"/>
-                    <a:lumOff val="25000"/>
-                  </a:prstClr>
-                </a:solidFill>
-                <a:latin typeface="Segoe UI" panose="020B0502040204020203" pitchFamily="34" charset="0"/>
-                <a:cs typeface="Segoe UI" panose="020B0502040204020203" pitchFamily="34" charset="0"/>
-              </a:rPr>
-              <a:t>for </a:t>
+              <a:t>Designed for complex functionalities, requires for </a:t>
             </a:r>
             <a:r>
               <a:rPr lang="en-US" dirty="0">
@@ -3169,16 +3663,6 @@
               </a:rPr>
               <a:t>extensibility</a:t>
             </a:r>
-            <a:endParaRPr lang="en-US" dirty="0" smtClean="0">
-              <a:solidFill>
-                <a:prstClr val="black">
-                  <a:lumMod val="75000"/>
-                  <a:lumOff val="25000"/>
-                </a:prstClr>
-              </a:solidFill>
-              <a:latin typeface="Segoe UI" panose="020B0502040204020203" pitchFamily="34" charset="0"/>
-              <a:cs typeface="Segoe UI" panose="020B0502040204020203" pitchFamily="34" charset="0"/>
-            </a:endParaRPr>
           </a:p>
           <a:p>
             <a:pPr>
@@ -3591,20 +4075,7 @@
                 <a:latin typeface="Segoe UI" panose="020B0502040204020203" pitchFamily="34" charset="0"/>
                 <a:cs typeface="Segoe UI" panose="020B0502040204020203" pitchFamily="34" charset="0"/>
               </a:rPr>
-              <a:t>Change pre-defined graphical procedure should be </a:t>
-            </a:r>
-            <a:r>
-              <a:rPr lang="en-US" dirty="0" smtClean="0">
-                <a:solidFill>
-                  <a:prstClr val="black">
-                    <a:lumMod val="75000"/>
-                    <a:lumOff val="25000"/>
-                  </a:prstClr>
-                </a:solidFill>
-                <a:latin typeface="Segoe UI" panose="020B0502040204020203" pitchFamily="34" charset="0"/>
-                <a:cs typeface="Segoe UI" panose="020B0502040204020203" pitchFamily="34" charset="0"/>
-              </a:rPr>
-              <a:t>cautious</a:t>
+              <a:t>Change pre-defined graphical procedure should be cautious</a:t>
             </a:r>
           </a:p>
           <a:p>
@@ -3626,16 +4097,6 @@
               </a:rPr>
               <a:t>Graphical procedure customization is limited</a:t>
             </a:r>
-            <a:endParaRPr lang="en-US" dirty="0" smtClean="0">
-              <a:solidFill>
-                <a:prstClr val="black">
-                  <a:lumMod val="75000"/>
-                  <a:lumOff val="25000"/>
-                </a:prstClr>
-              </a:solidFill>
-              <a:latin typeface="Segoe UI" panose="020B0502040204020203" pitchFamily="34" charset="0"/>
-              <a:cs typeface="Segoe UI" panose="020B0502040204020203" pitchFamily="34" charset="0"/>
-            </a:endParaRPr>
           </a:p>
           <a:p>
             <a:pPr>
@@ -3676,7 +4137,7 @@
 </p:sld>
 </file>
 
-<file path=ppt/slides/slide5.xml><?xml version="1.0" encoding="utf-8"?>
+<file path=ppt/slides/slide6.xml><?xml version="1.0" encoding="utf-8"?>
 <p:sld xmlns:a="http://schemas.openxmlformats.org/drawingml/2006/main" xmlns:r="http://schemas.openxmlformats.org/officeDocument/2006/relationships" xmlns:p="http://schemas.openxmlformats.org/presentationml/2006/main">
   <p:cSld>
     <p:spTree>
@@ -3822,7 +4283,7 @@
 </p:sld>
 </file>
 
-<file path=ppt/slides/slide6.xml><?xml version="1.0" encoding="utf-8"?>
+<file path=ppt/slides/slide7.xml><?xml version="1.0" encoding="utf-8"?>
 <p:sld xmlns:a="http://schemas.openxmlformats.org/drawingml/2006/main" xmlns:r="http://schemas.openxmlformats.org/officeDocument/2006/relationships" xmlns:p="http://schemas.openxmlformats.org/presentationml/2006/main">
   <p:cSld>
     <p:spTree>
@@ -3954,7 +4415,7 @@
 </p:sld>
 </file>
 
-<file path=ppt/slides/slide7.xml><?xml version="1.0" encoding="utf-8"?>
+<file path=ppt/slides/slide8.xml><?xml version="1.0" encoding="utf-8"?>
 <p:sld xmlns:a="http://schemas.openxmlformats.org/drawingml/2006/main" xmlns:r="http://schemas.openxmlformats.org/officeDocument/2006/relationships" xmlns:p="http://schemas.openxmlformats.org/presentationml/2006/main">
   <p:cSld>
     <p:spTree>
@@ -4012,8 +4473,8 @@
           </a:p>
         </p:txBody>
       </p:sp>
-      <mc:AlternateContent xmlns:mc="http://schemas.openxmlformats.org/markup-compatibility/2006">
-        <mc:Choice xmlns:a14="http://schemas.microsoft.com/office/drawing/2010/main" Requires="a14">
+      <mc:AlternateContent xmlns:mc="http://schemas.openxmlformats.org/markup-compatibility/2006" xmlns:a14="http://schemas.microsoft.com/office/drawing/2010/main">
+        <mc:Choice Requires="a14">
           <p:sp>
             <p:nvSpPr>
               <p:cNvPr id="38" name="Content Placeholder 17"/>
@@ -4259,34 +4720,46 @@
                 <a14:m>
                   <m:oMath xmlns:m="http://schemas.openxmlformats.org/officeDocument/2006/math">
                     <m:r>
-                      <a:rPr lang="en-US" i="1"/>
+                      <a:rPr lang="en-US" i="1">
+                        <a:latin typeface="Cambria Math" panose="02040503050406030204" pitchFamily="18" charset="0"/>
+                      </a:rPr>
                       <m:t>𝐼𝑚</m:t>
                     </m:r>
                     <m:sSub>
                       <m:sSubPr>
                         <m:ctrlPr>
-                          <a:rPr lang="en-US" i="1"/>
+                          <a:rPr lang="en-US" i="1">
+                            <a:latin typeface="Cambria Math" panose="02040503050406030204" pitchFamily="18" charset="0"/>
+                          </a:rPr>
                         </m:ctrlPr>
                       </m:sSubPr>
                       <m:e>
                         <m:r>
-                          <a:rPr lang="en-US" i="1"/>
+                          <a:rPr lang="en-US" i="1">
+                            <a:latin typeface="Cambria Math" panose="02040503050406030204" pitchFamily="18" charset="0"/>
+                          </a:rPr>
                           <m:t>𝑔</m:t>
                         </m:r>
                       </m:e>
                       <m:sub>
                         <m:r>
-                          <a:rPr lang="en-US" i="1"/>
+                          <a:rPr lang="en-US" i="1">
+                            <a:latin typeface="Cambria Math" panose="02040503050406030204" pitchFamily="18" charset="0"/>
+                          </a:rPr>
                           <m:t>𝑛</m:t>
                         </m:r>
                       </m:sub>
                     </m:sSub>
                     <m:r>
-                      <a:rPr lang="en-US" i="1"/>
+                      <a:rPr lang="en-US" i="1">
+                        <a:latin typeface="Cambria Math" panose="02040503050406030204" pitchFamily="18" charset="0"/>
+                      </a:rPr>
                       <m:t>←</m:t>
                     </m:r>
                     <m:r>
-                      <a:rPr lang="en-US" i="1"/>
+                      <a:rPr lang="en-US" i="1">
+                        <a:latin typeface="Cambria Math" panose="02040503050406030204" pitchFamily="18" charset="0"/>
+                      </a:rPr>
                       <m:t>𝐵𝑙𝑎𝑐𝑘</m:t>
                     </m:r>
                   </m:oMath>
@@ -4302,125 +4775,171 @@
                 <a14:m>
                   <m:oMath xmlns:m="http://schemas.openxmlformats.org/officeDocument/2006/math">
                     <m:r>
-                      <a:rPr lang="en-US" i="1"/>
+                      <a:rPr lang="en-US" i="1">
+                        <a:latin typeface="Cambria Math" panose="02040503050406030204" pitchFamily="18" charset="0"/>
+                      </a:rPr>
                       <m:t>𝑙</m:t>
                     </m:r>
                     <m:r>
-                      <a:rPr lang="en-US" i="1"/>
+                      <a:rPr lang="en-US" i="1">
+                        <a:latin typeface="Cambria Math" panose="02040503050406030204" pitchFamily="18" charset="0"/>
+                      </a:rPr>
                       <m:t> ∈</m:t>
                     </m:r>
                     <m:r>
-                      <a:rPr lang="en-US"/>
+                      <a:rPr lang="en-US">
+                        <a:latin typeface="Cambria Math" panose="02040503050406030204" pitchFamily="18" charset="0"/>
+                      </a:rPr>
                       <m:t>{{</m:t>
                     </m:r>
                     <m:r>
                       <m:rPr>
                         <m:sty m:val="p"/>
                       </m:rPr>
-                      <a:rPr lang="en-US"/>
+                      <a:rPr lang="en-US">
+                        <a:latin typeface="Cambria Math" panose="02040503050406030204" pitchFamily="18" charset="0"/>
+                      </a:rPr>
                       <m:t>ambient</m:t>
                     </m:r>
                     <m:r>
-                      <a:rPr lang="en-US"/>
+                      <a:rPr lang="en-US">
+                        <a:latin typeface="Cambria Math" panose="02040503050406030204" pitchFamily="18" charset="0"/>
+                      </a:rPr>
                       <m:t> </m:t>
                     </m:r>
                     <m:r>
                       <m:rPr>
                         <m:sty m:val="p"/>
                       </m:rPr>
-                      <a:rPr lang="en-US"/>
+                      <a:rPr lang="en-US">
+                        <a:latin typeface="Cambria Math" panose="02040503050406030204" pitchFamily="18" charset="0"/>
+                      </a:rPr>
                       <m:t>lights</m:t>
                     </m:r>
                     <m:r>
-                      <a:rPr lang="en-US"/>
+                      <a:rPr lang="en-US">
+                        <a:latin typeface="Cambria Math" panose="02040503050406030204" pitchFamily="18" charset="0"/>
+                      </a:rPr>
                       <m:t>}, {</m:t>
                     </m:r>
                     <m:r>
                       <m:rPr>
                         <m:sty m:val="p"/>
                       </m:rPr>
-                      <a:rPr lang="en-US"/>
+                      <a:rPr lang="en-US">
+                        <a:latin typeface="Cambria Math" panose="02040503050406030204" pitchFamily="18" charset="0"/>
+                      </a:rPr>
                       <m:t>directional</m:t>
                     </m:r>
                     <m:r>
-                      <a:rPr lang="en-US"/>
+                      <a:rPr lang="en-US">
+                        <a:latin typeface="Cambria Math" panose="02040503050406030204" pitchFamily="18" charset="0"/>
+                      </a:rPr>
                       <m:t> </m:t>
                     </m:r>
                     <m:r>
                       <m:rPr>
                         <m:sty m:val="p"/>
                       </m:rPr>
-                      <a:rPr lang="en-US"/>
+                      <a:rPr lang="en-US">
+                        <a:latin typeface="Cambria Math" panose="02040503050406030204" pitchFamily="18" charset="0"/>
+                      </a:rPr>
                       <m:t>lights</m:t>
                     </m:r>
                     <m:r>
-                      <a:rPr lang="en-US"/>
+                      <a:rPr lang="en-US">
+                        <a:latin typeface="Cambria Math" panose="02040503050406030204" pitchFamily="18" charset="0"/>
+                      </a:rPr>
                       <m:t>}, {</m:t>
                     </m:r>
                     <m:r>
                       <m:rPr>
                         <m:sty m:val="p"/>
                       </m:rPr>
-                      <a:rPr lang="en-US"/>
+                      <a:rPr lang="en-US">
+                        <a:latin typeface="Cambria Math" panose="02040503050406030204" pitchFamily="18" charset="0"/>
+                      </a:rPr>
                       <m:t>point</m:t>
                     </m:r>
                     <m:r>
-                      <a:rPr lang="en-US"/>
+                      <a:rPr lang="en-US">
+                        <a:latin typeface="Cambria Math" panose="02040503050406030204" pitchFamily="18" charset="0"/>
+                      </a:rPr>
                       <m:t> </m:t>
                     </m:r>
                     <m:r>
                       <m:rPr>
                         <m:sty m:val="p"/>
                       </m:rPr>
-                      <a:rPr lang="en-US"/>
+                      <a:rPr lang="en-US">
+                        <a:latin typeface="Cambria Math" panose="02040503050406030204" pitchFamily="18" charset="0"/>
+                      </a:rPr>
                       <m:t>lights</m:t>
                     </m:r>
                     <m:r>
-                      <a:rPr lang="en-US"/>
+                      <a:rPr lang="en-US">
+                        <a:latin typeface="Cambria Math" panose="02040503050406030204" pitchFamily="18" charset="0"/>
+                      </a:rPr>
                       <m:t>}, {</m:t>
                     </m:r>
                     <m:r>
                       <m:rPr>
                         <m:sty m:val="p"/>
                       </m:rPr>
-                      <a:rPr lang="en-US"/>
+                      <a:rPr lang="en-US">
+                        <a:latin typeface="Cambria Math" panose="02040503050406030204" pitchFamily="18" charset="0"/>
+                      </a:rPr>
                       <m:t>spot</m:t>
                     </m:r>
                     <m:r>
-                      <a:rPr lang="en-US"/>
+                      <a:rPr lang="en-US">
+                        <a:latin typeface="Cambria Math" panose="02040503050406030204" pitchFamily="18" charset="0"/>
+                      </a:rPr>
                       <m:t> </m:t>
                     </m:r>
                     <m:r>
                       <m:rPr>
                         <m:sty m:val="p"/>
                       </m:rPr>
-                      <a:rPr lang="en-US"/>
+                      <a:rPr lang="en-US">
+                        <a:latin typeface="Cambria Math" panose="02040503050406030204" pitchFamily="18" charset="0"/>
+                      </a:rPr>
                       <m:t>lights</m:t>
                     </m:r>
                     <m:r>
-                      <a:rPr lang="en-US"/>
+                      <a:rPr lang="en-US">
+                        <a:latin typeface="Cambria Math" panose="02040503050406030204" pitchFamily="18" charset="0"/>
+                      </a:rPr>
                       <m:t>}, {</m:t>
                     </m:r>
                     <m:r>
                       <m:rPr>
                         <m:sty m:val="p"/>
                       </m:rPr>
-                      <a:rPr lang="en-US"/>
+                      <a:rPr lang="en-US">
+                        <a:latin typeface="Cambria Math" panose="02040503050406030204" pitchFamily="18" charset="0"/>
+                      </a:rPr>
                       <m:t>area</m:t>
                     </m:r>
                     <m:r>
-                      <a:rPr lang="en-US"/>
+                      <a:rPr lang="en-US">
+                        <a:latin typeface="Cambria Math" panose="02040503050406030204" pitchFamily="18" charset="0"/>
+                      </a:rPr>
                       <m:t> </m:t>
                     </m:r>
                     <m:r>
                       <m:rPr>
                         <m:sty m:val="p"/>
                       </m:rPr>
-                      <a:rPr lang="en-US"/>
+                      <a:rPr lang="en-US">
+                        <a:latin typeface="Cambria Math" panose="02040503050406030204" pitchFamily="18" charset="0"/>
+                      </a:rPr>
                       <m:t>lights</m:t>
                     </m:r>
                     <m:r>
-                      <a:rPr lang="en-US"/>
+                      <a:rPr lang="en-US">
+                        <a:latin typeface="Cambria Math" panose="02040503050406030204" pitchFamily="18" charset="0"/>
+                      </a:rPr>
                       <m:t>}} </m:t>
                     </m:r>
                   </m:oMath>
@@ -4456,7 +4975,9 @@
                 <a14:m>
                   <m:oMath xmlns:m="http://schemas.openxmlformats.org/officeDocument/2006/math">
                     <m:r>
-                      <a:rPr lang="en-US" i="1"/>
+                      <a:rPr lang="en-US" i="1">
+                        <a:latin typeface="Cambria Math" panose="02040503050406030204" pitchFamily="18" charset="0"/>
+                      </a:rPr>
                       <m:t>𝑝</m:t>
                     </m:r>
                   </m:oMath>
@@ -4468,11 +4989,15 @@
                 <a14:m>
                   <m:oMath xmlns:m="http://schemas.openxmlformats.org/officeDocument/2006/math">
                     <m:r>
-                      <a:rPr lang="en-US" i="1"/>
+                      <a:rPr lang="en-US" i="1">
+                        <a:latin typeface="Cambria Math" panose="02040503050406030204" pitchFamily="18" charset="0"/>
+                      </a:rPr>
                       <m:t> </m:t>
                     </m:r>
                     <m:r>
-                      <a:rPr lang="en-US" i="1"/>
+                      <a:rPr lang="en-US" i="1">
+                        <a:latin typeface="Cambria Math" panose="02040503050406030204" pitchFamily="18" charset="0"/>
+                      </a:rPr>
                       <m:t>𝑙</m:t>
                     </m:r>
                   </m:oMath>
@@ -4508,7 +5033,9 @@
                 <a14:m>
                   <m:oMath xmlns:m="http://schemas.openxmlformats.org/officeDocument/2006/math">
                     <m:r>
-                      <a:rPr lang="en-US" i="1"/>
+                      <a:rPr lang="en-US" i="1">
+                        <a:latin typeface="Cambria Math" panose="02040503050406030204" pitchFamily="18" charset="0"/>
+                      </a:rPr>
                       <m:t>𝑝</m:t>
                     </m:r>
                   </m:oMath>
@@ -4532,11 +5059,15 @@
                 <a14:m>
                   <m:oMath xmlns:m="http://schemas.openxmlformats.org/officeDocument/2006/math">
                     <m:r>
-                      <a:rPr lang="en-US" i="1"/>
+                      <a:rPr lang="en-US" i="1">
+                        <a:latin typeface="Cambria Math" panose="02040503050406030204" pitchFamily="18" charset="0"/>
+                      </a:rPr>
                       <m:t>∈</m:t>
                     </m:r>
                     <m:r>
-                      <a:rPr lang="en-US" i="1"/>
+                      <a:rPr lang="en-US" i="1">
+                        <a:latin typeface="Cambria Math" panose="02040503050406030204" pitchFamily="18" charset="0"/>
+                      </a:rPr>
                       <m:t>𝑠</m:t>
                     </m:r>
                   </m:oMath>
@@ -4552,82 +5083,112 @@
                 <a14:m>
                   <m:oMath xmlns:m="http://schemas.openxmlformats.org/officeDocument/2006/math">
                     <m:r>
-                      <a:rPr lang="en-US" i="1"/>
+                      <a:rPr lang="en-US" i="1">
+                        <a:latin typeface="Cambria Math" panose="02040503050406030204" pitchFamily="18" charset="0"/>
+                      </a:rPr>
                       <m:t>𝐼𝑚</m:t>
                     </m:r>
                     <m:sSub>
                       <m:sSubPr>
                         <m:ctrlPr>
-                          <a:rPr lang="en-US" i="1"/>
+                          <a:rPr lang="en-US" i="1">
+                            <a:latin typeface="Cambria Math" panose="02040503050406030204" pitchFamily="18" charset="0"/>
+                          </a:rPr>
                         </m:ctrlPr>
                       </m:sSubPr>
                       <m:e>
                         <m:r>
-                          <a:rPr lang="en-US" i="1"/>
+                          <a:rPr lang="en-US" i="1">
+                            <a:latin typeface="Cambria Math" panose="02040503050406030204" pitchFamily="18" charset="0"/>
+                          </a:rPr>
                           <m:t>𝑔</m:t>
                         </m:r>
                       </m:e>
                       <m:sub>
                         <m:r>
-                          <a:rPr lang="en-US" i="1"/>
+                          <a:rPr lang="en-US" i="1">
+                            <a:latin typeface="Cambria Math" panose="02040503050406030204" pitchFamily="18" charset="0"/>
+                          </a:rPr>
                           <m:t>𝑛</m:t>
                         </m:r>
                         <m:r>
-                          <a:rPr lang="en-US" i="1"/>
+                          <a:rPr lang="en-US" i="1">
+                            <a:latin typeface="Cambria Math" panose="02040503050406030204" pitchFamily="18" charset="0"/>
+                          </a:rPr>
                           <m:t>+1</m:t>
                         </m:r>
                       </m:sub>
                     </m:sSub>
                     <m:r>
-                      <a:rPr lang="en-US" i="1"/>
+                      <a:rPr lang="en-US" i="1">
+                        <a:latin typeface="Cambria Math" panose="02040503050406030204" pitchFamily="18" charset="0"/>
+                      </a:rPr>
                       <m:t>←</m:t>
                     </m:r>
                     <m:r>
-                      <a:rPr lang="en-US"/>
+                      <a:rPr lang="en-US">
+                        <a:latin typeface="Cambria Math" panose="02040503050406030204" pitchFamily="18" charset="0"/>
+                      </a:rPr>
                       <m:t> </m:t>
                     </m:r>
                     <m:r>
                       <m:rPr>
                         <m:sty m:val="p"/>
                       </m:rPr>
-                      <a:rPr lang="en-US"/>
+                      <a:rPr lang="en-US">
+                        <a:latin typeface="Cambria Math" panose="02040503050406030204" pitchFamily="18" charset="0"/>
+                      </a:rPr>
                       <m:t>Render</m:t>
                     </m:r>
                     <m:r>
-                      <a:rPr lang="en-US"/>
+                      <a:rPr lang="en-US">
+                        <a:latin typeface="Cambria Math" panose="02040503050406030204" pitchFamily="18" charset="0"/>
+                      </a:rPr>
                       <m:t>(</m:t>
                     </m:r>
                     <m:r>
                       <m:rPr>
                         <m:sty m:val="p"/>
                       </m:rPr>
-                      <a:rPr lang="en-US"/>
+                      <a:rPr lang="en-US">
+                        <a:latin typeface="Cambria Math" panose="02040503050406030204" pitchFamily="18" charset="0"/>
+                      </a:rPr>
                       <m:t>l</m:t>
                     </m:r>
                     <m:r>
-                      <a:rPr lang="en-US"/>
+                      <a:rPr lang="en-US">
+                        <a:latin typeface="Cambria Math" panose="02040503050406030204" pitchFamily="18" charset="0"/>
+                      </a:rPr>
                       <m:t>, </m:t>
                     </m:r>
                     <m:r>
                       <m:rPr>
                         <m:sty m:val="p"/>
                       </m:rPr>
-                      <a:rPr lang="en-US"/>
+                      <a:rPr lang="en-US">
+                        <a:latin typeface="Cambria Math" panose="02040503050406030204" pitchFamily="18" charset="0"/>
+                      </a:rPr>
                       <m:t>o</m:t>
                     </m:r>
                     <m:r>
-                      <a:rPr lang="en-US"/>
+                      <a:rPr lang="en-US">
+                        <a:latin typeface="Cambria Math" panose="02040503050406030204" pitchFamily="18" charset="0"/>
+                      </a:rPr>
                       <m:t>, </m:t>
                     </m:r>
                     <m:r>
                       <m:rPr>
                         <m:sty m:val="p"/>
                       </m:rPr>
-                      <a:rPr lang="en-US"/>
+                      <a:rPr lang="en-US">
+                        <a:latin typeface="Cambria Math" panose="02040503050406030204" pitchFamily="18" charset="0"/>
+                      </a:rPr>
                       <m:t>p</m:t>
                     </m:r>
                     <m:r>
-                      <a:rPr lang="en-US"/>
+                      <a:rPr lang="en-US">
+                        <a:latin typeface="Cambria Math" panose="02040503050406030204" pitchFamily="18" charset="0"/>
+                      </a:rPr>
                       <m:t>)</m:t>
                     </m:r>
                   </m:oMath>
@@ -4639,47 +5200,63 @@
                 <a14:m>
                   <m:oMath xmlns:m="http://schemas.openxmlformats.org/officeDocument/2006/math">
                     <m:r>
-                      <a:rPr lang="en-US" i="1"/>
+                      <a:rPr lang="en-US" i="1">
+                        <a:latin typeface="Cambria Math" panose="02040503050406030204" pitchFamily="18" charset="0"/>
+                      </a:rPr>
                       <m:t>𝐼𝑚</m:t>
                     </m:r>
                     <m:sSub>
                       <m:sSubPr>
                         <m:ctrlPr>
-                          <a:rPr lang="en-US" i="1"/>
+                          <a:rPr lang="en-US" i="1">
+                            <a:latin typeface="Cambria Math" panose="02040503050406030204" pitchFamily="18" charset="0"/>
+                          </a:rPr>
                         </m:ctrlPr>
                       </m:sSubPr>
                       <m:e>
                         <m:r>
-                          <a:rPr lang="en-US" i="1"/>
+                          <a:rPr lang="en-US" i="1">
+                            <a:latin typeface="Cambria Math" panose="02040503050406030204" pitchFamily="18" charset="0"/>
+                          </a:rPr>
                           <m:t>𝑔</m:t>
                         </m:r>
                       </m:e>
                       <m:sub>
                         <m:r>
-                          <a:rPr lang="en-US" i="1"/>
+                          <a:rPr lang="en-US" i="1">
+                            <a:latin typeface="Cambria Math" panose="02040503050406030204" pitchFamily="18" charset="0"/>
+                          </a:rPr>
                           <m:t>𝑛</m:t>
                         </m:r>
                       </m:sub>
                     </m:sSub>
                     <m:r>
-                      <a:rPr lang="en-US" i="1"/>
+                      <a:rPr lang="en-US" i="1">
+                        <a:latin typeface="Cambria Math" panose="02040503050406030204" pitchFamily="18" charset="0"/>
+                      </a:rPr>
                       <m:t>←</m:t>
                     </m:r>
                     <m:r>
                       <m:rPr>
                         <m:sty m:val="p"/>
                       </m:rPr>
-                      <a:rPr lang="en-US"/>
+                      <a:rPr lang="en-US">
+                        <a:latin typeface="Cambria Math" panose="02040503050406030204" pitchFamily="18" charset="0"/>
+                      </a:rPr>
                       <m:t>Blend</m:t>
                     </m:r>
                     <m:r>
-                      <a:rPr lang="en-US"/>
+                      <a:rPr lang="en-US">
+                        <a:latin typeface="Cambria Math" panose="02040503050406030204" pitchFamily="18" charset="0"/>
+                      </a:rPr>
                       <m:t>(</m:t>
                     </m:r>
                     <m:sSub>
                       <m:sSubPr>
                         <m:ctrlPr>
-                          <a:rPr lang="en-US" i="1"/>
+                          <a:rPr lang="en-US" i="1">
+                            <a:latin typeface="Cambria Math" panose="02040503050406030204" pitchFamily="18" charset="0"/>
+                          </a:rPr>
                         </m:ctrlPr>
                       </m:sSubPr>
                       <m:e>
@@ -4687,7 +5264,9 @@
                           <m:rPr>
                             <m:sty m:val="p"/>
                           </m:rPr>
-                          <a:rPr lang="en-US"/>
+                          <a:rPr lang="en-US">
+                            <a:latin typeface="Cambria Math" panose="02040503050406030204" pitchFamily="18" charset="0"/>
+                          </a:rPr>
                           <m:t>Img</m:t>
                         </m:r>
                       </m:e>
@@ -4696,19 +5275,25 @@
                           <m:rPr>
                             <m:sty m:val="p"/>
                           </m:rPr>
-                          <a:rPr lang="en-US" baseline="-25000"/>
+                          <a:rPr lang="en-US" baseline="-25000">
+                            <a:latin typeface="Cambria Math" panose="02040503050406030204" pitchFamily="18" charset="0"/>
+                          </a:rPr>
                           <m:t>n</m:t>
                         </m:r>
                       </m:sub>
                     </m:sSub>
                     <m:r>
-                      <a:rPr lang="en-US"/>
+                      <a:rPr lang="en-US">
+                        <a:latin typeface="Cambria Math" panose="02040503050406030204" pitchFamily="18" charset="0"/>
+                      </a:rPr>
                       <m:t>, </m:t>
                     </m:r>
                     <m:sSub>
                       <m:sSubPr>
                         <m:ctrlPr>
-                          <a:rPr lang="en-US" i="1"/>
+                          <a:rPr lang="en-US" i="1">
+                            <a:latin typeface="Cambria Math" panose="02040503050406030204" pitchFamily="18" charset="0"/>
+                          </a:rPr>
                         </m:ctrlPr>
                       </m:sSubPr>
                       <m:e>
@@ -4716,7 +5301,9 @@
                           <m:rPr>
                             <m:sty m:val="p"/>
                           </m:rPr>
-                          <a:rPr lang="en-US"/>
+                          <a:rPr lang="en-US">
+                            <a:latin typeface="Cambria Math" panose="02040503050406030204" pitchFamily="18" charset="0"/>
+                          </a:rPr>
                           <m:t>Img</m:t>
                         </m:r>
                       </m:e>
@@ -4725,17 +5312,23 @@
                           <m:rPr>
                             <m:sty m:val="p"/>
                           </m:rPr>
-                          <a:rPr lang="en-US" baseline="-25000"/>
+                          <a:rPr lang="en-US" baseline="-25000">
+                            <a:latin typeface="Cambria Math" panose="02040503050406030204" pitchFamily="18" charset="0"/>
+                          </a:rPr>
                           <m:t>n</m:t>
                         </m:r>
                         <m:r>
-                          <a:rPr lang="en-US" baseline="-25000"/>
+                          <a:rPr lang="en-US" baseline="-25000">
+                            <a:latin typeface="Cambria Math" panose="02040503050406030204" pitchFamily="18" charset="0"/>
+                          </a:rPr>
                           <m:t>+1</m:t>
                         </m:r>
                       </m:sub>
                     </m:sSub>
                     <m:r>
-                      <a:rPr lang="en-US"/>
+                      <a:rPr lang="en-US">
+                        <a:latin typeface="Cambria Math" panose="02040503050406030204" pitchFamily="18" charset="0"/>
+                      </a:rPr>
                       <m:t>)</m:t>
                     </m:r>
                   </m:oMath>
@@ -4755,24 +5348,32 @@
                 <a14:m>
                   <m:oMath xmlns:m="http://schemas.openxmlformats.org/officeDocument/2006/math">
                     <m:r>
-                      <a:rPr lang="en-US" i="1"/>
+                      <a:rPr lang="en-US" i="1">
+                        <a:latin typeface="Cambria Math" panose="02040503050406030204" pitchFamily="18" charset="0"/>
+                      </a:rPr>
                       <m:t>𝐼𝑚</m:t>
                     </m:r>
                     <m:sSub>
                       <m:sSubPr>
                         <m:ctrlPr>
-                          <a:rPr lang="en-US" i="1"/>
+                          <a:rPr lang="en-US" i="1">
+                            <a:latin typeface="Cambria Math" panose="02040503050406030204" pitchFamily="18" charset="0"/>
+                          </a:rPr>
                         </m:ctrlPr>
                       </m:sSubPr>
                       <m:e>
                         <m:r>
-                          <a:rPr lang="en-US" i="1"/>
+                          <a:rPr lang="en-US" i="1">
+                            <a:latin typeface="Cambria Math" panose="02040503050406030204" pitchFamily="18" charset="0"/>
+                          </a:rPr>
                           <m:t>𝑔</m:t>
                         </m:r>
                       </m:e>
                       <m:sub>
                         <m:r>
-                          <a:rPr lang="en-US" i="1"/>
+                          <a:rPr lang="en-US" i="1">
+                            <a:latin typeface="Cambria Math" panose="02040503050406030204" pitchFamily="18" charset="0"/>
+                          </a:rPr>
                           <m:t>𝑛</m:t>
                         </m:r>
                       </m:sub>
@@ -4804,7 +5405,7 @@
             </p:txBody>
           </p:sp>
         </mc:Choice>
-        <mc:Fallback>
+        <mc:Fallback xmlns="">
           <p:sp>
             <p:nvSpPr>
               <p:cNvPr id="38" name="Content Placeholder 17"/>
@@ -4843,8 +5444,8 @@
           </p:sp>
         </mc:Fallback>
       </mc:AlternateContent>
-      <mc:AlternateContent xmlns:mc="http://schemas.openxmlformats.org/markup-compatibility/2006">
-        <mc:Choice xmlns:a14="http://schemas.microsoft.com/office/drawing/2010/main" Requires="a14">
+      <mc:AlternateContent xmlns:mc="http://schemas.openxmlformats.org/markup-compatibility/2006" xmlns:a14="http://schemas.microsoft.com/office/drawing/2010/main">
+        <mc:Choice Requires="a14">
           <p:sp>
             <p:nvSpPr>
               <p:cNvPr id="9" name="Rectangle 8"/>
@@ -4937,7 +5538,7 @@
                             <a:lumOff val="25000"/>
                           </a:prstClr>
                         </a:solidFill>
-                        <a:latin typeface="Segoe UI" panose="020B0502040204020203" pitchFamily="34" charset="0"/>
+                        <a:latin typeface="Cambria Math" panose="02040503050406030204" pitchFamily="18" charset="0"/>
                         <a:cs typeface="Segoe UI" panose="020B0502040204020203" pitchFamily="34" charset="0"/>
                       </a:rPr>
                       <m:t>𝑝</m:t>
@@ -4950,7 +5551,7 @@
                             <a:lumOff val="25000"/>
                           </a:prstClr>
                         </a:solidFill>
-                        <a:latin typeface="Segoe UI" panose="020B0502040204020203" pitchFamily="34" charset="0"/>
+                        <a:latin typeface="Cambria Math" panose="02040503050406030204" pitchFamily="18" charset="0"/>
                         <a:cs typeface="Segoe UI" panose="020B0502040204020203" pitchFamily="34" charset="0"/>
                       </a:rPr>
                       <m:t>1 = (</m:t>
@@ -4963,7 +5564,7 @@
                             <a:lumOff val="25000"/>
                           </a:prstClr>
                         </a:solidFill>
-                        <a:latin typeface="Segoe UI" panose="020B0502040204020203" pitchFamily="34" charset="0"/>
+                        <a:latin typeface="Cambria Math" panose="02040503050406030204" pitchFamily="18" charset="0"/>
                         <a:cs typeface="Segoe UI" panose="020B0502040204020203" pitchFamily="34" charset="0"/>
                       </a:rPr>
                       <m:t>𝑥</m:t>
@@ -4976,7 +5577,7 @@
                             <a:lumOff val="25000"/>
                           </a:prstClr>
                         </a:solidFill>
-                        <a:latin typeface="Segoe UI" panose="020B0502040204020203" pitchFamily="34" charset="0"/>
+                        <a:latin typeface="Cambria Math" panose="02040503050406030204" pitchFamily="18" charset="0"/>
                         <a:cs typeface="Segoe UI" panose="020B0502040204020203" pitchFamily="34" charset="0"/>
                       </a:rPr>
                       <m:t>, </m:t>
@@ -4989,7 +5590,7 @@
                             <a:lumOff val="25000"/>
                           </a:prstClr>
                         </a:solidFill>
-                        <a:latin typeface="Segoe UI" panose="020B0502040204020203" pitchFamily="34" charset="0"/>
+                        <a:latin typeface="Cambria Math" panose="02040503050406030204" pitchFamily="18" charset="0"/>
                         <a:cs typeface="Segoe UI" panose="020B0502040204020203" pitchFamily="34" charset="0"/>
                       </a:rPr>
                       <m:t>𝑦</m:t>
@@ -5002,7 +5603,7 @@
                             <a:lumOff val="25000"/>
                           </a:prstClr>
                         </a:solidFill>
-                        <a:latin typeface="Segoe UI" panose="020B0502040204020203" pitchFamily="34" charset="0"/>
+                        <a:latin typeface="Cambria Math" panose="02040503050406030204" pitchFamily="18" charset="0"/>
                         <a:cs typeface="Segoe UI" panose="020B0502040204020203" pitchFamily="34" charset="0"/>
                       </a:rPr>
                       <m:t>, </m:t>
@@ -5015,7 +5616,7 @@
                             <a:lumOff val="25000"/>
                           </a:prstClr>
                         </a:solidFill>
-                        <a:latin typeface="Segoe UI" panose="020B0502040204020203" pitchFamily="34" charset="0"/>
+                        <a:latin typeface="Cambria Math" panose="02040503050406030204" pitchFamily="18" charset="0"/>
                         <a:cs typeface="Segoe UI" panose="020B0502040204020203" pitchFamily="34" charset="0"/>
                       </a:rPr>
                       <m:t>𝑐</m:t>
@@ -5028,7 +5629,7 @@
                             <a:lumOff val="25000"/>
                           </a:prstClr>
                         </a:solidFill>
-                        <a:latin typeface="Segoe UI" panose="020B0502040204020203" pitchFamily="34" charset="0"/>
+                        <a:latin typeface="Cambria Math" panose="02040503050406030204" pitchFamily="18" charset="0"/>
                         <a:cs typeface="Segoe UI" panose="020B0502040204020203" pitchFamily="34" charset="0"/>
                       </a:rPr>
                       <m:t>1)</m:t>
@@ -5074,7 +5675,7 @@
                             <a:lumOff val="25000"/>
                           </a:prstClr>
                         </a:solidFill>
-                        <a:latin typeface="Segoe UI" panose="020B0502040204020203" pitchFamily="34" charset="0"/>
+                        <a:latin typeface="Cambria Math" panose="02040503050406030204" pitchFamily="18" charset="0"/>
                         <a:cs typeface="Segoe UI" panose="020B0502040204020203" pitchFamily="34" charset="0"/>
                       </a:rPr>
                       <m:t>𝑝</m:t>
@@ -5087,7 +5688,7 @@
                             <a:lumOff val="25000"/>
                           </a:prstClr>
                         </a:solidFill>
-                        <a:latin typeface="Segoe UI" panose="020B0502040204020203" pitchFamily="34" charset="0"/>
+                        <a:latin typeface="Cambria Math" panose="02040503050406030204" pitchFamily="18" charset="0"/>
                         <a:cs typeface="Segoe UI" panose="020B0502040204020203" pitchFamily="34" charset="0"/>
                       </a:rPr>
                       <m:t>2 = (</m:t>
@@ -5100,7 +5701,7 @@
                             <a:lumOff val="25000"/>
                           </a:prstClr>
                         </a:solidFill>
-                        <a:latin typeface="Segoe UI" panose="020B0502040204020203" pitchFamily="34" charset="0"/>
+                        <a:latin typeface="Cambria Math" panose="02040503050406030204" pitchFamily="18" charset="0"/>
                         <a:cs typeface="Segoe UI" panose="020B0502040204020203" pitchFamily="34" charset="0"/>
                       </a:rPr>
                       <m:t>𝑥</m:t>
@@ -5113,7 +5714,7 @@
                             <a:lumOff val="25000"/>
                           </a:prstClr>
                         </a:solidFill>
-                        <a:latin typeface="Segoe UI" panose="020B0502040204020203" pitchFamily="34" charset="0"/>
+                        <a:latin typeface="Cambria Math" panose="02040503050406030204" pitchFamily="18" charset="0"/>
                         <a:cs typeface="Segoe UI" panose="020B0502040204020203" pitchFamily="34" charset="0"/>
                       </a:rPr>
                       <m:t>, </m:t>
@@ -5126,7 +5727,7 @@
                             <a:lumOff val="25000"/>
                           </a:prstClr>
                         </a:solidFill>
-                        <a:latin typeface="Segoe UI" panose="020B0502040204020203" pitchFamily="34" charset="0"/>
+                        <a:latin typeface="Cambria Math" panose="02040503050406030204" pitchFamily="18" charset="0"/>
                         <a:cs typeface="Segoe UI" panose="020B0502040204020203" pitchFamily="34" charset="0"/>
                       </a:rPr>
                       <m:t>𝑦</m:t>
@@ -5139,7 +5740,7 @@
                             <a:lumOff val="25000"/>
                           </a:prstClr>
                         </a:solidFill>
-                        <a:latin typeface="Segoe UI" panose="020B0502040204020203" pitchFamily="34" charset="0"/>
+                        <a:latin typeface="Cambria Math" panose="02040503050406030204" pitchFamily="18" charset="0"/>
                         <a:cs typeface="Segoe UI" panose="020B0502040204020203" pitchFamily="34" charset="0"/>
                       </a:rPr>
                       <m:t>, </m:t>
@@ -5152,7 +5753,7 @@
                             <a:lumOff val="25000"/>
                           </a:prstClr>
                         </a:solidFill>
-                        <a:latin typeface="Segoe UI" panose="020B0502040204020203" pitchFamily="34" charset="0"/>
+                        <a:latin typeface="Cambria Math" panose="02040503050406030204" pitchFamily="18" charset="0"/>
                         <a:cs typeface="Segoe UI" panose="020B0502040204020203" pitchFamily="34" charset="0"/>
                       </a:rPr>
                       <m:t>𝑐</m:t>
@@ -5165,7 +5766,7 @@
                             <a:lumOff val="25000"/>
                           </a:prstClr>
                         </a:solidFill>
-                        <a:latin typeface="Segoe UI" panose="020B0502040204020203" pitchFamily="34" charset="0"/>
+                        <a:latin typeface="Cambria Math" panose="02040503050406030204" pitchFamily="18" charset="0"/>
                         <a:cs typeface="Segoe UI" panose="020B0502040204020203" pitchFamily="34" charset="0"/>
                       </a:rPr>
                       <m:t>2)</m:t>
@@ -5211,7 +5812,7 @@
                             <a:lumOff val="25000"/>
                           </a:prstClr>
                         </a:solidFill>
-                        <a:latin typeface="Segoe UI" panose="020B0502040204020203" pitchFamily="34" charset="0"/>
+                        <a:latin typeface="Cambria Math" panose="02040503050406030204" pitchFamily="18" charset="0"/>
                         <a:cs typeface="Segoe UI" panose="020B0502040204020203" pitchFamily="34" charset="0"/>
                       </a:rPr>
                       <m:t>𝑝</m:t>
@@ -5224,7 +5825,7 @@
                             <a:lumOff val="25000"/>
                           </a:prstClr>
                         </a:solidFill>
-                        <a:latin typeface="Segoe UI" panose="020B0502040204020203" pitchFamily="34" charset="0"/>
+                        <a:latin typeface="Cambria Math" panose="02040503050406030204" pitchFamily="18" charset="0"/>
                         <a:cs typeface="Segoe UI" panose="020B0502040204020203" pitchFamily="34" charset="0"/>
                       </a:rPr>
                       <m:t> ← (</m:t>
@@ -5237,7 +5838,7 @@
                             <a:lumOff val="25000"/>
                           </a:prstClr>
                         </a:solidFill>
-                        <a:latin typeface="Segoe UI" panose="020B0502040204020203" pitchFamily="34" charset="0"/>
+                        <a:latin typeface="Cambria Math" panose="02040503050406030204" pitchFamily="18" charset="0"/>
                         <a:cs typeface="Segoe UI" panose="020B0502040204020203" pitchFamily="34" charset="0"/>
                       </a:rPr>
                       <m:t>𝑥</m:t>
@@ -5250,7 +5851,7 @@
                             <a:lumOff val="25000"/>
                           </a:prstClr>
                         </a:solidFill>
-                        <a:latin typeface="Segoe UI" panose="020B0502040204020203" pitchFamily="34" charset="0"/>
+                        <a:latin typeface="Cambria Math" panose="02040503050406030204" pitchFamily="18" charset="0"/>
                         <a:cs typeface="Segoe UI" panose="020B0502040204020203" pitchFamily="34" charset="0"/>
                       </a:rPr>
                       <m:t>, </m:t>
@@ -5263,7 +5864,7 @@
                             <a:lumOff val="25000"/>
                           </a:prstClr>
                         </a:solidFill>
-                        <a:latin typeface="Segoe UI" panose="020B0502040204020203" pitchFamily="34" charset="0"/>
+                        <a:latin typeface="Cambria Math" panose="02040503050406030204" pitchFamily="18" charset="0"/>
                         <a:cs typeface="Segoe UI" panose="020B0502040204020203" pitchFamily="34" charset="0"/>
                       </a:rPr>
                       <m:t>𝑦</m:t>
@@ -5276,7 +5877,7 @@
                             <a:lumOff val="25000"/>
                           </a:prstClr>
                         </a:solidFill>
-                        <a:latin typeface="Segoe UI" panose="020B0502040204020203" pitchFamily="34" charset="0"/>
+                        <a:latin typeface="Cambria Math" panose="02040503050406030204" pitchFamily="18" charset="0"/>
                         <a:cs typeface="Segoe UI" panose="020B0502040204020203" pitchFamily="34" charset="0"/>
                       </a:rPr>
                       <m:t>, </m:t>
@@ -5289,7 +5890,7 @@
                             <a:lumOff val="25000"/>
                           </a:prstClr>
                         </a:solidFill>
-                        <a:latin typeface="Segoe UI" panose="020B0502040204020203" pitchFamily="34" charset="0"/>
+                        <a:latin typeface="Cambria Math" panose="02040503050406030204" pitchFamily="18" charset="0"/>
                         <a:cs typeface="Segoe UI" panose="020B0502040204020203" pitchFamily="34" charset="0"/>
                       </a:rPr>
                       <m:t>𝑏𝑟𝑖𝑔h𝑡𝑒𝑠𝑡</m:t>
@@ -5302,7 +5903,7 @@
                             <a:lumOff val="25000"/>
                           </a:prstClr>
                         </a:solidFill>
-                        <a:latin typeface="Segoe UI" panose="020B0502040204020203" pitchFamily="34" charset="0"/>
+                        <a:latin typeface="Cambria Math" panose="02040503050406030204" pitchFamily="18" charset="0"/>
                         <a:cs typeface="Segoe UI" panose="020B0502040204020203" pitchFamily="34" charset="0"/>
                       </a:rPr>
                       <m:t>(</m:t>
@@ -5315,7 +5916,7 @@
                             <a:lumOff val="25000"/>
                           </a:prstClr>
                         </a:solidFill>
-                        <a:latin typeface="Segoe UI" panose="020B0502040204020203" pitchFamily="34" charset="0"/>
+                        <a:latin typeface="Cambria Math" panose="02040503050406030204" pitchFamily="18" charset="0"/>
                         <a:cs typeface="Segoe UI" panose="020B0502040204020203" pitchFamily="34" charset="0"/>
                       </a:rPr>
                       <m:t>𝑐</m:t>
@@ -5328,7 +5929,7 @@
                             <a:lumOff val="25000"/>
                           </a:prstClr>
                         </a:solidFill>
-                        <a:latin typeface="Segoe UI" panose="020B0502040204020203" pitchFamily="34" charset="0"/>
+                        <a:latin typeface="Cambria Math" panose="02040503050406030204" pitchFamily="18" charset="0"/>
                         <a:cs typeface="Segoe UI" panose="020B0502040204020203" pitchFamily="34" charset="0"/>
                       </a:rPr>
                       <m:t>1, </m:t>
@@ -5341,7 +5942,7 @@
                             <a:lumOff val="25000"/>
                           </a:prstClr>
                         </a:solidFill>
-                        <a:latin typeface="Segoe UI" panose="020B0502040204020203" pitchFamily="34" charset="0"/>
+                        <a:latin typeface="Cambria Math" panose="02040503050406030204" pitchFamily="18" charset="0"/>
                         <a:cs typeface="Segoe UI" panose="020B0502040204020203" pitchFamily="34" charset="0"/>
                       </a:rPr>
                       <m:t>𝑐</m:t>
@@ -5354,7 +5955,7 @@
                             <a:lumOff val="25000"/>
                           </a:prstClr>
                         </a:solidFill>
-                        <a:latin typeface="Segoe UI" panose="020B0502040204020203" pitchFamily="34" charset="0"/>
+                        <a:latin typeface="Cambria Math" panose="02040503050406030204" pitchFamily="18" charset="0"/>
                         <a:cs typeface="Segoe UI" panose="020B0502040204020203" pitchFamily="34" charset="0"/>
                       </a:rPr>
                       <m:t>2))</m:t>
@@ -5397,7 +5998,7 @@
                             <a:lumOff val="25000"/>
                           </a:prstClr>
                         </a:solidFill>
-                        <a:latin typeface="Segoe UI" panose="020B0502040204020203" pitchFamily="34" charset="0"/>
+                        <a:latin typeface="Cambria Math" panose="02040503050406030204" pitchFamily="18" charset="0"/>
                         <a:cs typeface="Segoe UI" panose="020B0502040204020203" pitchFamily="34" charset="0"/>
                       </a:rPr>
                       <m:t>𝑝</m:t>
@@ -5421,7 +6022,7 @@
             </p:txBody>
           </p:sp>
         </mc:Choice>
-        <mc:Fallback>
+        <mc:Fallback xmlns="">
           <p:sp>
             <p:nvSpPr>
               <p:cNvPr id="9" name="Rectangle 8"/>
@@ -5488,7 +6089,7 @@
 </p:sld>
 </file>
 
-<file path=ppt/slides/slide8.xml><?xml version="1.0" encoding="utf-8"?>
+<file path=ppt/slides/slide9.xml><?xml version="1.0" encoding="utf-8"?>
 <p:sld xmlns:a="http://schemas.openxmlformats.org/drawingml/2006/main" xmlns:r="http://schemas.openxmlformats.org/officeDocument/2006/relationships" xmlns:p="http://schemas.openxmlformats.org/presentationml/2006/main">
   <p:cSld>
     <p:spTree>
@@ -5530,7 +6131,14 @@
                 <a:latin typeface="Segoe UI Light" panose="020B0502040204020203" pitchFamily="34" charset="0"/>
                 <a:cs typeface="Segoe UI Light" panose="020B0502040204020203" pitchFamily="34" charset="0"/>
               </a:rPr>
-              <a:t>Inspecting on the graphics pipeline will confirm the hypothesis</a:t>
+              <a:t>Inspecting on the graphics pipeline </a:t>
+            </a:r>
+            <a:r>
+              <a:rPr lang="en-US" dirty="0" smtClean="0">
+                <a:latin typeface="Segoe UI Light" panose="020B0502040204020203" pitchFamily="34" charset="0"/>
+                <a:cs typeface="Segoe UI Light" panose="020B0502040204020203" pitchFamily="34" charset="0"/>
+              </a:rPr>
+              <a:t>opens the black box </a:t>
             </a:r>
             <a:endParaRPr lang="en-US" dirty="0">
               <a:latin typeface="Segoe UI Light" panose="020B0502040204020203" pitchFamily="34" charset="0"/>
@@ -5547,7 +6155,7 @@
         </p:nvGrpSpPr>
         <p:grpSpPr bwMode="blackWhite">
           <a:xfrm>
-            <a:off x="558723" y="5233381"/>
+            <a:off x="509646" y="1630645"/>
             <a:ext cx="558179" cy="409838"/>
             <a:chOff x="6953426" y="711274"/>
             <a:chExt cx="558179" cy="409838"/>
@@ -5646,8 +6254,8 @@
         </p:nvSpPr>
         <p:spPr>
           <a:xfrm>
-            <a:off x="1066038" y="5273573"/>
-            <a:ext cx="2919669" cy="1298398"/>
+            <a:off x="1142736" y="1630645"/>
+            <a:ext cx="2837915" cy="893099"/>
           </a:xfrm>
           <a:prstGeom prst="rect">
             <a:avLst/>
@@ -5859,54 +6467,23 @@
               <a:buNone/>
             </a:pPr>
             <a:r>
-              <a:rPr lang="en-US" dirty="0">
-                <a:solidFill>
-                  <a:prstClr val="black">
-                    <a:lumMod val="75000"/>
-                    <a:lumOff val="25000"/>
-                  </a:prstClr>
-                </a:solidFill>
-                <a:latin typeface="Segoe UI" panose="020B0502040204020203" pitchFamily="34" charset="0"/>
-                <a:cs typeface="Segoe UI" panose="020B0502040204020203" pitchFamily="34" charset="0"/>
-              </a:rPr>
-              <a:t>Right-click in the word </a:t>
+              <a:rPr lang="en-US" dirty="0" smtClean="0"/>
+              <a:t>To </a:t>
             </a:r>
             <a:r>
-              <a:rPr lang="en-US" i="1" dirty="0">
-                <a:solidFill>
-                  <a:srgbClr val="D24726"/>
-                </a:solidFill>
-                <a:latin typeface="Segoe UI" panose="020B0502040204020203" pitchFamily="34" charset="0"/>
-                <a:cs typeface="Segoe UI" panose="020B0502040204020203" pitchFamily="34" charset="0"/>
-              </a:rPr>
-              <a:t>office</a:t>
+              <a:rPr lang="en-US" dirty="0"/>
+              <a:t>generate trace log information for the usage of OpenGL and EGL from graphical application</a:t>
             </a:r>
-            <a:r>
-              <a:rPr lang="en-US" dirty="0">
-                <a:solidFill>
-                  <a:prstClr val="black">
-                    <a:lumMod val="75000"/>
-                    <a:lumOff val="25000"/>
-                  </a:prstClr>
-                </a:solidFill>
-                <a:latin typeface="Segoe UI" panose="020B0502040204020203" pitchFamily="34" charset="0"/>
-                <a:cs typeface="Segoe UI" panose="020B0502040204020203" pitchFamily="34" charset="0"/>
-              </a:rPr>
-              <a:t> in the following phrase: </a:t>
-            </a:r>
-            <a:r>
-              <a:rPr lang="en-US" sz="1800" dirty="0">
-                <a:solidFill>
-                  <a:prstClr val="black">
-                    <a:lumMod val="75000"/>
-                    <a:lumOff val="25000"/>
-                  </a:prstClr>
-                </a:solidFill>
-                <a:latin typeface="Segoe UI" panose="020B0502040204020203" pitchFamily="34" charset="0"/>
-                <a:cs typeface="Segoe UI" panose="020B0502040204020203" pitchFamily="34" charset="0"/>
-              </a:rPr>
-              <a:t>office furniture</a:t>
-            </a:r>
+            <a:endParaRPr lang="en-US" sz="1800" dirty="0">
+              <a:solidFill>
+                <a:prstClr val="black">
+                  <a:lumMod val="75000"/>
+                  <a:lumOff val="25000"/>
+                </a:prstClr>
+              </a:solidFill>
+              <a:latin typeface="Segoe UI" panose="020B0502040204020203" pitchFamily="34" charset="0"/>
+              <a:cs typeface="Segoe UI" panose="020B0502040204020203" pitchFamily="34" charset="0"/>
+            </a:endParaRPr>
           </a:p>
         </p:txBody>
       </p:sp>
@@ -5918,7 +6495,7 @@
         </p:nvGrpSpPr>
         <p:grpSpPr bwMode="blackWhite">
           <a:xfrm>
-            <a:off x="4249102" y="5233381"/>
+            <a:off x="507118" y="2880070"/>
             <a:ext cx="558179" cy="409838"/>
             <a:chOff x="6953426" y="711274"/>
             <a:chExt cx="558179" cy="409838"/>
@@ -6017,8 +6594,8 @@
         </p:nvSpPr>
         <p:spPr>
           <a:xfrm>
-            <a:off x="4747855" y="5273573"/>
-            <a:ext cx="3106367" cy="1324053"/>
+            <a:off x="1136940" y="2806261"/>
+            <a:ext cx="2846239" cy="1015932"/>
           </a:xfrm>
           <a:prstGeom prst="rect">
             <a:avLst/>
@@ -6230,70 +6807,12 @@
               <a:buNone/>
             </a:pPr>
             <a:r>
-              <a:rPr lang="en-US" dirty="0">
-                <a:solidFill>
-                  <a:prstClr val="black">
-                    <a:lumMod val="75000"/>
-                    <a:lumOff val="25000"/>
-                  </a:prstClr>
-                </a:solidFill>
-                <a:latin typeface="Segoe UI" panose="020B0502040204020203" pitchFamily="34" charset="0"/>
-                <a:cs typeface="Segoe UI" panose="020B0502040204020203" pitchFamily="34" charset="0"/>
-              </a:rPr>
-              <a:t>Choose </a:t>
+              <a:rPr lang="en-US" dirty="0" smtClean="0"/>
+              <a:t>To yield </a:t>
             </a:r>
             <a:r>
-              <a:rPr lang="en-US" dirty="0">
-                <a:solidFill>
-                  <a:srgbClr val="D24726"/>
-                </a:solidFill>
-                <a:latin typeface="Segoe UI Semibold" panose="020B0702040204020203" pitchFamily="34" charset="0"/>
-                <a:cs typeface="Segoe UI Semibold" panose="020B0702040204020203" pitchFamily="34" charset="0"/>
-              </a:rPr>
-              <a:t>Smart</a:t>
-            </a:r>
-            <a:r>
-              <a:rPr lang="en-US" dirty="0">
-                <a:solidFill>
-                  <a:prstClr val="black">
-                    <a:lumMod val="75000"/>
-                    <a:lumOff val="25000"/>
-                  </a:prstClr>
-                </a:solidFill>
-                <a:cs typeface="Segoe UI"/>
-              </a:rPr>
-              <a:t> </a:t>
-            </a:r>
-            <a:r>
-              <a:rPr lang="en-US" dirty="0">
-                <a:solidFill>
-                  <a:srgbClr val="D24726"/>
-                </a:solidFill>
-                <a:latin typeface="Segoe UI Semibold" panose="020B0702040204020203" pitchFamily="34" charset="0"/>
-                <a:cs typeface="Segoe UI Semibold" panose="020B0702040204020203" pitchFamily="34" charset="0"/>
-              </a:rPr>
-              <a:t>Lookup</a:t>
-            </a:r>
-            <a:r>
-              <a:rPr lang="en-US" dirty="0">
-                <a:latin typeface="Segoe UI" panose="020B0502040204020203" pitchFamily="34" charset="0"/>
-                <a:cs typeface="Segoe UI" panose="020B0502040204020203" pitchFamily="34" charset="0"/>
-              </a:rPr>
-              <a:t>, and notice that results are contextual for that phrase, not </a:t>
-            </a:r>
-            <a:r>
-              <a:rPr lang="en-US" sz="1800" dirty="0">
-                <a:latin typeface="Segoe UI" panose="020B0502040204020203" pitchFamily="34" charset="0"/>
-                <a:cs typeface="Segoe UI" panose="020B0502040204020203" pitchFamily="34" charset="0"/>
-              </a:rPr>
-              <a:t>Microsoft Office apps</a:t>
-            </a:r>
-            <a:r>
-              <a:rPr lang="en-US" dirty="0">
-                <a:latin typeface="Segoe UI" panose="020B0502040204020203" pitchFamily="34" charset="0"/>
-                <a:cs typeface="Segoe UI" panose="020B0502040204020203" pitchFamily="34" charset="0"/>
-              </a:rPr>
-              <a:t>.</a:t>
+              <a:rPr lang="en-US" dirty="0"/>
+              <a:t>graphical output, for example to add a water mark on the display for every graphical application </a:t>
             </a:r>
             <a:endParaRPr lang="en-US" dirty="0">
               <a:solidFill>
@@ -6313,7 +6832,7 @@
         </p:nvGrpSpPr>
         <p:grpSpPr bwMode="blackWhite">
           <a:xfrm>
-            <a:off x="7930921" y="5233381"/>
+            <a:off x="504590" y="4145785"/>
             <a:ext cx="558179" cy="409838"/>
             <a:chOff x="6953426" y="711274"/>
             <a:chExt cx="558179" cy="409838"/>
@@ -6412,8 +6931,8 @@
         </p:nvSpPr>
         <p:spPr>
           <a:xfrm>
-            <a:off x="8429668" y="5273573"/>
-            <a:ext cx="3107336" cy="1341886"/>
+            <a:off x="1142736" y="4104710"/>
+            <a:ext cx="2837915" cy="705034"/>
           </a:xfrm>
           <a:prstGeom prst="rect">
             <a:avLst/>
@@ -6625,41 +7144,385 @@
               <a:buNone/>
             </a:pPr>
             <a:r>
-              <a:rPr lang="en-US" dirty="0">
-                <a:latin typeface="Segoe UI" panose="020B0502040204020203" pitchFamily="34" charset="0"/>
-                <a:cs typeface="Segoe UI" panose="020B0502040204020203" pitchFamily="34" charset="0"/>
-              </a:rPr>
-              <a:t>Just for fun, try Smart Lookup again by right-clicking in the word </a:t>
-            </a:r>
-            <a:r>
-              <a:rPr lang="en-US" i="1" dirty="0">
-                <a:solidFill>
-                  <a:srgbClr val="D24726"/>
-                </a:solidFill>
-                <a:latin typeface="Segoe UI" panose="020B0502040204020203" pitchFamily="34" charset="0"/>
-                <a:cs typeface="Segoe UI" panose="020B0502040204020203" pitchFamily="34" charset="0"/>
-              </a:rPr>
-              <a:t>Office</a:t>
+              <a:rPr lang="en-US" dirty="0" smtClean="0"/>
+              <a:t>To </a:t>
             </a:r>
             <a:r>
               <a:rPr lang="en-US" dirty="0"/>
-              <a:t> </a:t>
+              <a:t>profile hardware, and graphical driver information</a:t>
             </a:r>
-            <a:r>
-              <a:rPr lang="en-US" dirty="0">
-                <a:latin typeface="Segoe UI" panose="020B0502040204020203" pitchFamily="34" charset="0"/>
-                <a:cs typeface="Segoe UI" panose="020B0502040204020203" pitchFamily="34" charset="0"/>
-              </a:rPr>
-              <a:t>in Step 2.</a:t>
-            </a:r>
+            <a:endParaRPr lang="en-US" dirty="0">
+              <a:solidFill>
+                <a:prstClr val="black">
+                  <a:lumMod val="75000"/>
+                  <a:lumOff val="25000"/>
+                </a:prstClr>
+              </a:solidFill>
+            </a:endParaRPr>
           </a:p>
+        </p:txBody>
+      </p:sp>
+      <p:pic>
+        <p:nvPicPr>
+          <p:cNvPr id="15" name="Picture 14"/>
+          <p:cNvPicPr>
+            <a:picLocks noChangeAspect="1"/>
+          </p:cNvPicPr>
+          <p:nvPr/>
+        </p:nvPicPr>
+        <p:blipFill>
+          <a:blip r:embed="rId2"/>
+          <a:stretch>
+            <a:fillRect/>
+          </a:stretch>
+        </p:blipFill>
+        <p:spPr>
+          <a:xfrm>
+            <a:off x="3985707" y="1370652"/>
+            <a:ext cx="7604352" cy="3838513"/>
+          </a:xfrm>
+          <a:prstGeom prst="rect">
+            <a:avLst/>
+          </a:prstGeom>
+        </p:spPr>
+      </p:pic>
+      <p:grpSp>
+        <p:nvGrpSpPr>
+          <p:cNvPr id="16" name="Group 15" descr="Small circle with number 3 inside  indicating step 3"/>
+          <p:cNvGrpSpPr/>
+          <p:nvPr/>
+        </p:nvGrpSpPr>
+        <p:grpSpPr bwMode="blackWhite">
+          <a:xfrm>
+            <a:off x="521207" y="5403574"/>
+            <a:ext cx="558179" cy="409838"/>
+            <a:chOff x="6953426" y="711274"/>
+            <a:chExt cx="558179" cy="409838"/>
+          </a:xfrm>
+        </p:grpSpPr>
+        <p:sp>
+          <p:nvSpPr>
+            <p:cNvPr id="17" name="Oval 16" descr="Small circle"/>
+            <p:cNvSpPr/>
+            <p:nvPr/>
+          </p:nvSpPr>
+          <p:spPr bwMode="blackWhite">
+            <a:xfrm>
+              <a:off x="7025069" y="711274"/>
+              <a:ext cx="409838" cy="409838"/>
+            </a:xfrm>
+            <a:prstGeom prst="ellipse">
+              <a:avLst/>
+            </a:prstGeom>
+            <a:solidFill>
+              <a:srgbClr val="D24726"/>
+            </a:solidFill>
+            <a:ln>
+              <a:noFill/>
+            </a:ln>
+          </p:spPr>
+          <p:style>
+            <a:lnRef idx="2">
+              <a:schemeClr val="accent1">
+                <a:shade val="50000"/>
+              </a:schemeClr>
+            </a:lnRef>
+            <a:fillRef idx="1">
+              <a:schemeClr val="accent1"/>
+            </a:fillRef>
+            <a:effectRef idx="0">
+              <a:schemeClr val="accent1"/>
+            </a:effectRef>
+            <a:fontRef idx="minor">
+              <a:schemeClr val="lt1"/>
+            </a:fontRef>
+          </p:style>
+          <p:txBody>
+            <a:bodyPr rtlCol="0" anchor="ctr"/>
+            <a:lstStyle/>
+            <a:p>
+              <a:pPr algn="ctr"/>
+              <a:endParaRPr lang="en-US"/>
+            </a:p>
+          </p:txBody>
+        </p:sp>
+        <p:sp>
+          <p:nvSpPr>
+            <p:cNvPr id="18" name="TextBox 17" descr="Number 3"/>
+            <p:cNvSpPr txBox="1"/>
+            <p:nvPr/>
+          </p:nvSpPr>
+          <p:spPr bwMode="blackWhite">
+            <a:xfrm>
+              <a:off x="6953426" y="727564"/>
+              <a:ext cx="558179" cy="369332"/>
+            </a:xfrm>
+            <a:prstGeom prst="rect">
+              <a:avLst/>
+            </a:prstGeom>
+            <a:noFill/>
+          </p:spPr>
+          <p:txBody>
+            <a:bodyPr wrap="square" rtlCol="0">
+              <a:spAutoFit/>
+            </a:bodyPr>
+            <a:lstStyle/>
+            <a:p>
+              <a:pPr algn="ctr"/>
+              <a:r>
+                <a:rPr lang="en-US" dirty="0" smtClean="0">
+                  <a:solidFill>
+                    <a:schemeClr val="bg1"/>
+                  </a:solidFill>
+                  <a:latin typeface="Segoe UI Semibold" panose="020B0702040204020203" pitchFamily="34" charset="0"/>
+                  <a:cs typeface="Segoe UI Semibold" panose="020B0702040204020203" pitchFamily="34" charset="0"/>
+                </a:rPr>
+                <a:t>4</a:t>
+              </a:r>
+              <a:endParaRPr lang="en-US" dirty="0">
+                <a:solidFill>
+                  <a:schemeClr val="bg1"/>
+                </a:solidFill>
+                <a:latin typeface="Segoe UI Semibold" panose="020B0702040204020203" pitchFamily="34" charset="0"/>
+                <a:cs typeface="Segoe UI Semibold" panose="020B0702040204020203" pitchFamily="34" charset="0"/>
+              </a:endParaRPr>
+            </a:p>
+          </p:txBody>
+        </p:sp>
+      </p:grpSp>
+      <p:sp>
+        <p:nvSpPr>
+          <p:cNvPr id="22" name="Content Placeholder 17"/>
+          <p:cNvSpPr txBox="1">
+            <a:spLocks/>
+          </p:cNvSpPr>
+          <p:nvPr/>
+        </p:nvSpPr>
+        <p:spPr>
+          <a:xfrm>
+            <a:off x="1142736" y="5399157"/>
+            <a:ext cx="2837915" cy="705034"/>
+          </a:xfrm>
+          <a:prstGeom prst="rect">
+            <a:avLst/>
+          </a:prstGeom>
+        </p:spPr>
+        <p:txBody>
+          <a:bodyPr vert="horz" lIns="91440" tIns="45720" rIns="91440" bIns="45720" rtlCol="0">
+            <a:normAutofit/>
+          </a:bodyPr>
+          <a:lstStyle>
+            <a:lvl1pPr marL="228600" indent="-228600" algn="l" defTabSz="914400" rtl="0" eaLnBrk="1" latinLnBrk="0" hangingPunct="1">
+              <a:lnSpc>
+                <a:spcPts val="1800"/>
+              </a:lnSpc>
+              <a:spcBef>
+                <a:spcPts val="1000"/>
+              </a:spcBef>
+              <a:spcAft>
+                <a:spcPts val="1000"/>
+              </a:spcAft>
+              <a:buFont typeface="Arial" panose="020B0604020202020204" pitchFamily="34" charset="0"/>
+              <a:buChar char="•"/>
+              <a:defRPr lang="en-US" sz="1200" kern="1200" smtClean="0">
+                <a:solidFill>
+                  <a:schemeClr val="tx1">
+                    <a:lumMod val="75000"/>
+                    <a:lumOff val="25000"/>
+                  </a:schemeClr>
+                </a:solidFill>
+                <a:latin typeface="+mn-lt"/>
+                <a:ea typeface="+mn-ea"/>
+                <a:cs typeface="+mn-cs"/>
+              </a:defRPr>
+            </a:lvl1pPr>
+            <a:lvl2pPr marL="685800" indent="-228600" algn="l" defTabSz="914400" rtl="0" eaLnBrk="1" latinLnBrk="0" hangingPunct="1">
+              <a:lnSpc>
+                <a:spcPts val="1800"/>
+              </a:lnSpc>
+              <a:spcBef>
+                <a:spcPts val="1000"/>
+              </a:spcBef>
+              <a:spcAft>
+                <a:spcPts val="1000"/>
+              </a:spcAft>
+              <a:buFont typeface="Arial" panose="020B0604020202020204" pitchFamily="34" charset="0"/>
+              <a:buChar char="•"/>
+              <a:defRPr lang="en-US" sz="1200" kern="1200" smtClean="0">
+                <a:solidFill>
+                  <a:schemeClr val="tx1">
+                    <a:lumMod val="75000"/>
+                    <a:lumOff val="25000"/>
+                  </a:schemeClr>
+                </a:solidFill>
+                <a:latin typeface="+mn-lt"/>
+                <a:ea typeface="+mn-ea"/>
+                <a:cs typeface="+mn-cs"/>
+              </a:defRPr>
+            </a:lvl2pPr>
+            <a:lvl3pPr marL="1143000" indent="-228600" algn="l" defTabSz="914400" rtl="0" eaLnBrk="1" latinLnBrk="0" hangingPunct="1">
+              <a:lnSpc>
+                <a:spcPts val="1800"/>
+              </a:lnSpc>
+              <a:spcBef>
+                <a:spcPts val="1000"/>
+              </a:spcBef>
+              <a:spcAft>
+                <a:spcPts val="1000"/>
+              </a:spcAft>
+              <a:buFont typeface="Arial" panose="020B0604020202020204" pitchFamily="34" charset="0"/>
+              <a:buChar char="•"/>
+              <a:defRPr lang="en-US" sz="1200" kern="1200" smtClean="0">
+                <a:solidFill>
+                  <a:schemeClr val="tx1">
+                    <a:lumMod val="75000"/>
+                    <a:lumOff val="25000"/>
+                  </a:schemeClr>
+                </a:solidFill>
+                <a:latin typeface="+mn-lt"/>
+                <a:ea typeface="+mn-ea"/>
+                <a:cs typeface="+mn-cs"/>
+              </a:defRPr>
+            </a:lvl3pPr>
+            <a:lvl4pPr marL="1600200" indent="-228600" algn="l" defTabSz="914400" rtl="0" eaLnBrk="1" latinLnBrk="0" hangingPunct="1">
+              <a:lnSpc>
+                <a:spcPts val="1800"/>
+              </a:lnSpc>
+              <a:spcBef>
+                <a:spcPts val="1000"/>
+              </a:spcBef>
+              <a:spcAft>
+                <a:spcPts val="1000"/>
+              </a:spcAft>
+              <a:buFont typeface="Arial" panose="020B0604020202020204" pitchFamily="34" charset="0"/>
+              <a:buChar char="•"/>
+              <a:defRPr lang="en-US" sz="1200" kern="1200" smtClean="0">
+                <a:solidFill>
+                  <a:schemeClr val="tx1">
+                    <a:lumMod val="75000"/>
+                    <a:lumOff val="25000"/>
+                  </a:schemeClr>
+                </a:solidFill>
+                <a:latin typeface="+mn-lt"/>
+                <a:ea typeface="+mn-ea"/>
+                <a:cs typeface="+mn-cs"/>
+              </a:defRPr>
+            </a:lvl4pPr>
+            <a:lvl5pPr marL="2057400" indent="-228600" algn="l" defTabSz="914400" rtl="0" eaLnBrk="1" latinLnBrk="0" hangingPunct="1">
+              <a:lnSpc>
+                <a:spcPts val="1800"/>
+              </a:lnSpc>
+              <a:spcBef>
+                <a:spcPts val="1000"/>
+              </a:spcBef>
+              <a:spcAft>
+                <a:spcPts val="1000"/>
+              </a:spcAft>
+              <a:buFont typeface="Arial" panose="020B0604020202020204" pitchFamily="34" charset="0"/>
+              <a:buChar char="•"/>
+              <a:defRPr lang="en-US" sz="1200" kern="1200">
+                <a:solidFill>
+                  <a:schemeClr val="tx1">
+                    <a:lumMod val="75000"/>
+                    <a:lumOff val="25000"/>
+                  </a:schemeClr>
+                </a:solidFill>
+                <a:latin typeface="+mn-lt"/>
+                <a:ea typeface="+mn-ea"/>
+                <a:cs typeface="+mn-cs"/>
+              </a:defRPr>
+            </a:lvl5pPr>
+            <a:lvl6pPr marL="2514600" indent="-228600" algn="l" defTabSz="914400" rtl="0" eaLnBrk="1" latinLnBrk="0" hangingPunct="1">
+              <a:lnSpc>
+                <a:spcPct val="90000"/>
+              </a:lnSpc>
+              <a:spcBef>
+                <a:spcPct val="30000"/>
+              </a:spcBef>
+              <a:buFont typeface="Arial" panose="020B0604020202020204" pitchFamily="34" charset="0"/>
+              <a:buChar char="•"/>
+              <a:defRPr sz="1800" kern="1200">
+                <a:solidFill>
+                  <a:schemeClr val="tx1"/>
+                </a:solidFill>
+                <a:latin typeface="+mn-lt"/>
+                <a:ea typeface="+mn-ea"/>
+                <a:cs typeface="+mn-cs"/>
+              </a:defRPr>
+            </a:lvl6pPr>
+            <a:lvl7pPr marL="2971800" indent="-228600" algn="l" defTabSz="914400" rtl="0" eaLnBrk="1" latinLnBrk="0" hangingPunct="1">
+              <a:lnSpc>
+                <a:spcPct val="90000"/>
+              </a:lnSpc>
+              <a:spcBef>
+                <a:spcPct val="30000"/>
+              </a:spcBef>
+              <a:buFont typeface="Arial" panose="020B0604020202020204" pitchFamily="34" charset="0"/>
+              <a:buChar char="•"/>
+              <a:defRPr sz="1800" kern="1200">
+                <a:solidFill>
+                  <a:schemeClr val="tx1"/>
+                </a:solidFill>
+                <a:latin typeface="+mn-lt"/>
+                <a:ea typeface="+mn-ea"/>
+                <a:cs typeface="+mn-cs"/>
+              </a:defRPr>
+            </a:lvl7pPr>
+            <a:lvl8pPr marL="3429000" indent="-228600" algn="l" defTabSz="914400" rtl="0" eaLnBrk="1" latinLnBrk="0" hangingPunct="1">
+              <a:lnSpc>
+                <a:spcPct val="90000"/>
+              </a:lnSpc>
+              <a:spcBef>
+                <a:spcPct val="30000"/>
+              </a:spcBef>
+              <a:buFont typeface="Arial" panose="020B0604020202020204" pitchFamily="34" charset="0"/>
+              <a:buChar char="•"/>
+              <a:defRPr sz="1800" kern="1200">
+                <a:solidFill>
+                  <a:schemeClr val="tx1"/>
+                </a:solidFill>
+                <a:latin typeface="+mn-lt"/>
+                <a:ea typeface="+mn-ea"/>
+                <a:cs typeface="+mn-cs"/>
+              </a:defRPr>
+            </a:lvl8pPr>
+            <a:lvl9pPr marL="3886200" indent="-228600" algn="l" defTabSz="914400" rtl="0" eaLnBrk="1" latinLnBrk="0" hangingPunct="1">
+              <a:lnSpc>
+                <a:spcPct val="90000"/>
+              </a:lnSpc>
+              <a:spcBef>
+                <a:spcPct val="30000"/>
+              </a:spcBef>
+              <a:buFont typeface="Arial" panose="020B0604020202020204" pitchFamily="34" charset="0"/>
+              <a:buChar char="•"/>
+              <a:defRPr sz="1800" kern="1200">
+                <a:solidFill>
+                  <a:schemeClr val="tx1"/>
+                </a:solidFill>
+                <a:latin typeface="+mn-lt"/>
+                <a:ea typeface="+mn-ea"/>
+                <a:cs typeface="+mn-cs"/>
+              </a:defRPr>
+            </a:lvl9pPr>
+          </a:lstStyle>
           <a:p>
-            <a:pPr marL="0" indent="0">
+            <a:pPr marL="0" lvl="0" indent="0">
               <a:spcAft>
                 <a:spcPts val="2000"/>
               </a:spcAft>
               <a:buNone/>
             </a:pPr>
+            <a:r>
+              <a:rPr lang="en-US" dirty="0" smtClean="0">
+                <a:solidFill>
+                  <a:prstClr val="black">
+                    <a:lumMod val="75000"/>
+                    <a:lumOff val="25000"/>
+                  </a:prstClr>
+                </a:solidFill>
+              </a:rPr>
+              <a:t>To port Unreal engine to Ubuntu, and log and profile it</a:t>
+            </a:r>
             <a:endParaRPr lang="en-US" dirty="0">
               <a:solidFill>
                 <a:prstClr val="black">
@@ -6687,453 +7550,6 @@
     </mc:Choice>
     <mc:Fallback xmlns="">
       <p:transition/>
-    </mc:Fallback>
-  </mc:AlternateContent>
-  <p:timing>
-    <p:tnLst>
-      <p:par>
-        <p:cTn id="1" dur="indefinite" restart="never" nodeType="tmRoot"/>
-      </p:par>
-    </p:tnLst>
-  </p:timing>
-</p:sld>
-</file>
-
-<file path=ppt/slides/slide9.xml><?xml version="1.0" encoding="utf-8"?>
-<p:sld xmlns:a="http://schemas.openxmlformats.org/drawingml/2006/main" xmlns:r="http://schemas.openxmlformats.org/officeDocument/2006/relationships" xmlns:p="http://schemas.openxmlformats.org/presentationml/2006/main">
-  <p:cSld>
-    <p:spTree>
-      <p:nvGrpSpPr>
-        <p:cNvPr id="1" name=""/>
-        <p:cNvGrpSpPr/>
-        <p:nvPr/>
-      </p:nvGrpSpPr>
-      <p:grpSpPr>
-        <a:xfrm>
-          <a:off x="0" y="0"/>
-          <a:ext cx="0" cy="0"/>
-          <a:chOff x="0" y="0"/>
-          <a:chExt cx="0" cy="0"/>
-        </a:xfrm>
-      </p:grpSpPr>
-      <p:sp>
-        <p:nvSpPr>
-          <p:cNvPr id="10" name="Title 9"/>
-          <p:cNvSpPr>
-            <a:spLocks noGrp="1"/>
-          </p:cNvSpPr>
-          <p:nvPr>
-            <p:ph type="title"/>
-          </p:nvPr>
-        </p:nvSpPr>
-        <p:spPr/>
-        <p:txBody>
-          <a:bodyPr>
-            <a:normAutofit/>
-          </a:bodyPr>
-          <a:lstStyle/>
-          <a:p>
-            <a:r>
-              <a:rPr lang="en-US" dirty="0">
-                <a:latin typeface="Segoe UI Light" panose="020B0502040204020203" pitchFamily="34" charset="0"/>
-                <a:cs typeface="Segoe UI Light" panose="020B0502040204020203" pitchFamily="34" charset="0"/>
-              </a:rPr>
-              <a:t>More questions about PowerPoint?</a:t>
-            </a:r>
-          </a:p>
-        </p:txBody>
-      </p:sp>
-      <p:sp>
-        <p:nvSpPr>
-          <p:cNvPr id="5" name="Content Placeholder 4"/>
-          <p:cNvSpPr>
-            <a:spLocks noGrp="1"/>
-          </p:cNvSpPr>
-          <p:nvPr>
-            <p:ph sz="half" idx="4294967295"/>
-          </p:nvPr>
-        </p:nvSpPr>
-        <p:spPr>
-          <a:xfrm>
-            <a:off x="541611" y="2614427"/>
-            <a:ext cx="9442648" cy="3978275"/>
-          </a:xfrm>
-        </p:spPr>
-        <p:txBody>
-          <a:bodyPr>
-            <a:normAutofit/>
-          </a:bodyPr>
-          <a:lstStyle/>
-          <a:p>
-            <a:pPr marL="0" indent="0">
-              <a:lnSpc>
-                <a:spcPts val="3600"/>
-              </a:lnSpc>
-              <a:spcAft>
-                <a:spcPts val="0"/>
-              </a:spcAft>
-              <a:buNone/>
-            </a:pPr>
-            <a:r>
-              <a:rPr lang="en-US" sz="2000" dirty="0">
-                <a:latin typeface="Segoe UI Light" panose="020B0502040204020203" pitchFamily="34" charset="0"/>
-                <a:cs typeface="Segoe UI Light" panose="020B0502040204020203" pitchFamily="34" charset="0"/>
-              </a:rPr>
-              <a:t>Select the </a:t>
-            </a:r>
-            <a:r>
-              <a:rPr lang="en-US" sz="2000" dirty="0">
-                <a:solidFill>
-                  <a:srgbClr val="D24726"/>
-                </a:solidFill>
-                <a:latin typeface="Segoe UI Semibold" panose="020B0702040204020203" pitchFamily="34" charset="0"/>
-                <a:cs typeface="Segoe UI Semibold" panose="020B0702040204020203" pitchFamily="34" charset="0"/>
-              </a:rPr>
-              <a:t>Tell Me                   </a:t>
-            </a:r>
-            <a:r>
-              <a:rPr lang="en-US" sz="2000" dirty="0">
-                <a:latin typeface="Segoe UI Light" panose="020B0502040204020203" pitchFamily="34" charset="0"/>
-                <a:cs typeface="Segoe UI Light" panose="020B0502040204020203" pitchFamily="34" charset="0"/>
-              </a:rPr>
-              <a:t>button and type what you want to know.</a:t>
-            </a:r>
-            <a:br>
-              <a:rPr lang="en-US" sz="2000" dirty="0">
-                <a:latin typeface="Segoe UI Light" panose="020B0502040204020203" pitchFamily="34" charset="0"/>
-                <a:cs typeface="Segoe UI Light" panose="020B0502040204020203" pitchFamily="34" charset="0"/>
-              </a:rPr>
-            </a:br>
-            <a:endParaRPr lang="en-US" sz="2000" dirty="0">
-              <a:latin typeface="Segoe UI Light" panose="020B0502040204020203" pitchFamily="34" charset="0"/>
-              <a:cs typeface="Segoe UI Light" panose="020B0502040204020203" pitchFamily="34" charset="0"/>
-            </a:endParaRPr>
-          </a:p>
-          <a:p>
-            <a:pPr marL="0" indent="0">
-              <a:lnSpc>
-                <a:spcPts val="3600"/>
-              </a:lnSpc>
-              <a:spcAft>
-                <a:spcPts val="0"/>
-              </a:spcAft>
-              <a:buNone/>
-            </a:pPr>
-            <a:r>
-              <a:rPr lang="en-US" sz="2000" u="sng" dirty="0">
-                <a:latin typeface="Segoe UI Light" panose="020B0502040204020203" pitchFamily="34" charset="0"/>
-                <a:cs typeface="Segoe UI Light" panose="020B0502040204020203" pitchFamily="34" charset="0"/>
-                <a:hlinkClick r:id="rId3" tooltip="Visit the PowerPoint team blog"/>
-              </a:rPr>
-              <a:t>Visit the PowerPoint team blog</a:t>
-            </a:r>
-            <a:endParaRPr lang="en-US" sz="2000" dirty="0">
-              <a:latin typeface="Segoe UI Light" panose="020B0502040204020203" pitchFamily="34" charset="0"/>
-              <a:cs typeface="Segoe UI Light" panose="020B0502040204020203" pitchFamily="34" charset="0"/>
-            </a:endParaRPr>
-          </a:p>
-          <a:p>
-            <a:pPr marL="0" indent="0">
-              <a:lnSpc>
-                <a:spcPts val="3600"/>
-              </a:lnSpc>
-              <a:spcBef>
-                <a:spcPts val="1500"/>
-              </a:spcBef>
-              <a:spcAft>
-                <a:spcPts val="0"/>
-              </a:spcAft>
-              <a:buNone/>
-            </a:pPr>
-            <a:r>
-              <a:rPr lang="en-US" sz="2000" dirty="0">
-                <a:latin typeface="Segoe UI Light" panose="020B0502040204020203" pitchFamily="34" charset="0"/>
-                <a:cs typeface="Segoe UI Light" panose="020B0502040204020203" pitchFamily="34" charset="0"/>
-                <a:hlinkClick r:id="rId4" tooltip="Go to free PowerPoint training"/>
-              </a:rPr>
-              <a:t>Go to free PowerPoint training</a:t>
-            </a:r>
-            <a:endParaRPr lang="en-US" sz="2000" dirty="0">
-              <a:latin typeface="Segoe UI Light" panose="020B0502040204020203" pitchFamily="34" charset="0"/>
-              <a:cs typeface="Segoe UI Light" panose="020B0502040204020203" pitchFamily="34" charset="0"/>
-            </a:endParaRPr>
-          </a:p>
-          <a:p>
-            <a:pPr marL="0" indent="0">
-              <a:lnSpc>
-                <a:spcPts val="3600"/>
-              </a:lnSpc>
-              <a:spcBef>
-                <a:spcPts val="1500"/>
-              </a:spcBef>
-              <a:spcAft>
-                <a:spcPts val="0"/>
-              </a:spcAft>
-              <a:buNone/>
-            </a:pPr>
-            <a:r>
-              <a:rPr lang="en-US" sz="2000" dirty="0">
-                <a:latin typeface="Segoe UI Light" panose="020B0502040204020203" pitchFamily="34" charset="0"/>
-                <a:cs typeface="Segoe UI Light" panose="020B0502040204020203" pitchFamily="34" charset="0"/>
-                <a:hlinkClick r:id="rId5" tooltip="Give feedback about this tour"/>
-              </a:rPr>
-              <a:t>Give feedback about this tour</a:t>
-            </a:r>
-            <a:endParaRPr lang="en-US" sz="2000" dirty="0">
-              <a:latin typeface="Segoe UI Light" panose="020B0502040204020203" pitchFamily="34" charset="0"/>
-              <a:cs typeface="Segoe UI Light" panose="020B0502040204020203" pitchFamily="34" charset="0"/>
-            </a:endParaRPr>
-          </a:p>
-          <a:p>
-            <a:pPr marL="0" indent="0">
-              <a:lnSpc>
-                <a:spcPts val="3600"/>
-              </a:lnSpc>
-              <a:spcAft>
-                <a:spcPts val="0"/>
-              </a:spcAft>
-              <a:buNone/>
-            </a:pPr>
-            <a:endParaRPr lang="en-US" sz="2000" dirty="0">
-              <a:latin typeface="Segoe UI Light" panose="020B0502040204020203" pitchFamily="34" charset="0"/>
-              <a:cs typeface="Segoe UI Light" panose="020B0502040204020203" pitchFamily="34" charset="0"/>
-            </a:endParaRPr>
-          </a:p>
-          <a:p>
-            <a:pPr marL="0" indent="0">
-              <a:lnSpc>
-                <a:spcPts val="3600"/>
-              </a:lnSpc>
-              <a:spcAft>
-                <a:spcPts val="0"/>
-              </a:spcAft>
-              <a:buNone/>
-            </a:pPr>
-            <a:endParaRPr lang="en-US" sz="2000" dirty="0">
-              <a:latin typeface="Segoe UI Light" panose="020B0502040204020203" pitchFamily="34" charset="0"/>
-              <a:cs typeface="Segoe UI Light" panose="020B0502040204020203" pitchFamily="34" charset="0"/>
-            </a:endParaRPr>
-          </a:p>
-        </p:txBody>
-      </p:sp>
-      <p:pic>
-        <p:nvPicPr>
-          <p:cNvPr id="2" name="Picture 1" descr="Tell Me button"/>
-          <p:cNvPicPr>
-            <a:picLocks noChangeAspect="1"/>
-          </p:cNvPicPr>
-          <p:nvPr/>
-        </p:nvPicPr>
-        <p:blipFill>
-          <a:blip r:embed="rId6" cstate="print">
-            <a:extLst>
-              <a:ext uri="{28A0092B-C50C-407E-A947-70E740481C1C}">
-                <a14:useLocalDpi xmlns:a14="http://schemas.microsoft.com/office/drawing/2010/main" val="0"/>
-              </a:ext>
-            </a:extLst>
-          </a:blip>
-          <a:stretch>
-            <a:fillRect/>
-          </a:stretch>
-        </p:blipFill>
-        <p:spPr>
-          <a:xfrm>
-            <a:off x="2613981" y="2350333"/>
-            <a:ext cx="1269672" cy="1189747"/>
-          </a:xfrm>
-          <a:prstGeom prst="rect">
-            <a:avLst/>
-          </a:prstGeom>
-        </p:spPr>
-      </p:pic>
-      <p:pic>
-        <p:nvPicPr>
-          <p:cNvPr id="11" name="Picture 10" descr="Tell Me box suggestions"/>
-          <p:cNvPicPr>
-            <a:picLocks noChangeAspect="1"/>
-          </p:cNvPicPr>
-          <p:nvPr/>
-        </p:nvPicPr>
-        <p:blipFill>
-          <a:blip r:embed="rId7">
-            <a:extLst>
-              <a:ext uri="{28A0092B-C50C-407E-A947-70E740481C1C}">
-                <a14:useLocalDpi xmlns:a14="http://schemas.microsoft.com/office/drawing/2010/main" val="0"/>
-              </a:ext>
-            </a:extLst>
-          </a:blip>
-          <a:stretch>
-            <a:fillRect/>
-          </a:stretch>
-        </p:blipFill>
-        <p:spPr>
-          <a:xfrm>
-            <a:off x="8408066" y="2761488"/>
-            <a:ext cx="2476156" cy="2001277"/>
-          </a:xfrm>
-          <a:prstGeom prst="rect">
-            <a:avLst/>
-          </a:prstGeom>
-        </p:spPr>
-      </p:pic>
-      <p:sp>
-        <p:nvSpPr>
-          <p:cNvPr id="9" name="TextBox 8"/>
-          <p:cNvSpPr txBox="1"/>
-          <p:nvPr/>
-        </p:nvSpPr>
-        <p:spPr>
-          <a:xfrm>
-            <a:off x="541611" y="5738132"/>
-            <a:ext cx="6193971" cy="307777"/>
-          </a:xfrm>
-          <a:prstGeom prst="rect">
-            <a:avLst/>
-          </a:prstGeom>
-          <a:noFill/>
-        </p:spPr>
-        <p:txBody>
-          <a:bodyPr wrap="square" rtlCol="0">
-            <a:spAutoFit/>
-          </a:bodyPr>
-          <a:lstStyle/>
-          <a:p>
-            <a:pPr algn="l"/>
-            <a:r>
-              <a:rPr lang="en-IN" sz="1400" dirty="0">
-                <a:latin typeface="Segoe UI Light" panose="020B0502040204020203" pitchFamily="34" charset="0"/>
-                <a:cs typeface="Segoe UI Light" panose="020B0502040204020203" pitchFamily="34" charset="0"/>
-              </a:rPr>
-              <a:t>SELECT THE ARROW WHEN IN SLIDE SHOW MODE</a:t>
-            </a:r>
-            <a:endParaRPr lang="en-US" sz="1400" dirty="0">
-              <a:latin typeface="Segoe UI Light" panose="020B0502040204020203" pitchFamily="34" charset="0"/>
-              <a:cs typeface="Segoe UI Light" panose="020B0502040204020203" pitchFamily="34" charset="0"/>
-            </a:endParaRPr>
-          </a:p>
-        </p:txBody>
-      </p:sp>
-      <p:pic>
-        <p:nvPicPr>
-          <p:cNvPr id="8" name="Picture 7" descr="Arrow pointing right with a hyperlink to the PowerPoint team blog. Select the image to visit the PowerPoint team blog ">
-            <a:hlinkClick r:id="rId3" tooltip="Select here to visit the PowerPoint team blog."/>
-          </p:cNvPr>
-          <p:cNvPicPr>
-            <a:picLocks noChangeAspect="1"/>
-          </p:cNvPicPr>
-          <p:nvPr/>
-        </p:nvPicPr>
-        <p:blipFill>
-          <a:blip r:embed="rId8" cstate="print">
-            <a:extLst>
-              <a:ext uri="{28A0092B-C50C-407E-A947-70E740481C1C}">
-                <a14:useLocalDpi xmlns:a14="http://schemas.microsoft.com/office/drawing/2010/main" val="0"/>
-              </a:ext>
-            </a:extLst>
-          </a:blip>
-          <a:stretch>
-            <a:fillRect/>
-          </a:stretch>
-        </p:blipFill>
-        <p:spPr>
-          <a:xfrm>
-            <a:off x="4009398" y="3566804"/>
-            <a:ext cx="661940" cy="661940"/>
-          </a:xfrm>
-          <a:prstGeom prst="rect">
-            <a:avLst/>
-          </a:prstGeom>
-        </p:spPr>
-      </p:pic>
-      <p:pic>
-        <p:nvPicPr>
-          <p:cNvPr id="7" name="Picture 6" descr="Arrow pointing right with a hyperlink to free PowerPoint training. Select the image to access free PowerPoint training">
-            <a:hlinkClick r:id="rId4" tooltip="Select here to go to free PowerPoint training."/>
-          </p:cNvPr>
-          <p:cNvPicPr>
-            <a:picLocks noChangeAspect="1"/>
-          </p:cNvPicPr>
-          <p:nvPr/>
-        </p:nvPicPr>
-        <p:blipFill>
-          <a:blip r:embed="rId8" cstate="print">
-            <a:extLst>
-              <a:ext uri="{28A0092B-C50C-407E-A947-70E740481C1C}">
-                <a14:useLocalDpi xmlns:a14="http://schemas.microsoft.com/office/drawing/2010/main" val="0"/>
-              </a:ext>
-            </a:extLst>
-          </a:blip>
-          <a:stretch>
-            <a:fillRect/>
-          </a:stretch>
-        </p:blipFill>
-        <p:spPr>
-          <a:xfrm>
-            <a:off x="4009398" y="4252716"/>
-            <a:ext cx="661940" cy="661940"/>
-          </a:xfrm>
-          <a:prstGeom prst="rect">
-            <a:avLst/>
-          </a:prstGeom>
-        </p:spPr>
-      </p:pic>
-      <p:pic>
-        <p:nvPicPr>
-          <p:cNvPr id="12" name="Picture 11" descr="Arrow pointing right with a hyperlink to give feedback about this tour. Select the image to give feedback about this tour">
-            <a:hlinkClick r:id="rId5" tooltip="Select here to give feedback about this tour."/>
-            <a:extLst>
-              <a:ext uri="{FF2B5EF4-FFF2-40B4-BE49-F238E27FC236}">
-                <a16:creationId xmlns:a16="http://schemas.microsoft.com/office/drawing/2014/main" id="{BA92070A-4E3D-4794-84A9-83B8DDF3A125}"/>
-              </a:ext>
-            </a:extLst>
-          </p:cNvPr>
-          <p:cNvPicPr>
-            <a:picLocks noChangeAspect="1"/>
-          </p:cNvPicPr>
-          <p:nvPr/>
-        </p:nvPicPr>
-        <p:blipFill>
-          <a:blip r:embed="rId8" cstate="print">
-            <a:extLst>
-              <a:ext uri="{28A0092B-C50C-407E-A947-70E740481C1C}">
-                <a14:useLocalDpi xmlns:a14="http://schemas.microsoft.com/office/drawing/2010/main" val="0"/>
-              </a:ext>
-            </a:extLst>
-          </a:blip>
-          <a:stretch>
-            <a:fillRect/>
-          </a:stretch>
-        </p:blipFill>
-        <p:spPr>
-          <a:xfrm>
-            <a:off x="4009398" y="4944145"/>
-            <a:ext cx="661940" cy="661940"/>
-          </a:xfrm>
-          <a:prstGeom prst="rect">
-            <a:avLst/>
-          </a:prstGeom>
-        </p:spPr>
-      </p:pic>
-    </p:spTree>
-    <p:extLst>
-      <p:ext uri="{BB962C8B-B14F-4D97-AF65-F5344CB8AC3E}">
-        <p14:creationId xmlns:p14="http://schemas.microsoft.com/office/powerpoint/2010/main" val="893025881"/>
-      </p:ext>
-    </p:extLst>
-  </p:cSld>
-  <p:clrMapOvr>
-    <a:masterClrMapping/>
-  </p:clrMapOvr>
-  <mc:AlternateContent xmlns:mc="http://schemas.openxmlformats.org/markup-compatibility/2006" xmlns:p15="http://schemas.microsoft.com/office/powerpoint/2012/main">
-    <mc:Choice Requires="p15">
-      <p:transition xmlns:p14="http://schemas.microsoft.com/office/powerpoint/2010/main" spd="slow" p14:dur="2000">
-        <p15:prstTrans prst="drape"/>
-      </p:transition>
-    </mc:Choice>
-    <mc:Fallback xmlns="">
-      <p:transition xmlns:p14="http://schemas.microsoft.com/office/powerpoint/2010/main" spd="slow">
-        <p:fade/>
-      </p:transition>
     </mc:Fallback>
   </mc:AlternateContent>
   <p:timing>

--- a/Proposal.pptx
+++ b/Proposal.pptx
@@ -14,8 +14,8 @@
     <p:sldId id="256" r:id="rId2"/>
     <p:sldId id="271" r:id="rId3"/>
     <p:sldId id="279" r:id="rId4"/>
-    <p:sldId id="284" r:id="rId5"/>
-    <p:sldId id="280" r:id="rId6"/>
+    <p:sldId id="280" r:id="rId5"/>
+    <p:sldId id="284" r:id="rId6"/>
     <p:sldId id="283" r:id="rId7"/>
     <p:sldId id="257" r:id="rId8"/>
     <p:sldId id="275" r:id="rId9"/>
@@ -131,8 +131,8 @@
           <p14:sldIdLst>
             <p14:sldId id="271"/>
             <p14:sldId id="279"/>
+            <p14:sldId id="280"/>
             <p14:sldId id="284"/>
-            <p14:sldId id="280"/>
             <p14:sldId id="283"/>
             <p14:sldId id="257"/>
             <p14:sldId id="275"/>
@@ -2561,18 +2561,32 @@
           <a:lstStyle/>
           <a:p>
             <a:r>
+              <a:rPr lang="en-US" dirty="0" smtClean="0">
+                <a:latin typeface="Segoe UI Light" panose="020B0502040204020203" pitchFamily="34" charset="0"/>
+                <a:cs typeface="Segoe UI Light" panose="020B0502040204020203" pitchFamily="34" charset="0"/>
+              </a:rPr>
+              <a:t>Any </a:t>
+            </a:r>
+            <a:r>
               <a:rPr lang="en-US" dirty="0">
                 <a:latin typeface="Segoe UI Light" panose="020B0502040204020203" pitchFamily="34" charset="0"/>
                 <a:cs typeface="Segoe UI Light" panose="020B0502040204020203" pitchFamily="34" charset="0"/>
               </a:rPr>
-              <a:t>More questions </a:t>
+              <a:t>questions </a:t>
             </a:r>
             <a:r>
               <a:rPr lang="en-US" dirty="0" smtClean="0">
                 <a:latin typeface="Segoe UI Light" panose="020B0502040204020203" pitchFamily="34" charset="0"/>
                 <a:cs typeface="Segoe UI Light" panose="020B0502040204020203" pitchFamily="34" charset="0"/>
               </a:rPr>
-              <a:t>about graphics pipeline</a:t>
+              <a:t>about graphics </a:t>
+            </a:r>
+            <a:r>
+              <a:rPr lang="en-US" dirty="0" smtClean="0">
+                <a:latin typeface="Segoe UI Light" panose="020B0502040204020203" pitchFamily="34" charset="0"/>
+                <a:cs typeface="Segoe UI Light" panose="020B0502040204020203" pitchFamily="34" charset="0"/>
+              </a:rPr>
+              <a:t>pipeline?</a:t>
             </a:r>
             <a:endParaRPr lang="en-US" dirty="0">
               <a:latin typeface="Segoe UI Light" panose="020B0502040204020203" pitchFamily="34" charset="0"/>
@@ -2743,14 +2757,29 @@
             <p:ph type="title"/>
           </p:nvPr>
         </p:nvSpPr>
-        <p:spPr/>
+        <p:spPr>
+          <a:xfrm>
+            <a:off x="521207" y="448056"/>
+            <a:ext cx="9994393" cy="640080"/>
+          </a:xfrm>
+        </p:spPr>
         <p:txBody>
-          <a:bodyPr/>
+          <a:bodyPr>
+            <a:normAutofit/>
+          </a:bodyPr>
           <a:lstStyle/>
           <a:p>
             <a:r>
+              <a:rPr lang="en-US" dirty="0" smtClean="0"/>
+              <a:t>Graphics pipeline in perception </a:t>
+            </a:r>
+            <a:r>
               <a:rPr lang="en-US" smtClean="0"/>
-              <a:t>OpenGL pipeline for CPU&amp;GPU parallel</a:t>
+              <a:t>of a </a:t>
+            </a:r>
+            <a:r>
+              <a:rPr lang="en-US" dirty="0" smtClean="0"/>
+              <a:t>3D graphics programmer</a:t>
             </a:r>
             <a:endParaRPr lang="en-US" dirty="0"/>
           </a:p>
@@ -2828,409 +2857,6 @@
 </file>
 
 <file path=ppt/slides/slide4.xml><?xml version="1.0" encoding="utf-8"?>
-<p:sld xmlns:a="http://schemas.openxmlformats.org/drawingml/2006/main" xmlns:r="http://schemas.openxmlformats.org/officeDocument/2006/relationships" xmlns:p="http://schemas.openxmlformats.org/presentationml/2006/main">
-  <p:cSld>
-    <p:spTree>
-      <p:nvGrpSpPr>
-        <p:cNvPr id="1" name=""/>
-        <p:cNvGrpSpPr/>
-        <p:nvPr/>
-      </p:nvGrpSpPr>
-      <p:grpSpPr>
-        <a:xfrm>
-          <a:off x="0" y="0"/>
-          <a:ext cx="0" cy="0"/>
-          <a:chOff x="0" y="0"/>
-          <a:chExt cx="0" cy="0"/>
-        </a:xfrm>
-      </p:grpSpPr>
-      <p:sp>
-        <p:nvSpPr>
-          <p:cNvPr id="2" name="Title 1"/>
-          <p:cNvSpPr>
-            <a:spLocks noGrp="1"/>
-          </p:cNvSpPr>
-          <p:nvPr>
-            <p:ph type="title"/>
-          </p:nvPr>
-        </p:nvSpPr>
-        <p:spPr>
-          <a:xfrm>
-            <a:off x="521207" y="448056"/>
-            <a:ext cx="7543801" cy="640080"/>
-          </a:xfrm>
-        </p:spPr>
-        <p:txBody>
-          <a:bodyPr>
-            <a:normAutofit/>
-          </a:bodyPr>
-          <a:lstStyle/>
-          <a:p>
-            <a:r>
-              <a:rPr lang="en-US" dirty="0" smtClean="0"/>
-              <a:t>CPU &amp; GPU </a:t>
-            </a:r>
-            <a:r>
-              <a:rPr lang="en-US" dirty="0" err="1" smtClean="0"/>
-              <a:t>cooperations</a:t>
-            </a:r>
-            <a:r>
-              <a:rPr lang="en-US" dirty="0" smtClean="0"/>
-              <a:t> for graphics rendering</a:t>
-            </a:r>
-            <a:endParaRPr lang="en-US" dirty="0"/>
-          </a:p>
-        </p:txBody>
-      </p:sp>
-      <p:sp>
-        <p:nvSpPr>
-          <p:cNvPr id="4" name="Rectangle 2"/>
-          <p:cNvSpPr>
-            <a:spLocks noChangeArrowheads="1"/>
-          </p:cNvSpPr>
-          <p:nvPr/>
-        </p:nvSpPr>
-        <p:spPr bwMode="auto">
-          <a:xfrm>
-            <a:off x="4334256" y="1435608"/>
-            <a:ext cx="12192000" cy="0"/>
-          </a:xfrm>
-          <a:prstGeom prst="rect">
-            <a:avLst/>
-          </a:prstGeom>
-          <a:noFill/>
-          <a:ln>
-            <a:noFill/>
-          </a:ln>
-          <a:effectLst/>
-          <a:extLst>
-            <a:ext uri="{909E8E84-426E-40DD-AFC4-6F175D3DCCD1}">
-              <a14:hiddenFill xmlns:a14="http://schemas.microsoft.com/office/drawing/2010/main">
-                <a:solidFill>
-                  <a:schemeClr val="accent1"/>
-                </a:solidFill>
-              </a14:hiddenFill>
-            </a:ext>
-            <a:ext uri="{91240B29-F687-4F45-9708-019B960494DF}">
-              <a14:hiddenLine xmlns:a14="http://schemas.microsoft.com/office/drawing/2010/main" w="9525">
-                <a:solidFill>
-                  <a:schemeClr val="tx1"/>
-                </a:solidFill>
-                <a:miter lim="800000"/>
-                <a:headEnd/>
-                <a:tailEnd/>
-              </a14:hiddenLine>
-            </a:ext>
-            <a:ext uri="{AF507438-7753-43E0-B8FC-AC1667EBCBE1}">
-              <a14:hiddenEffects xmlns:a14="http://schemas.microsoft.com/office/drawing/2010/main">
-                <a:effectLst>
-                  <a:outerShdw dist="35921" dir="2700000" algn="ctr" rotWithShape="0">
-                    <a:schemeClr val="bg2"/>
-                  </a:outerShdw>
-                </a:effectLst>
-              </a14:hiddenEffects>
-            </a:ext>
-          </a:extLst>
-        </p:spPr>
-        <p:txBody>
-          <a:bodyPr vert="horz" wrap="none" lIns="91440" tIns="45720" rIns="91440" bIns="45720" numCol="1" anchor="ctr" anchorCtr="0" compatLnSpc="1">
-            <a:prstTxWarp prst="textNoShape">
-              <a:avLst/>
-            </a:prstTxWarp>
-            <a:spAutoFit/>
-          </a:bodyPr>
-          <a:lstStyle/>
-          <a:p>
-            <a:endParaRPr lang="en-US"/>
-          </a:p>
-        </p:txBody>
-      </p:sp>
-      <p:graphicFrame>
-        <p:nvGraphicFramePr>
-          <p:cNvPr id="5" name="Object 4"/>
-          <p:cNvGraphicFramePr>
-            <a:graphicFrameLocks noChangeAspect="1"/>
-          </p:cNvGraphicFramePr>
-          <p:nvPr>
-            <p:extLst>
-              <p:ext uri="{D42A27DB-BD31-4B8C-83A1-F6EECF244321}">
-                <p14:modId xmlns:p14="http://schemas.microsoft.com/office/powerpoint/2010/main" val="1526030770"/>
-              </p:ext>
-            </p:extLst>
-          </p:nvPr>
-        </p:nvGraphicFramePr>
-        <p:xfrm>
-          <a:off x="6766560" y="1285875"/>
-          <a:ext cx="4572000" cy="5572125"/>
-        </p:xfrm>
-        <a:graphic>
-          <a:graphicData uri="http://schemas.openxmlformats.org/presentationml/2006/ole">
-            <mc:AlternateContent xmlns:mc="http://schemas.openxmlformats.org/markup-compatibility/2006">
-              <mc:Choice xmlns:v="urn:schemas-microsoft-com:vml" Requires="v">
-                <p:oleObj spid="_x0000_s1028" name="Visio" r:id="rId3" imgW="7124743" imgH="8667916" progId="Visio.Drawing.15">
-                  <p:embed/>
-                </p:oleObj>
-              </mc:Choice>
-              <mc:Fallback>
-                <p:oleObj name="Visio" r:id="rId3" imgW="7124743" imgH="8667916" progId="Visio.Drawing.15">
-                  <p:embed/>
-                  <p:pic>
-                    <p:nvPicPr>
-                      <p:cNvPr id="0" name="Object 1"/>
-                      <p:cNvPicPr>
-                        <a:picLocks noChangeAspect="1" noChangeArrowheads="1"/>
-                      </p:cNvPicPr>
-                      <p:nvPr/>
-                    </p:nvPicPr>
-                    <p:blipFill>
-                      <a:blip r:embed="rId4">
-                        <a:extLst>
-                          <a:ext uri="{28A0092B-C50C-407E-A947-70E740481C1C}">
-                            <a14:useLocalDpi xmlns:a14="http://schemas.microsoft.com/office/drawing/2010/main" val="0"/>
-                          </a:ext>
-                        </a:extLst>
-                      </a:blip>
-                      <a:srcRect/>
-                      <a:stretch>
-                        <a:fillRect/>
-                      </a:stretch>
-                    </p:blipFill>
-                    <p:spPr bwMode="auto">
-                      <a:xfrm>
-                        <a:off x="6766560" y="1285875"/>
-                        <a:ext cx="4572000" cy="5572125"/>
-                      </a:xfrm>
-                      <a:prstGeom prst="rect">
-                        <a:avLst/>
-                      </a:prstGeom>
-                      <a:noFill/>
-                    </p:spPr>
-                  </p:pic>
-                </p:oleObj>
-              </mc:Fallback>
-            </mc:AlternateContent>
-          </a:graphicData>
-        </a:graphic>
-      </p:graphicFrame>
-      <p:sp>
-        <p:nvSpPr>
-          <p:cNvPr id="6" name="Rectangle 5"/>
-          <p:cNvSpPr/>
-          <p:nvPr/>
-        </p:nvSpPr>
-        <p:spPr>
-          <a:xfrm>
-            <a:off x="835152" y="1585342"/>
-            <a:ext cx="5391912" cy="4816896"/>
-          </a:xfrm>
-          <a:prstGeom prst="rect">
-            <a:avLst/>
-          </a:prstGeom>
-        </p:spPr>
-        <p:txBody>
-          <a:bodyPr wrap="square">
-            <a:spAutoFit/>
-          </a:bodyPr>
-          <a:lstStyle/>
-          <a:p>
-            <a:pPr marL="342900" marR="0" lvl="0" indent="-342900">
-              <a:lnSpc>
-                <a:spcPct val="107000"/>
-              </a:lnSpc>
-              <a:spcBef>
-                <a:spcPts val="0"/>
-              </a:spcBef>
-              <a:spcAft>
-                <a:spcPts val="0"/>
-              </a:spcAft>
-              <a:buFont typeface="Symbol" panose="05050102010706020507" pitchFamily="18" charset="2"/>
-              <a:buChar char=""/>
-            </a:pPr>
-            <a:r>
-              <a:rPr lang="en-US" sz="2400" dirty="0">
-                <a:latin typeface="Calibri" panose="020F0502020204030204" pitchFamily="34" charset="0"/>
-                <a:ea typeface="Calibri" panose="020F0502020204030204" pitchFamily="34" charset="0"/>
-                <a:cs typeface="Times New Roman" panose="02020603050405020304" pitchFamily="18" charset="0"/>
-              </a:rPr>
-              <a:t>for each triangle t stored in VBO do in parallel</a:t>
-            </a:r>
-          </a:p>
-          <a:p>
-            <a:pPr marL="742950" marR="0" lvl="1" indent="-285750">
-              <a:lnSpc>
-                <a:spcPct val="107000"/>
-              </a:lnSpc>
-              <a:spcBef>
-                <a:spcPts val="0"/>
-              </a:spcBef>
-              <a:spcAft>
-                <a:spcPts val="0"/>
-              </a:spcAft>
-              <a:buFont typeface="Courier New" panose="02070309020205020404" pitchFamily="49" charset="0"/>
-              <a:buChar char="o"/>
-            </a:pPr>
-            <a:r>
-              <a:rPr lang="en-US" sz="2400" dirty="0">
-                <a:latin typeface="Calibri" panose="020F0502020204030204" pitchFamily="34" charset="0"/>
-                <a:ea typeface="Calibri" panose="020F0502020204030204" pitchFamily="34" charset="0"/>
-                <a:cs typeface="Times New Roman" panose="02020603050405020304" pitchFamily="18" charset="0"/>
-              </a:rPr>
-              <a:t>for each vertex v on t do in parallel</a:t>
-            </a:r>
-          </a:p>
-          <a:p>
-            <a:pPr marL="1143000" marR="0" lvl="2" indent="-228600">
-              <a:lnSpc>
-                <a:spcPct val="107000"/>
-              </a:lnSpc>
-              <a:spcBef>
-                <a:spcPts val="0"/>
-              </a:spcBef>
-              <a:spcAft>
-                <a:spcPts val="0"/>
-              </a:spcAft>
-              <a:buFont typeface="Wingdings" panose="05000000000000000000" pitchFamily="2" charset="2"/>
-              <a:buChar char=""/>
-            </a:pPr>
-            <a:r>
-              <a:rPr lang="en-US" sz="2400" dirty="0">
-                <a:latin typeface="Calibri" panose="020F0502020204030204" pitchFamily="34" charset="0"/>
-                <a:ea typeface="Calibri" panose="020F0502020204030204" pitchFamily="34" charset="0"/>
-                <a:cs typeface="Times New Roman" panose="02020603050405020304" pitchFamily="18" charset="0"/>
-              </a:rPr>
-              <a:t>Run vertex </a:t>
-            </a:r>
-            <a:r>
-              <a:rPr lang="en-US" sz="2400" dirty="0" err="1">
-                <a:latin typeface="Calibri" panose="020F0502020204030204" pitchFamily="34" charset="0"/>
-                <a:ea typeface="Calibri" panose="020F0502020204030204" pitchFamily="34" charset="0"/>
-                <a:cs typeface="Times New Roman" panose="02020603050405020304" pitchFamily="18" charset="0"/>
-              </a:rPr>
-              <a:t>shader</a:t>
-            </a:r>
-            <a:r>
-              <a:rPr lang="en-US" sz="2400" dirty="0">
-                <a:latin typeface="Calibri" panose="020F0502020204030204" pitchFamily="34" charset="0"/>
-                <a:ea typeface="Calibri" panose="020F0502020204030204" pitchFamily="34" charset="0"/>
-                <a:cs typeface="Times New Roman" panose="02020603050405020304" pitchFamily="18" charset="0"/>
-              </a:rPr>
-              <a:t> program with input v</a:t>
-            </a:r>
-          </a:p>
-          <a:p>
-            <a:pPr marL="742950" marR="0" lvl="1" indent="-285750">
-              <a:lnSpc>
-                <a:spcPct val="107000"/>
-              </a:lnSpc>
-              <a:spcBef>
-                <a:spcPts val="0"/>
-              </a:spcBef>
-              <a:spcAft>
-                <a:spcPts val="0"/>
-              </a:spcAft>
-              <a:buFont typeface="Courier New" panose="02070309020205020404" pitchFamily="49" charset="0"/>
-              <a:buChar char="o"/>
-            </a:pPr>
-            <a:r>
-              <a:rPr lang="en-US" sz="2400" dirty="0">
-                <a:latin typeface="Calibri" panose="020F0502020204030204" pitchFamily="34" charset="0"/>
-                <a:ea typeface="Calibri" panose="020F0502020204030204" pitchFamily="34" charset="0"/>
-                <a:cs typeface="Times New Roman" panose="02020603050405020304" pitchFamily="18" charset="0"/>
-              </a:rPr>
-              <a:t>Interpolate fragment data f based on 3 vertices of t</a:t>
-            </a:r>
-          </a:p>
-          <a:p>
-            <a:pPr marL="1143000" marR="0" lvl="2" indent="-228600">
-              <a:lnSpc>
-                <a:spcPct val="107000"/>
-              </a:lnSpc>
-              <a:spcBef>
-                <a:spcPts val="0"/>
-              </a:spcBef>
-              <a:spcAft>
-                <a:spcPts val="0"/>
-              </a:spcAft>
-              <a:buFont typeface="Wingdings" panose="05000000000000000000" pitchFamily="2" charset="2"/>
-              <a:buChar char=""/>
-            </a:pPr>
-            <a:r>
-              <a:rPr lang="en-US" sz="2400" dirty="0">
-                <a:latin typeface="Calibri" panose="020F0502020204030204" pitchFamily="34" charset="0"/>
-                <a:ea typeface="Calibri" panose="020F0502020204030204" pitchFamily="34" charset="0"/>
-                <a:cs typeface="Times New Roman" panose="02020603050405020304" pitchFamily="18" charset="0"/>
-              </a:rPr>
-              <a:t>Run fragment </a:t>
-            </a:r>
-            <a:r>
-              <a:rPr lang="en-US" sz="2400" dirty="0" err="1">
-                <a:latin typeface="Calibri" panose="020F0502020204030204" pitchFamily="34" charset="0"/>
-                <a:ea typeface="Calibri" panose="020F0502020204030204" pitchFamily="34" charset="0"/>
-                <a:cs typeface="Times New Roman" panose="02020603050405020304" pitchFamily="18" charset="0"/>
-              </a:rPr>
-              <a:t>shader</a:t>
-            </a:r>
-            <a:r>
-              <a:rPr lang="en-US" sz="2400" dirty="0">
-                <a:latin typeface="Calibri" panose="020F0502020204030204" pitchFamily="34" charset="0"/>
-                <a:ea typeface="Calibri" panose="020F0502020204030204" pitchFamily="34" charset="0"/>
-                <a:cs typeface="Times New Roman" panose="02020603050405020304" pitchFamily="18" charset="0"/>
-              </a:rPr>
-              <a:t> program with input f</a:t>
-            </a:r>
-          </a:p>
-          <a:p>
-            <a:pPr marL="342900" marR="0" lvl="0" indent="-342900">
-              <a:lnSpc>
-                <a:spcPct val="107000"/>
-              </a:lnSpc>
-              <a:spcBef>
-                <a:spcPts val="0"/>
-              </a:spcBef>
-              <a:spcAft>
-                <a:spcPts val="800"/>
-              </a:spcAft>
-              <a:buFont typeface="Symbol" panose="05050102010706020507" pitchFamily="18" charset="2"/>
-              <a:buChar char=""/>
-            </a:pPr>
-            <a:r>
-              <a:rPr lang="en-US" sz="2400" dirty="0">
-                <a:latin typeface="Calibri" panose="020F0502020204030204" pitchFamily="34" charset="0"/>
-                <a:ea typeface="Calibri" panose="020F0502020204030204" pitchFamily="34" charset="0"/>
-                <a:cs typeface="Times New Roman" panose="02020603050405020304" pitchFamily="18" charset="0"/>
-              </a:rPr>
-              <a:t>Decide the visibility and color on each pixel stored in FBO(frame buffer object)</a:t>
-            </a:r>
-            <a:endParaRPr lang="en-US" sz="2400" dirty="0">
-              <a:effectLst/>
-              <a:latin typeface="Calibri" panose="020F0502020204030204" pitchFamily="34" charset="0"/>
-              <a:ea typeface="Calibri" panose="020F0502020204030204" pitchFamily="34" charset="0"/>
-              <a:cs typeface="Times New Roman" panose="02020603050405020304" pitchFamily="18" charset="0"/>
-            </a:endParaRPr>
-          </a:p>
-        </p:txBody>
-      </p:sp>
-    </p:spTree>
-    <p:extLst>
-      <p:ext uri="{BB962C8B-B14F-4D97-AF65-F5344CB8AC3E}">
-        <p14:creationId xmlns:p14="http://schemas.microsoft.com/office/powerpoint/2010/main" val="3868406083"/>
-      </p:ext>
-    </p:extLst>
-  </p:cSld>
-  <p:clrMapOvr>
-    <a:masterClrMapping/>
-  </p:clrMapOvr>
-  <p:timing>
-    <p:tnLst>
-      <p:par>
-        <p:cTn id="1" dur="indefinite" restart="never" nodeType="tmRoot"/>
-      </p:par>
-    </p:tnLst>
-  </p:timing>
-</p:sld>
-</file>
-
-<file path=ppt/slides/slide5.xml><?xml version="1.0" encoding="utf-8"?>
 <p:sld xmlns:a="http://schemas.openxmlformats.org/drawingml/2006/main" xmlns:r="http://schemas.openxmlformats.org/officeDocument/2006/relationships" xmlns:p="http://schemas.openxmlformats.org/presentationml/2006/main">
   <p:cSld>
     <p:spTree>
@@ -4121,6 +3747,425 @@
     <p:extLst>
       <p:ext uri="{BB962C8B-B14F-4D97-AF65-F5344CB8AC3E}">
         <p14:creationId xmlns:p14="http://schemas.microsoft.com/office/powerpoint/2010/main" val="2596833607"/>
+      </p:ext>
+    </p:extLst>
+  </p:cSld>
+  <p:clrMapOvr>
+    <a:masterClrMapping/>
+  </p:clrMapOvr>
+  <p:timing>
+    <p:tnLst>
+      <p:par>
+        <p:cTn id="1" dur="indefinite" restart="never" nodeType="tmRoot"/>
+      </p:par>
+    </p:tnLst>
+  </p:timing>
+</p:sld>
+</file>
+
+<file path=ppt/slides/slide5.xml><?xml version="1.0" encoding="utf-8"?>
+<p:sld xmlns:a="http://schemas.openxmlformats.org/drawingml/2006/main" xmlns:r="http://schemas.openxmlformats.org/officeDocument/2006/relationships" xmlns:p="http://schemas.openxmlformats.org/presentationml/2006/main">
+  <p:cSld>
+    <p:spTree>
+      <p:nvGrpSpPr>
+        <p:cNvPr id="1" name=""/>
+        <p:cNvGrpSpPr/>
+        <p:nvPr/>
+      </p:nvGrpSpPr>
+      <p:grpSpPr>
+        <a:xfrm>
+          <a:off x="0" y="0"/>
+          <a:ext cx="0" cy="0"/>
+          <a:chOff x="0" y="0"/>
+          <a:chExt cx="0" cy="0"/>
+        </a:xfrm>
+      </p:grpSpPr>
+      <p:sp>
+        <p:nvSpPr>
+          <p:cNvPr id="2" name="Title 1"/>
+          <p:cNvSpPr>
+            <a:spLocks noGrp="1"/>
+          </p:cNvSpPr>
+          <p:nvPr>
+            <p:ph type="title"/>
+          </p:nvPr>
+        </p:nvSpPr>
+        <p:spPr>
+          <a:xfrm>
+            <a:off x="521207" y="448056"/>
+            <a:ext cx="7543801" cy="640080"/>
+          </a:xfrm>
+        </p:spPr>
+        <p:txBody>
+          <a:bodyPr>
+            <a:normAutofit/>
+          </a:bodyPr>
+          <a:lstStyle/>
+          <a:p>
+            <a:r>
+              <a:rPr lang="en-US" dirty="0" smtClean="0"/>
+              <a:t>CPU &amp; GPU </a:t>
+            </a:r>
+            <a:r>
+              <a:rPr lang="en-US" dirty="0" smtClean="0"/>
+              <a:t>parallel for </a:t>
+            </a:r>
+            <a:r>
+              <a:rPr lang="en-US" dirty="0" smtClean="0"/>
+              <a:t>graphics rendering</a:t>
+            </a:r>
+            <a:endParaRPr lang="en-US" dirty="0"/>
+          </a:p>
+        </p:txBody>
+      </p:sp>
+      <p:sp>
+        <p:nvSpPr>
+          <p:cNvPr id="4" name="Rectangle 2"/>
+          <p:cNvSpPr>
+            <a:spLocks noChangeArrowheads="1"/>
+          </p:cNvSpPr>
+          <p:nvPr/>
+        </p:nvSpPr>
+        <p:spPr bwMode="auto">
+          <a:xfrm>
+            <a:off x="4334256" y="1435608"/>
+            <a:ext cx="12192000" cy="0"/>
+          </a:xfrm>
+          <a:prstGeom prst="rect">
+            <a:avLst/>
+          </a:prstGeom>
+          <a:noFill/>
+          <a:ln>
+            <a:noFill/>
+          </a:ln>
+          <a:effectLst/>
+          <a:extLst>
+            <a:ext uri="{909E8E84-426E-40DD-AFC4-6F175D3DCCD1}">
+              <a14:hiddenFill xmlns:a14="http://schemas.microsoft.com/office/drawing/2010/main">
+                <a:solidFill>
+                  <a:schemeClr val="accent1"/>
+                </a:solidFill>
+              </a14:hiddenFill>
+            </a:ext>
+            <a:ext uri="{91240B29-F687-4F45-9708-019B960494DF}">
+              <a14:hiddenLine xmlns:a14="http://schemas.microsoft.com/office/drawing/2010/main" w="9525">
+                <a:solidFill>
+                  <a:schemeClr val="tx1"/>
+                </a:solidFill>
+                <a:miter lim="800000"/>
+                <a:headEnd/>
+                <a:tailEnd/>
+              </a14:hiddenLine>
+            </a:ext>
+            <a:ext uri="{AF507438-7753-43E0-B8FC-AC1667EBCBE1}">
+              <a14:hiddenEffects xmlns:a14="http://schemas.microsoft.com/office/drawing/2010/main">
+                <a:effectLst>
+                  <a:outerShdw dist="35921" dir="2700000" algn="ctr" rotWithShape="0">
+                    <a:schemeClr val="bg2"/>
+                  </a:outerShdw>
+                </a:effectLst>
+              </a14:hiddenEffects>
+            </a:ext>
+          </a:extLst>
+        </p:spPr>
+        <p:txBody>
+          <a:bodyPr vert="horz" wrap="none" lIns="91440" tIns="45720" rIns="91440" bIns="45720" numCol="1" anchor="ctr" anchorCtr="0" compatLnSpc="1">
+            <a:prstTxWarp prst="textNoShape">
+              <a:avLst/>
+            </a:prstTxWarp>
+            <a:spAutoFit/>
+          </a:bodyPr>
+          <a:lstStyle/>
+          <a:p>
+            <a:endParaRPr lang="en-US"/>
+          </a:p>
+        </p:txBody>
+      </p:sp>
+      <p:graphicFrame>
+        <p:nvGraphicFramePr>
+          <p:cNvPr id="5" name="Object 4"/>
+          <p:cNvGraphicFramePr>
+            <a:graphicFrameLocks noChangeAspect="1"/>
+          </p:cNvGraphicFramePr>
+          <p:nvPr>
+            <p:extLst>
+              <p:ext uri="{D42A27DB-BD31-4B8C-83A1-F6EECF244321}">
+                <p14:modId xmlns:p14="http://schemas.microsoft.com/office/powerpoint/2010/main" val="1526030770"/>
+              </p:ext>
+            </p:extLst>
+          </p:nvPr>
+        </p:nvGraphicFramePr>
+        <p:xfrm>
+          <a:off x="6766560" y="1285875"/>
+          <a:ext cx="4572000" cy="5572125"/>
+        </p:xfrm>
+        <a:graphic>
+          <a:graphicData uri="http://schemas.openxmlformats.org/presentationml/2006/ole">
+            <mc:AlternateContent xmlns:mc="http://schemas.openxmlformats.org/markup-compatibility/2006">
+              <mc:Choice xmlns:v="urn:schemas-microsoft-com:vml" Requires="v">
+                <p:oleObj spid="_x0000_s1033" name="Visio" r:id="rId3" imgW="7124743" imgH="8667916" progId="Visio.Drawing.15">
+                  <p:embed/>
+                </p:oleObj>
+              </mc:Choice>
+              <mc:Fallback>
+                <p:oleObj name="Visio" r:id="rId3" imgW="7124743" imgH="8667916" progId="Visio.Drawing.15">
+                  <p:embed/>
+                  <p:pic>
+                    <p:nvPicPr>
+                      <p:cNvPr id="0" name="Object 1"/>
+                      <p:cNvPicPr>
+                        <a:picLocks noChangeAspect="1" noChangeArrowheads="1"/>
+                      </p:cNvPicPr>
+                      <p:nvPr/>
+                    </p:nvPicPr>
+                    <p:blipFill>
+                      <a:blip r:embed="rId4">
+                        <a:extLst>
+                          <a:ext uri="{28A0092B-C50C-407E-A947-70E740481C1C}">
+                            <a14:useLocalDpi xmlns:a14="http://schemas.microsoft.com/office/drawing/2010/main" val="0"/>
+                          </a:ext>
+                        </a:extLst>
+                      </a:blip>
+                      <a:srcRect/>
+                      <a:stretch>
+                        <a:fillRect/>
+                      </a:stretch>
+                    </p:blipFill>
+                    <p:spPr bwMode="auto">
+                      <a:xfrm>
+                        <a:off x="6766560" y="1285875"/>
+                        <a:ext cx="4572000" cy="5572125"/>
+                      </a:xfrm>
+                      <a:prstGeom prst="rect">
+                        <a:avLst/>
+                      </a:prstGeom>
+                      <a:noFill/>
+                    </p:spPr>
+                  </p:pic>
+                </p:oleObj>
+              </mc:Fallback>
+            </mc:AlternateContent>
+          </a:graphicData>
+        </a:graphic>
+      </p:graphicFrame>
+      <p:sp>
+        <p:nvSpPr>
+          <p:cNvPr id="6" name="Rectangle 5"/>
+          <p:cNvSpPr/>
+          <p:nvPr/>
+        </p:nvSpPr>
+        <p:spPr>
+          <a:xfrm>
+            <a:off x="835152" y="1585342"/>
+            <a:ext cx="5391912" cy="4816896"/>
+          </a:xfrm>
+          <a:prstGeom prst="rect">
+            <a:avLst/>
+          </a:prstGeom>
+        </p:spPr>
+        <p:txBody>
+          <a:bodyPr wrap="square">
+            <a:spAutoFit/>
+          </a:bodyPr>
+          <a:lstStyle/>
+          <a:p>
+            <a:pPr marL="342900" marR="0" lvl="0" indent="-342900">
+              <a:lnSpc>
+                <a:spcPct val="107000"/>
+              </a:lnSpc>
+              <a:spcBef>
+                <a:spcPts val="0"/>
+              </a:spcBef>
+              <a:spcAft>
+                <a:spcPts val="0"/>
+              </a:spcAft>
+              <a:buFont typeface="Symbol" panose="05050102010706020507" pitchFamily="18" charset="2"/>
+              <a:buChar char=""/>
+            </a:pPr>
+            <a:r>
+              <a:rPr lang="en-US" sz="2400" dirty="0">
+                <a:latin typeface="Calibri" panose="020F0502020204030204" pitchFamily="34" charset="0"/>
+                <a:ea typeface="Calibri" panose="020F0502020204030204" pitchFamily="34" charset="0"/>
+                <a:cs typeface="Times New Roman" panose="02020603050405020304" pitchFamily="18" charset="0"/>
+              </a:rPr>
+              <a:t>for each triangle t stored in VBO do in parallel</a:t>
+            </a:r>
+          </a:p>
+          <a:p>
+            <a:pPr marL="742950" marR="0" lvl="1" indent="-285750">
+              <a:lnSpc>
+                <a:spcPct val="107000"/>
+              </a:lnSpc>
+              <a:spcBef>
+                <a:spcPts val="0"/>
+              </a:spcBef>
+              <a:spcAft>
+                <a:spcPts val="0"/>
+              </a:spcAft>
+              <a:buFont typeface="Courier New" panose="02070309020205020404" pitchFamily="49" charset="0"/>
+              <a:buChar char="o"/>
+            </a:pPr>
+            <a:r>
+              <a:rPr lang="en-US" sz="2400" dirty="0">
+                <a:latin typeface="Calibri" panose="020F0502020204030204" pitchFamily="34" charset="0"/>
+                <a:ea typeface="Calibri" panose="020F0502020204030204" pitchFamily="34" charset="0"/>
+                <a:cs typeface="Times New Roman" panose="02020603050405020304" pitchFamily="18" charset="0"/>
+              </a:rPr>
+              <a:t>for each vertex v </a:t>
+            </a:r>
+            <a:r>
+              <a:rPr lang="en-US" sz="2400" dirty="0" smtClean="0">
+                <a:latin typeface="Calibri" panose="020F0502020204030204" pitchFamily="34" charset="0"/>
+                <a:ea typeface="Calibri" panose="020F0502020204030204" pitchFamily="34" charset="0"/>
+                <a:cs typeface="Times New Roman" panose="02020603050405020304" pitchFamily="18" charset="0"/>
+              </a:rPr>
+              <a:t>of </a:t>
+            </a:r>
+            <a:r>
+              <a:rPr lang="en-US" sz="2400" dirty="0">
+                <a:latin typeface="Calibri" panose="020F0502020204030204" pitchFamily="34" charset="0"/>
+                <a:ea typeface="Calibri" panose="020F0502020204030204" pitchFamily="34" charset="0"/>
+                <a:cs typeface="Times New Roman" panose="02020603050405020304" pitchFamily="18" charset="0"/>
+              </a:rPr>
+              <a:t>t do in parallel</a:t>
+            </a:r>
+          </a:p>
+          <a:p>
+            <a:pPr marL="1143000" marR="0" lvl="2" indent="-228600">
+              <a:lnSpc>
+                <a:spcPct val="107000"/>
+              </a:lnSpc>
+              <a:spcBef>
+                <a:spcPts val="0"/>
+              </a:spcBef>
+              <a:spcAft>
+                <a:spcPts val="0"/>
+              </a:spcAft>
+              <a:buFont typeface="Wingdings" panose="05000000000000000000" pitchFamily="2" charset="2"/>
+              <a:buChar char=""/>
+            </a:pPr>
+            <a:r>
+              <a:rPr lang="en-US" sz="2400" dirty="0">
+                <a:latin typeface="Calibri" panose="020F0502020204030204" pitchFamily="34" charset="0"/>
+                <a:ea typeface="Calibri" panose="020F0502020204030204" pitchFamily="34" charset="0"/>
+                <a:cs typeface="Times New Roman" panose="02020603050405020304" pitchFamily="18" charset="0"/>
+              </a:rPr>
+              <a:t>Run vertex </a:t>
+            </a:r>
+            <a:r>
+              <a:rPr lang="en-US" sz="2400" dirty="0" err="1">
+                <a:latin typeface="Calibri" panose="020F0502020204030204" pitchFamily="34" charset="0"/>
+                <a:ea typeface="Calibri" panose="020F0502020204030204" pitchFamily="34" charset="0"/>
+                <a:cs typeface="Times New Roman" panose="02020603050405020304" pitchFamily="18" charset="0"/>
+              </a:rPr>
+              <a:t>shader</a:t>
+            </a:r>
+            <a:r>
+              <a:rPr lang="en-US" sz="2400" dirty="0">
+                <a:latin typeface="Calibri" panose="020F0502020204030204" pitchFamily="34" charset="0"/>
+                <a:ea typeface="Calibri" panose="020F0502020204030204" pitchFamily="34" charset="0"/>
+                <a:cs typeface="Times New Roman" panose="02020603050405020304" pitchFamily="18" charset="0"/>
+              </a:rPr>
+              <a:t> program with input v</a:t>
+            </a:r>
+          </a:p>
+          <a:p>
+            <a:pPr marL="742950" marR="0" lvl="1" indent="-285750">
+              <a:lnSpc>
+                <a:spcPct val="107000"/>
+              </a:lnSpc>
+              <a:spcBef>
+                <a:spcPts val="0"/>
+              </a:spcBef>
+              <a:spcAft>
+                <a:spcPts val="0"/>
+              </a:spcAft>
+              <a:buFont typeface="Courier New" panose="02070309020205020404" pitchFamily="49" charset="0"/>
+              <a:buChar char="o"/>
+            </a:pPr>
+            <a:r>
+              <a:rPr lang="en-US" sz="2400" dirty="0">
+                <a:latin typeface="Calibri" panose="020F0502020204030204" pitchFamily="34" charset="0"/>
+                <a:ea typeface="Calibri" panose="020F0502020204030204" pitchFamily="34" charset="0"/>
+                <a:cs typeface="Times New Roman" panose="02020603050405020304" pitchFamily="18" charset="0"/>
+              </a:rPr>
+              <a:t>Interpolate fragment data f based on 3 vertices of t</a:t>
+            </a:r>
+          </a:p>
+          <a:p>
+            <a:pPr marL="1143000" marR="0" lvl="2" indent="-228600">
+              <a:lnSpc>
+                <a:spcPct val="107000"/>
+              </a:lnSpc>
+              <a:spcBef>
+                <a:spcPts val="0"/>
+              </a:spcBef>
+              <a:spcAft>
+                <a:spcPts val="0"/>
+              </a:spcAft>
+              <a:buFont typeface="Wingdings" panose="05000000000000000000" pitchFamily="2" charset="2"/>
+              <a:buChar char=""/>
+            </a:pPr>
+            <a:r>
+              <a:rPr lang="en-US" sz="2400" dirty="0">
+                <a:latin typeface="Calibri" panose="020F0502020204030204" pitchFamily="34" charset="0"/>
+                <a:ea typeface="Calibri" panose="020F0502020204030204" pitchFamily="34" charset="0"/>
+                <a:cs typeface="Times New Roman" panose="02020603050405020304" pitchFamily="18" charset="0"/>
+              </a:rPr>
+              <a:t>Run fragment </a:t>
+            </a:r>
+            <a:r>
+              <a:rPr lang="en-US" sz="2400" dirty="0" err="1">
+                <a:latin typeface="Calibri" panose="020F0502020204030204" pitchFamily="34" charset="0"/>
+                <a:ea typeface="Calibri" panose="020F0502020204030204" pitchFamily="34" charset="0"/>
+                <a:cs typeface="Times New Roman" panose="02020603050405020304" pitchFamily="18" charset="0"/>
+              </a:rPr>
+              <a:t>shader</a:t>
+            </a:r>
+            <a:r>
+              <a:rPr lang="en-US" sz="2400" dirty="0">
+                <a:latin typeface="Calibri" panose="020F0502020204030204" pitchFamily="34" charset="0"/>
+                <a:ea typeface="Calibri" panose="020F0502020204030204" pitchFamily="34" charset="0"/>
+                <a:cs typeface="Times New Roman" panose="02020603050405020304" pitchFamily="18" charset="0"/>
+              </a:rPr>
+              <a:t> program with input f</a:t>
+            </a:r>
+          </a:p>
+          <a:p>
+            <a:pPr marL="342900" marR="0" lvl="0" indent="-342900">
+              <a:lnSpc>
+                <a:spcPct val="107000"/>
+              </a:lnSpc>
+              <a:spcBef>
+                <a:spcPts val="0"/>
+              </a:spcBef>
+              <a:spcAft>
+                <a:spcPts val="800"/>
+              </a:spcAft>
+              <a:buFont typeface="Symbol" panose="05050102010706020507" pitchFamily="18" charset="2"/>
+              <a:buChar char=""/>
+            </a:pPr>
+            <a:r>
+              <a:rPr lang="en-US" sz="2400" dirty="0">
+                <a:latin typeface="Calibri" panose="020F0502020204030204" pitchFamily="34" charset="0"/>
+                <a:ea typeface="Calibri" panose="020F0502020204030204" pitchFamily="34" charset="0"/>
+                <a:cs typeface="Times New Roman" panose="02020603050405020304" pitchFamily="18" charset="0"/>
+              </a:rPr>
+              <a:t>Decide the visibility and color on each pixel stored in FBO(frame buffer object)</a:t>
+            </a:r>
+            <a:endParaRPr lang="en-US" sz="2400" dirty="0">
+              <a:effectLst/>
+              <a:latin typeface="Calibri" panose="020F0502020204030204" pitchFamily="34" charset="0"/>
+              <a:ea typeface="Calibri" panose="020F0502020204030204" pitchFamily="34" charset="0"/>
+              <a:cs typeface="Times New Roman" panose="02020603050405020304" pitchFamily="18" charset="0"/>
+            </a:endParaRPr>
+          </a:p>
+        </p:txBody>
+      </p:sp>
+    </p:spTree>
+    <p:extLst>
+      <p:ext uri="{BB962C8B-B14F-4D97-AF65-F5344CB8AC3E}">
+        <p14:creationId xmlns:p14="http://schemas.microsoft.com/office/powerpoint/2010/main" val="3868406083"/>
       </p:ext>
     </p:extLst>
   </p:cSld>
@@ -6131,14 +6176,7 @@
                 <a:latin typeface="Segoe UI Light" panose="020B0502040204020203" pitchFamily="34" charset="0"/>
                 <a:cs typeface="Segoe UI Light" panose="020B0502040204020203" pitchFamily="34" charset="0"/>
               </a:rPr>
-              <a:t>Inspecting on the graphics pipeline </a:t>
-            </a:r>
-            <a:r>
-              <a:rPr lang="en-US" dirty="0" smtClean="0">
-                <a:latin typeface="Segoe UI Light" panose="020B0502040204020203" pitchFamily="34" charset="0"/>
-                <a:cs typeface="Segoe UI Light" panose="020B0502040204020203" pitchFamily="34" charset="0"/>
-              </a:rPr>
-              <a:t>opens the black box </a:t>
+              <a:t>Inspecting on the graphics pipeline opens the black box </a:t>
             </a:r>
             <a:endParaRPr lang="en-US" dirty="0">
               <a:latin typeface="Segoe UI Light" panose="020B0502040204020203" pitchFamily="34" charset="0"/>
